--- a/data_analyse.pptx
+++ b/data_analyse.pptx
@@ -5,7 +5,7 @@
     <p:sldMasterId id="2147483648" r:id="rId1"/>
   </p:sldMasterIdLst>
   <p:notesMasterIdLst>
-    <p:notesMasterId r:id="rId19"/>
+    <p:notesMasterId r:id="rId20"/>
   </p:notesMasterIdLst>
   <p:sldIdLst>
     <p:sldId id="262" r:id="rId2"/>
@@ -25,6 +25,7 @@
     <p:sldId id="274" r:id="rId16"/>
     <p:sldId id="276" r:id="rId17"/>
     <p:sldId id="277" r:id="rId18"/>
+    <p:sldId id="278" r:id="rId19"/>
   </p:sldIdLst>
   <p:sldSz cx="12192000" cy="6858000"/>
   <p:notesSz cx="6858000" cy="9144000"/>
@@ -142,2848 +143,6 @@
 </p:presentation>
 </file>
 
-<file path=ppt/diagrams/colors1.xml><?xml version="1.0" encoding="utf-8"?>
-<dgm:colorsDef xmlns:dgm="http://schemas.openxmlformats.org/drawingml/2006/diagram" xmlns:a="http://schemas.openxmlformats.org/drawingml/2006/main" uniqueId="urn:microsoft.com/office/officeart/2005/8/colors/accent1_2">
-  <dgm:title val=""/>
-  <dgm:desc val=""/>
-  <dgm:catLst>
-    <dgm:cat type="accent1" pri="11200"/>
-  </dgm:catLst>
-  <dgm:styleLbl name="node0">
-    <dgm:fillClrLst meth="repeat">
-      <a:schemeClr val="accent1"/>
-    </dgm:fillClrLst>
-    <dgm:linClrLst meth="repeat">
-      <a:schemeClr val="lt1"/>
-    </dgm:linClrLst>
-    <dgm:effectClrLst/>
-    <dgm:txLinClrLst/>
-    <dgm:txFillClrLst/>
-    <dgm:txEffectClrLst/>
-  </dgm:styleLbl>
-  <dgm:styleLbl name="alignNode1">
-    <dgm:fillClrLst meth="repeat">
-      <a:schemeClr val="accent1"/>
-    </dgm:fillClrLst>
-    <dgm:linClrLst meth="repeat">
-      <a:schemeClr val="accent1"/>
-    </dgm:linClrLst>
-    <dgm:effectClrLst/>
-    <dgm:txLinClrLst/>
-    <dgm:txFillClrLst/>
-    <dgm:txEffectClrLst/>
-  </dgm:styleLbl>
-  <dgm:styleLbl name="node1">
-    <dgm:fillClrLst meth="repeat">
-      <a:schemeClr val="accent1"/>
-    </dgm:fillClrLst>
-    <dgm:linClrLst meth="repeat">
-      <a:schemeClr val="lt1"/>
-    </dgm:linClrLst>
-    <dgm:effectClrLst/>
-    <dgm:txLinClrLst/>
-    <dgm:txFillClrLst/>
-    <dgm:txEffectClrLst/>
-  </dgm:styleLbl>
-  <dgm:styleLbl name="lnNode1">
-    <dgm:fillClrLst meth="repeat">
-      <a:schemeClr val="accent1"/>
-    </dgm:fillClrLst>
-    <dgm:linClrLst meth="repeat">
-      <a:schemeClr val="lt1"/>
-    </dgm:linClrLst>
-    <dgm:effectClrLst/>
-    <dgm:txLinClrLst/>
-    <dgm:txFillClrLst/>
-    <dgm:txEffectClrLst/>
-  </dgm:styleLbl>
-  <dgm:styleLbl name="vennNode1">
-    <dgm:fillClrLst meth="repeat">
-      <a:schemeClr val="accent1">
-        <a:alpha val="50000"/>
-      </a:schemeClr>
-    </dgm:fillClrLst>
-    <dgm:linClrLst meth="repeat">
-      <a:schemeClr val="lt1"/>
-    </dgm:linClrLst>
-    <dgm:effectClrLst/>
-    <dgm:txLinClrLst/>
-    <dgm:txFillClrLst/>
-    <dgm:txEffectClrLst/>
-  </dgm:styleLbl>
-  <dgm:styleLbl name="node2">
-    <dgm:fillClrLst meth="repeat">
-      <a:schemeClr val="accent1"/>
-    </dgm:fillClrLst>
-    <dgm:linClrLst meth="repeat">
-      <a:schemeClr val="lt1"/>
-    </dgm:linClrLst>
-    <dgm:effectClrLst/>
-    <dgm:txLinClrLst/>
-    <dgm:txFillClrLst/>
-    <dgm:txEffectClrLst/>
-  </dgm:styleLbl>
-  <dgm:styleLbl name="node3">
-    <dgm:fillClrLst meth="repeat">
-      <a:schemeClr val="accent1"/>
-    </dgm:fillClrLst>
-    <dgm:linClrLst meth="repeat">
-      <a:schemeClr val="lt1"/>
-    </dgm:linClrLst>
-    <dgm:effectClrLst/>
-    <dgm:txLinClrLst/>
-    <dgm:txFillClrLst/>
-    <dgm:txEffectClrLst/>
-  </dgm:styleLbl>
-  <dgm:styleLbl name="node4">
-    <dgm:fillClrLst meth="repeat">
-      <a:schemeClr val="accent1"/>
-    </dgm:fillClrLst>
-    <dgm:linClrLst meth="repeat">
-      <a:schemeClr val="lt1"/>
-    </dgm:linClrLst>
-    <dgm:effectClrLst/>
-    <dgm:txLinClrLst/>
-    <dgm:txFillClrLst/>
-    <dgm:txEffectClrLst/>
-  </dgm:styleLbl>
-  <dgm:styleLbl name="fgImgPlace1">
-    <dgm:fillClrLst meth="repeat">
-      <a:schemeClr val="accent1">
-        <a:tint val="50000"/>
-      </a:schemeClr>
-    </dgm:fillClrLst>
-    <dgm:linClrLst meth="repeat">
-      <a:schemeClr val="lt1"/>
-    </dgm:linClrLst>
-    <dgm:effectClrLst/>
-    <dgm:txLinClrLst/>
-    <dgm:txFillClrLst meth="repeat">
-      <a:schemeClr val="lt1"/>
-    </dgm:txFillClrLst>
-    <dgm:txEffectClrLst/>
-  </dgm:styleLbl>
-  <dgm:styleLbl name="alignImgPlace1">
-    <dgm:fillClrLst meth="repeat">
-      <a:schemeClr val="accent1">
-        <a:tint val="50000"/>
-      </a:schemeClr>
-    </dgm:fillClrLst>
-    <dgm:linClrLst meth="repeat">
-      <a:schemeClr val="lt1"/>
-    </dgm:linClrLst>
-    <dgm:effectClrLst/>
-    <dgm:txLinClrLst/>
-    <dgm:txFillClrLst meth="repeat">
-      <a:schemeClr val="lt1"/>
-    </dgm:txFillClrLst>
-    <dgm:txEffectClrLst/>
-  </dgm:styleLbl>
-  <dgm:styleLbl name="bgImgPlace1">
-    <dgm:fillClrLst meth="repeat">
-      <a:schemeClr val="accent1">
-        <a:tint val="50000"/>
-      </a:schemeClr>
-    </dgm:fillClrLst>
-    <dgm:linClrLst meth="repeat">
-      <a:schemeClr val="lt1"/>
-    </dgm:linClrLst>
-    <dgm:effectClrLst/>
-    <dgm:txLinClrLst/>
-    <dgm:txFillClrLst meth="repeat">
-      <a:schemeClr val="lt1"/>
-    </dgm:txFillClrLst>
-    <dgm:txEffectClrLst/>
-  </dgm:styleLbl>
-  <dgm:styleLbl name="sibTrans2D1">
-    <dgm:fillClrLst meth="repeat">
-      <a:schemeClr val="accent1">
-        <a:tint val="60000"/>
-      </a:schemeClr>
-    </dgm:fillClrLst>
-    <dgm:linClrLst meth="repeat">
-      <a:schemeClr val="accent1">
-        <a:tint val="60000"/>
-      </a:schemeClr>
-    </dgm:linClrLst>
-    <dgm:effectClrLst/>
-    <dgm:txLinClrLst/>
-    <dgm:txFillClrLst/>
-    <dgm:txEffectClrLst/>
-  </dgm:styleLbl>
-  <dgm:styleLbl name="fgSibTrans2D1">
-    <dgm:fillClrLst meth="repeat">
-      <a:schemeClr val="accent1">
-        <a:tint val="60000"/>
-      </a:schemeClr>
-    </dgm:fillClrLst>
-    <dgm:linClrLst meth="repeat">
-      <a:schemeClr val="accent1">
-        <a:tint val="60000"/>
-      </a:schemeClr>
-    </dgm:linClrLst>
-    <dgm:effectClrLst/>
-    <dgm:txLinClrLst/>
-    <dgm:txFillClrLst/>
-    <dgm:txEffectClrLst/>
-  </dgm:styleLbl>
-  <dgm:styleLbl name="bgSibTrans2D1">
-    <dgm:fillClrLst meth="repeat">
-      <a:schemeClr val="accent1">
-        <a:tint val="60000"/>
-      </a:schemeClr>
-    </dgm:fillClrLst>
-    <dgm:linClrLst meth="repeat">
-      <a:schemeClr val="accent1">
-        <a:tint val="60000"/>
-      </a:schemeClr>
-    </dgm:linClrLst>
-    <dgm:effectClrLst/>
-    <dgm:txLinClrLst/>
-    <dgm:txFillClrLst/>
-    <dgm:txEffectClrLst/>
-  </dgm:styleLbl>
-  <dgm:styleLbl name="sibTrans1D1">
-    <dgm:fillClrLst meth="repeat">
-      <a:schemeClr val="accent1"/>
-    </dgm:fillClrLst>
-    <dgm:linClrLst meth="repeat">
-      <a:schemeClr val="accent1"/>
-    </dgm:linClrLst>
-    <dgm:effectClrLst/>
-    <dgm:txLinClrLst/>
-    <dgm:txFillClrLst meth="repeat">
-      <a:schemeClr val="tx1"/>
-    </dgm:txFillClrLst>
-    <dgm:txEffectClrLst/>
-  </dgm:styleLbl>
-  <dgm:styleLbl name="callout">
-    <dgm:fillClrLst meth="repeat">
-      <a:schemeClr val="accent1"/>
-    </dgm:fillClrLst>
-    <dgm:linClrLst meth="repeat">
-      <a:schemeClr val="accent1">
-        <a:tint val="50000"/>
-      </a:schemeClr>
-    </dgm:linClrLst>
-    <dgm:effectClrLst/>
-    <dgm:txLinClrLst/>
-    <dgm:txFillClrLst meth="repeat">
-      <a:schemeClr val="tx1"/>
-    </dgm:txFillClrLst>
-    <dgm:txEffectClrLst/>
-  </dgm:styleLbl>
-  <dgm:styleLbl name="asst0">
-    <dgm:fillClrLst meth="repeat">
-      <a:schemeClr val="accent1"/>
-    </dgm:fillClrLst>
-    <dgm:linClrLst meth="repeat">
-      <a:schemeClr val="lt1"/>
-    </dgm:linClrLst>
-    <dgm:effectClrLst/>
-    <dgm:txLinClrLst/>
-    <dgm:txFillClrLst/>
-    <dgm:txEffectClrLst/>
-  </dgm:styleLbl>
-  <dgm:styleLbl name="asst1">
-    <dgm:fillClrLst meth="repeat">
-      <a:schemeClr val="accent1"/>
-    </dgm:fillClrLst>
-    <dgm:linClrLst meth="repeat">
-      <a:schemeClr val="lt1"/>
-    </dgm:linClrLst>
-    <dgm:effectClrLst/>
-    <dgm:txLinClrLst/>
-    <dgm:txFillClrLst/>
-    <dgm:txEffectClrLst/>
-  </dgm:styleLbl>
-  <dgm:styleLbl name="asst2">
-    <dgm:fillClrLst meth="repeat">
-      <a:schemeClr val="accent1"/>
-    </dgm:fillClrLst>
-    <dgm:linClrLst meth="repeat">
-      <a:schemeClr val="lt1"/>
-    </dgm:linClrLst>
-    <dgm:effectClrLst/>
-    <dgm:txLinClrLst/>
-    <dgm:txFillClrLst/>
-    <dgm:txEffectClrLst/>
-  </dgm:styleLbl>
-  <dgm:styleLbl name="asst3">
-    <dgm:fillClrLst meth="repeat">
-      <a:schemeClr val="accent1"/>
-    </dgm:fillClrLst>
-    <dgm:linClrLst meth="repeat">
-      <a:schemeClr val="lt1"/>
-    </dgm:linClrLst>
-    <dgm:effectClrLst/>
-    <dgm:txLinClrLst/>
-    <dgm:txFillClrLst/>
-    <dgm:txEffectClrLst/>
-  </dgm:styleLbl>
-  <dgm:styleLbl name="asst4">
-    <dgm:fillClrLst meth="repeat">
-      <a:schemeClr val="accent1"/>
-    </dgm:fillClrLst>
-    <dgm:linClrLst meth="repeat">
-      <a:schemeClr val="lt1"/>
-    </dgm:linClrLst>
-    <dgm:effectClrLst/>
-    <dgm:txLinClrLst/>
-    <dgm:txFillClrLst/>
-    <dgm:txEffectClrLst/>
-  </dgm:styleLbl>
-  <dgm:styleLbl name="parChTrans2D1">
-    <dgm:fillClrLst meth="repeat">
-      <a:schemeClr val="accent1">
-        <a:tint val="60000"/>
-      </a:schemeClr>
-    </dgm:fillClrLst>
-    <dgm:linClrLst meth="repeat">
-      <a:schemeClr val="accent1">
-        <a:tint val="60000"/>
-      </a:schemeClr>
-    </dgm:linClrLst>
-    <dgm:effectClrLst/>
-    <dgm:txLinClrLst/>
-    <dgm:txFillClrLst meth="repeat">
-      <a:schemeClr val="lt1"/>
-    </dgm:txFillClrLst>
-    <dgm:txEffectClrLst/>
-  </dgm:styleLbl>
-  <dgm:styleLbl name="parChTrans2D2">
-    <dgm:fillClrLst meth="repeat">
-      <a:schemeClr val="accent1"/>
-    </dgm:fillClrLst>
-    <dgm:linClrLst meth="repeat">
-      <a:schemeClr val="accent1"/>
-    </dgm:linClrLst>
-    <dgm:effectClrLst/>
-    <dgm:txLinClrLst/>
-    <dgm:txFillClrLst meth="repeat">
-      <a:schemeClr val="lt1"/>
-    </dgm:txFillClrLst>
-    <dgm:txEffectClrLst/>
-  </dgm:styleLbl>
-  <dgm:styleLbl name="parChTrans2D3">
-    <dgm:fillClrLst meth="repeat">
-      <a:schemeClr val="accent1"/>
-    </dgm:fillClrLst>
-    <dgm:linClrLst meth="repeat">
-      <a:schemeClr val="accent1"/>
-    </dgm:linClrLst>
-    <dgm:effectClrLst/>
-    <dgm:txLinClrLst/>
-    <dgm:txFillClrLst meth="repeat">
-      <a:schemeClr val="lt1"/>
-    </dgm:txFillClrLst>
-    <dgm:txEffectClrLst/>
-  </dgm:styleLbl>
-  <dgm:styleLbl name="parChTrans2D4">
-    <dgm:fillClrLst meth="repeat">
-      <a:schemeClr val="accent1"/>
-    </dgm:fillClrLst>
-    <dgm:linClrLst meth="repeat">
-      <a:schemeClr val="accent1"/>
-    </dgm:linClrLst>
-    <dgm:effectClrLst/>
-    <dgm:txLinClrLst/>
-    <dgm:txFillClrLst meth="repeat">
-      <a:schemeClr val="lt1"/>
-    </dgm:txFillClrLst>
-    <dgm:txEffectClrLst/>
-  </dgm:styleLbl>
-  <dgm:styleLbl name="parChTrans1D1">
-    <dgm:fillClrLst meth="repeat">
-      <a:schemeClr val="accent1"/>
-    </dgm:fillClrLst>
-    <dgm:linClrLst meth="repeat">
-      <a:schemeClr val="accent1">
-        <a:shade val="60000"/>
-      </a:schemeClr>
-    </dgm:linClrLst>
-    <dgm:effectClrLst/>
-    <dgm:txLinClrLst/>
-    <dgm:txFillClrLst meth="repeat">
-      <a:schemeClr val="tx1"/>
-    </dgm:txFillClrLst>
-    <dgm:txEffectClrLst/>
-  </dgm:styleLbl>
-  <dgm:styleLbl name="parChTrans1D2">
-    <dgm:fillClrLst meth="repeat">
-      <a:schemeClr val="accent1"/>
-    </dgm:fillClrLst>
-    <dgm:linClrLst meth="repeat">
-      <a:schemeClr val="accent1">
-        <a:shade val="60000"/>
-      </a:schemeClr>
-    </dgm:linClrLst>
-    <dgm:effectClrLst/>
-    <dgm:txLinClrLst/>
-    <dgm:txFillClrLst meth="repeat">
-      <a:schemeClr val="tx1"/>
-    </dgm:txFillClrLst>
-    <dgm:txEffectClrLst/>
-  </dgm:styleLbl>
-  <dgm:styleLbl name="parChTrans1D3">
-    <dgm:fillClrLst meth="repeat">
-      <a:schemeClr val="accent1"/>
-    </dgm:fillClrLst>
-    <dgm:linClrLst meth="repeat">
-      <a:schemeClr val="accent1">
-        <a:shade val="80000"/>
-      </a:schemeClr>
-    </dgm:linClrLst>
-    <dgm:effectClrLst/>
-    <dgm:txLinClrLst/>
-    <dgm:txFillClrLst meth="repeat">
-      <a:schemeClr val="tx1"/>
-    </dgm:txFillClrLst>
-    <dgm:txEffectClrLst/>
-  </dgm:styleLbl>
-  <dgm:styleLbl name="parChTrans1D4">
-    <dgm:fillClrLst meth="repeat">
-      <a:schemeClr val="accent1"/>
-    </dgm:fillClrLst>
-    <dgm:linClrLst meth="repeat">
-      <a:schemeClr val="accent1">
-        <a:shade val="80000"/>
-      </a:schemeClr>
-    </dgm:linClrLst>
-    <dgm:effectClrLst/>
-    <dgm:txLinClrLst/>
-    <dgm:txFillClrLst meth="repeat">
-      <a:schemeClr val="tx1"/>
-    </dgm:txFillClrLst>
-    <dgm:txEffectClrLst/>
-  </dgm:styleLbl>
-  <dgm:styleLbl name="fgAcc1">
-    <dgm:fillClrLst meth="repeat">
-      <a:schemeClr val="lt1">
-        <a:alpha val="90000"/>
-      </a:schemeClr>
-    </dgm:fillClrLst>
-    <dgm:linClrLst meth="repeat">
-      <a:schemeClr val="accent1"/>
-    </dgm:linClrLst>
-    <dgm:effectClrLst/>
-    <dgm:txLinClrLst/>
-    <dgm:txFillClrLst meth="repeat">
-      <a:schemeClr val="dk1"/>
-    </dgm:txFillClrLst>
-    <dgm:txEffectClrLst/>
-  </dgm:styleLbl>
-  <dgm:styleLbl name="conFgAcc1">
-    <dgm:fillClrLst meth="repeat">
-      <a:schemeClr val="lt1">
-        <a:alpha val="90000"/>
-      </a:schemeClr>
-    </dgm:fillClrLst>
-    <dgm:linClrLst meth="repeat">
-      <a:schemeClr val="accent1"/>
-    </dgm:linClrLst>
-    <dgm:effectClrLst/>
-    <dgm:txLinClrLst/>
-    <dgm:txFillClrLst meth="repeat">
-      <a:schemeClr val="dk1"/>
-    </dgm:txFillClrLst>
-    <dgm:txEffectClrLst/>
-  </dgm:styleLbl>
-  <dgm:styleLbl name="alignAcc1">
-    <dgm:fillClrLst meth="repeat">
-      <a:schemeClr val="lt1">
-        <a:alpha val="90000"/>
-      </a:schemeClr>
-    </dgm:fillClrLst>
-    <dgm:linClrLst meth="repeat">
-      <a:schemeClr val="accent1"/>
-    </dgm:linClrLst>
-    <dgm:effectClrLst/>
-    <dgm:txLinClrLst/>
-    <dgm:txFillClrLst meth="repeat">
-      <a:schemeClr val="dk1"/>
-    </dgm:txFillClrLst>
-    <dgm:txEffectClrLst/>
-  </dgm:styleLbl>
-  <dgm:styleLbl name="trAlignAcc1">
-    <dgm:fillClrLst meth="repeat">
-      <a:schemeClr val="lt1">
-        <a:alpha val="40000"/>
-      </a:schemeClr>
-    </dgm:fillClrLst>
-    <dgm:linClrLst meth="repeat">
-      <a:schemeClr val="accent1"/>
-    </dgm:linClrLst>
-    <dgm:effectClrLst/>
-    <dgm:txLinClrLst/>
-    <dgm:txFillClrLst meth="repeat">
-      <a:schemeClr val="dk1"/>
-    </dgm:txFillClrLst>
-    <dgm:txEffectClrLst/>
-  </dgm:styleLbl>
-  <dgm:styleLbl name="bgAcc1">
-    <dgm:fillClrLst meth="repeat">
-      <a:schemeClr val="lt1">
-        <a:alpha val="90000"/>
-      </a:schemeClr>
-    </dgm:fillClrLst>
-    <dgm:linClrLst meth="repeat">
-      <a:schemeClr val="accent1"/>
-    </dgm:linClrLst>
-    <dgm:effectClrLst/>
-    <dgm:txLinClrLst/>
-    <dgm:txFillClrLst meth="repeat">
-      <a:schemeClr val="dk1"/>
-    </dgm:txFillClrLst>
-    <dgm:txEffectClrLst/>
-  </dgm:styleLbl>
-  <dgm:styleLbl name="solidFgAcc1">
-    <dgm:fillClrLst meth="repeat">
-      <a:schemeClr val="lt1"/>
-    </dgm:fillClrLst>
-    <dgm:linClrLst meth="repeat">
-      <a:schemeClr val="accent1"/>
-    </dgm:linClrLst>
-    <dgm:effectClrLst/>
-    <dgm:txLinClrLst/>
-    <dgm:txFillClrLst meth="repeat">
-      <a:schemeClr val="dk1"/>
-    </dgm:txFillClrLst>
-    <dgm:txEffectClrLst/>
-  </dgm:styleLbl>
-  <dgm:styleLbl name="solidAlignAcc1">
-    <dgm:fillClrLst meth="repeat">
-      <a:schemeClr val="lt1"/>
-    </dgm:fillClrLst>
-    <dgm:linClrLst meth="repeat">
-      <a:schemeClr val="accent1"/>
-    </dgm:linClrLst>
-    <dgm:effectClrLst/>
-    <dgm:txLinClrLst/>
-    <dgm:txFillClrLst meth="repeat">
-      <a:schemeClr val="dk1"/>
-    </dgm:txFillClrLst>
-    <dgm:txEffectClrLst/>
-  </dgm:styleLbl>
-  <dgm:styleLbl name="solidBgAcc1">
-    <dgm:fillClrLst meth="repeat">
-      <a:schemeClr val="lt1"/>
-    </dgm:fillClrLst>
-    <dgm:linClrLst meth="repeat">
-      <a:schemeClr val="accent1"/>
-    </dgm:linClrLst>
-    <dgm:effectClrLst/>
-    <dgm:txLinClrLst/>
-    <dgm:txFillClrLst meth="repeat">
-      <a:schemeClr val="dk1"/>
-    </dgm:txFillClrLst>
-    <dgm:txEffectClrLst/>
-  </dgm:styleLbl>
-  <dgm:styleLbl name="fgAccFollowNode1">
-    <dgm:fillClrLst meth="repeat">
-      <a:schemeClr val="accent1">
-        <a:alpha val="90000"/>
-        <a:tint val="40000"/>
-      </a:schemeClr>
-    </dgm:fillClrLst>
-    <dgm:linClrLst meth="repeat">
-      <a:schemeClr val="accent1">
-        <a:alpha val="90000"/>
-        <a:tint val="40000"/>
-      </a:schemeClr>
-    </dgm:linClrLst>
-    <dgm:effectClrLst/>
-    <dgm:txLinClrLst/>
-    <dgm:txFillClrLst meth="repeat">
-      <a:schemeClr val="dk1"/>
-    </dgm:txFillClrLst>
-    <dgm:txEffectClrLst/>
-  </dgm:styleLbl>
-  <dgm:styleLbl name="alignAccFollowNode1">
-    <dgm:fillClrLst meth="repeat">
-      <a:schemeClr val="accent1">
-        <a:alpha val="90000"/>
-        <a:tint val="40000"/>
-      </a:schemeClr>
-    </dgm:fillClrLst>
-    <dgm:linClrLst meth="repeat">
-      <a:schemeClr val="accent1">
-        <a:alpha val="90000"/>
-        <a:tint val="40000"/>
-      </a:schemeClr>
-    </dgm:linClrLst>
-    <dgm:effectClrLst/>
-    <dgm:txLinClrLst/>
-    <dgm:txFillClrLst meth="repeat">
-      <a:schemeClr val="dk1"/>
-    </dgm:txFillClrLst>
-    <dgm:txEffectClrLst/>
-  </dgm:styleLbl>
-  <dgm:styleLbl name="bgAccFollowNode1">
-    <dgm:fillClrLst meth="repeat">
-      <a:schemeClr val="accent1">
-        <a:alpha val="90000"/>
-        <a:tint val="40000"/>
-      </a:schemeClr>
-    </dgm:fillClrLst>
-    <dgm:linClrLst meth="repeat">
-      <a:schemeClr val="accent1">
-        <a:alpha val="90000"/>
-        <a:tint val="40000"/>
-      </a:schemeClr>
-    </dgm:linClrLst>
-    <dgm:effectClrLst/>
-    <dgm:txLinClrLst/>
-    <dgm:txFillClrLst meth="repeat">
-      <a:schemeClr val="dk1"/>
-    </dgm:txFillClrLst>
-    <dgm:txEffectClrLst/>
-  </dgm:styleLbl>
-  <dgm:styleLbl name="fgAcc0">
-    <dgm:fillClrLst meth="repeat">
-      <a:schemeClr val="lt1">
-        <a:alpha val="90000"/>
-      </a:schemeClr>
-    </dgm:fillClrLst>
-    <dgm:linClrLst meth="repeat">
-      <a:schemeClr val="accent1"/>
-    </dgm:linClrLst>
-    <dgm:effectClrLst/>
-    <dgm:txLinClrLst/>
-    <dgm:txFillClrLst meth="repeat">
-      <a:schemeClr val="dk1"/>
-    </dgm:txFillClrLst>
-    <dgm:txEffectClrLst/>
-  </dgm:styleLbl>
-  <dgm:styleLbl name="fgAcc2">
-    <dgm:fillClrLst meth="repeat">
-      <a:schemeClr val="lt1">
-        <a:alpha val="90000"/>
-      </a:schemeClr>
-    </dgm:fillClrLst>
-    <dgm:linClrLst meth="repeat">
-      <a:schemeClr val="accent1"/>
-    </dgm:linClrLst>
-    <dgm:effectClrLst/>
-    <dgm:txLinClrLst/>
-    <dgm:txFillClrLst meth="repeat">
-      <a:schemeClr val="dk1"/>
-    </dgm:txFillClrLst>
-    <dgm:txEffectClrLst/>
-  </dgm:styleLbl>
-  <dgm:styleLbl name="fgAcc3">
-    <dgm:fillClrLst meth="repeat">
-      <a:schemeClr val="lt1">
-        <a:alpha val="90000"/>
-      </a:schemeClr>
-    </dgm:fillClrLst>
-    <dgm:linClrLst meth="repeat">
-      <a:schemeClr val="accent1"/>
-    </dgm:linClrLst>
-    <dgm:effectClrLst/>
-    <dgm:txLinClrLst/>
-    <dgm:txFillClrLst meth="repeat">
-      <a:schemeClr val="dk1"/>
-    </dgm:txFillClrLst>
-    <dgm:txEffectClrLst/>
-  </dgm:styleLbl>
-  <dgm:styleLbl name="fgAcc4">
-    <dgm:fillClrLst meth="repeat">
-      <a:schemeClr val="lt1">
-        <a:alpha val="90000"/>
-      </a:schemeClr>
-    </dgm:fillClrLst>
-    <dgm:linClrLst meth="repeat">
-      <a:schemeClr val="accent1"/>
-    </dgm:linClrLst>
-    <dgm:effectClrLst/>
-    <dgm:txLinClrLst/>
-    <dgm:txFillClrLst meth="repeat">
-      <a:schemeClr val="dk1"/>
-    </dgm:txFillClrLst>
-    <dgm:txEffectClrLst/>
-  </dgm:styleLbl>
-  <dgm:styleLbl name="bgShp">
-    <dgm:fillClrLst meth="repeat">
-      <a:schemeClr val="accent1">
-        <a:tint val="40000"/>
-      </a:schemeClr>
-    </dgm:fillClrLst>
-    <dgm:linClrLst meth="repeat">
-      <a:schemeClr val="accent1"/>
-    </dgm:linClrLst>
-    <dgm:effectClrLst/>
-    <dgm:txLinClrLst/>
-    <dgm:txFillClrLst meth="repeat">
-      <a:schemeClr val="dk1"/>
-    </dgm:txFillClrLst>
-    <dgm:txEffectClrLst/>
-  </dgm:styleLbl>
-  <dgm:styleLbl name="dkBgShp">
-    <dgm:fillClrLst meth="repeat">
-      <a:schemeClr val="accent1">
-        <a:shade val="80000"/>
-      </a:schemeClr>
-    </dgm:fillClrLst>
-    <dgm:linClrLst meth="repeat">
-      <a:schemeClr val="accent1"/>
-    </dgm:linClrLst>
-    <dgm:effectClrLst/>
-    <dgm:txLinClrLst/>
-    <dgm:txFillClrLst meth="repeat">
-      <a:schemeClr val="lt1"/>
-    </dgm:txFillClrLst>
-    <dgm:txEffectClrLst/>
-  </dgm:styleLbl>
-  <dgm:styleLbl name="trBgShp">
-    <dgm:fillClrLst meth="repeat">
-      <a:schemeClr val="accent1">
-        <a:tint val="50000"/>
-        <a:alpha val="40000"/>
-      </a:schemeClr>
-    </dgm:fillClrLst>
-    <dgm:linClrLst meth="repeat">
-      <a:schemeClr val="accent1"/>
-    </dgm:linClrLst>
-    <dgm:effectClrLst/>
-    <dgm:txLinClrLst/>
-    <dgm:txFillClrLst meth="repeat">
-      <a:schemeClr val="lt1"/>
-    </dgm:txFillClrLst>
-    <dgm:txEffectClrLst/>
-  </dgm:styleLbl>
-  <dgm:styleLbl name="fgShp">
-    <dgm:fillClrLst meth="repeat">
-      <a:schemeClr val="accent1">
-        <a:tint val="60000"/>
-      </a:schemeClr>
-    </dgm:fillClrLst>
-    <dgm:linClrLst meth="repeat">
-      <a:schemeClr val="lt1"/>
-    </dgm:linClrLst>
-    <dgm:effectClrLst/>
-    <dgm:txLinClrLst/>
-    <dgm:txFillClrLst meth="repeat">
-      <a:schemeClr val="dk1"/>
-    </dgm:txFillClrLst>
-    <dgm:txEffectClrLst/>
-  </dgm:styleLbl>
-  <dgm:styleLbl name="revTx">
-    <dgm:fillClrLst meth="repeat">
-      <a:schemeClr val="lt1">
-        <a:alpha val="0"/>
-      </a:schemeClr>
-    </dgm:fillClrLst>
-    <dgm:linClrLst meth="repeat">
-      <a:schemeClr val="dk1">
-        <a:alpha val="0"/>
-      </a:schemeClr>
-    </dgm:linClrLst>
-    <dgm:effectClrLst/>
-    <dgm:txLinClrLst/>
-    <dgm:txFillClrLst meth="repeat">
-      <a:schemeClr val="tx1"/>
-    </dgm:txFillClrLst>
-    <dgm:txEffectClrLst/>
-  </dgm:styleLbl>
-</dgm:colorsDef>
-</file>
-
-<file path=ppt/diagrams/data1.xml><?xml version="1.0" encoding="utf-8"?>
-<dgm:dataModel xmlns:dgm="http://schemas.openxmlformats.org/drawingml/2006/diagram" xmlns:a="http://schemas.openxmlformats.org/drawingml/2006/main">
-  <dgm:ptLst>
-    <dgm:pt modelId="{7F30A687-BAE5-4A5D-9C55-8DFF2A0F07E2}" type="doc">
-      <dgm:prSet loTypeId="urn:microsoft.com/office/officeart/2009/3/layout/StepUpProcess" loCatId="process" qsTypeId="urn:microsoft.com/office/officeart/2005/8/quickstyle/simple1" qsCatId="simple" csTypeId="urn:microsoft.com/office/officeart/2005/8/colors/accent1_2" csCatId="accent1" phldr="1"/>
-      <dgm:spPr/>
-      <dgm:t>
-        <a:bodyPr/>
-        <a:lstStyle/>
-        <a:p>
-          <a:endParaRPr lang="zh-CN" altLang="en-US"/>
-        </a:p>
-      </dgm:t>
-    </dgm:pt>
-    <dgm:pt modelId="{BCEEE290-36BB-4F15-8171-076C8DA6854D}">
-      <dgm:prSet phldrT="[文本]" custT="1"/>
-      <dgm:spPr/>
-      <dgm:t>
-        <a:bodyPr/>
-        <a:lstStyle/>
-        <a:p>
-          <a:pPr marL="0" lvl="0" indent="0" algn="l" defTabSz="889000">
-            <a:lnSpc>
-              <a:spcPct val="90000"/>
-            </a:lnSpc>
-            <a:spcBef>
-              <a:spcPct val="0"/>
-            </a:spcBef>
-            <a:spcAft>
-              <a:spcPct val="35000"/>
-            </a:spcAft>
-            <a:buNone/>
-          </a:pPr>
-          <a:r>
-            <a:rPr lang="zh-CN" altLang="en-US" sz="2000" kern="1200" dirty="0">
-              <a:solidFill>
-                <a:prstClr val="black">
-                  <a:hueOff val="0"/>
-                  <a:satOff val="0"/>
-                  <a:lumOff val="0"/>
-                  <a:alphaOff val="0"/>
-                </a:prstClr>
-              </a:solidFill>
-              <a:latin typeface="等线" panose="020F0502020204030204"/>
-              <a:ea typeface="等线" panose="02010600030101010101" pitchFamily="2" charset="-122"/>
-              <a:cs typeface="+mn-cs"/>
-            </a:rPr>
-            <a:t>销售额下降</a:t>
-          </a:r>
-        </a:p>
-      </dgm:t>
-    </dgm:pt>
-    <dgm:pt modelId="{C0C85873-F63E-4BB9-98A7-E8AC735E0533}" type="parTrans" cxnId="{FD769B37-D74B-4588-B7ED-EE3E5F516EC8}">
-      <dgm:prSet/>
-      <dgm:spPr/>
-      <dgm:t>
-        <a:bodyPr/>
-        <a:lstStyle/>
-        <a:p>
-          <a:endParaRPr lang="zh-CN" altLang="en-US"/>
-        </a:p>
-      </dgm:t>
-    </dgm:pt>
-    <dgm:pt modelId="{11E43466-9E2E-4866-A24E-563FD4DE9D58}" type="sibTrans" cxnId="{FD769B37-D74B-4588-B7ED-EE3E5F516EC8}">
-      <dgm:prSet/>
-      <dgm:spPr/>
-      <dgm:t>
-        <a:bodyPr/>
-        <a:lstStyle/>
-        <a:p>
-          <a:endParaRPr lang="zh-CN" altLang="en-US"/>
-        </a:p>
-      </dgm:t>
-    </dgm:pt>
-    <dgm:pt modelId="{256E7205-EC06-489D-ABA4-954EB286955E}">
-      <dgm:prSet phldrT="[文本]"/>
-      <dgm:spPr/>
-      <dgm:t>
-        <a:bodyPr/>
-        <a:lstStyle/>
-        <a:p>
-          <a:r>
-            <a:rPr lang="zh-CN" altLang="en-US" dirty="0"/>
-            <a:t>宣传问题</a:t>
-          </a:r>
-          <a:endParaRPr lang="en-US" altLang="zh-CN" dirty="0"/>
-        </a:p>
-        <a:p>
-          <a:r>
-            <a:rPr lang="zh-CN" altLang="en-US" dirty="0"/>
-            <a:t>游戏活动主题问题</a:t>
-          </a:r>
-        </a:p>
-      </dgm:t>
-    </dgm:pt>
-    <dgm:pt modelId="{D3554041-EDEB-4E15-B5D6-777C13F75799}" type="parTrans" cxnId="{9031F370-60AD-448E-853C-DE301E04EB97}">
-      <dgm:prSet/>
-      <dgm:spPr/>
-      <dgm:t>
-        <a:bodyPr/>
-        <a:lstStyle/>
-        <a:p>
-          <a:endParaRPr lang="zh-CN" altLang="en-US"/>
-        </a:p>
-      </dgm:t>
-    </dgm:pt>
-    <dgm:pt modelId="{A8022109-EF17-415B-B0AD-C28ED9185ABB}" type="sibTrans" cxnId="{9031F370-60AD-448E-853C-DE301E04EB97}">
-      <dgm:prSet/>
-      <dgm:spPr/>
-      <dgm:t>
-        <a:bodyPr/>
-        <a:lstStyle/>
-        <a:p>
-          <a:endParaRPr lang="zh-CN" altLang="en-US"/>
-        </a:p>
-      </dgm:t>
-    </dgm:pt>
-    <dgm:pt modelId="{FF4B825B-0ED2-437C-B217-230F8715C667}">
-      <dgm:prSet phldrT="[文本]"/>
-      <dgm:spPr/>
-      <dgm:t>
-        <a:bodyPr/>
-        <a:lstStyle/>
-        <a:p>
-          <a:r>
-            <a:rPr lang="zh-CN" altLang="en-US" dirty="0"/>
-            <a:t>预算导致宣传减少</a:t>
-          </a:r>
-          <a:endParaRPr lang="en-US" altLang="zh-CN" dirty="0"/>
-        </a:p>
-        <a:p>
-          <a:r>
-            <a:rPr lang="zh-CN" altLang="en-US" dirty="0"/>
-            <a:t>游戏活动主题基本没变化</a:t>
-          </a:r>
-          <a:endParaRPr lang="en-US" altLang="zh-CN" dirty="0"/>
-        </a:p>
-        <a:p>
-          <a:endParaRPr lang="zh-CN" altLang="en-US" dirty="0"/>
-        </a:p>
-      </dgm:t>
-    </dgm:pt>
-    <dgm:pt modelId="{B0452922-2EA2-4C7D-8D6F-1751B1F611F0}" type="parTrans" cxnId="{3F7C9336-6860-4455-B3DF-5A4EC31FFAFB}">
-      <dgm:prSet/>
-      <dgm:spPr/>
-      <dgm:t>
-        <a:bodyPr/>
-        <a:lstStyle/>
-        <a:p>
-          <a:endParaRPr lang="zh-CN" altLang="en-US"/>
-        </a:p>
-      </dgm:t>
-    </dgm:pt>
-    <dgm:pt modelId="{97A24B12-A4BA-423A-BE7A-5FF7104C2188}" type="sibTrans" cxnId="{3F7C9336-6860-4455-B3DF-5A4EC31FFAFB}">
-      <dgm:prSet/>
-      <dgm:spPr/>
-      <dgm:t>
-        <a:bodyPr/>
-        <a:lstStyle/>
-        <a:p>
-          <a:endParaRPr lang="zh-CN" altLang="en-US"/>
-        </a:p>
-      </dgm:t>
-    </dgm:pt>
-    <dgm:pt modelId="{56C2D899-D0A8-4966-A6B8-50ABAE6B37CC}" type="pres">
-      <dgm:prSet presAssocID="{7F30A687-BAE5-4A5D-9C55-8DFF2A0F07E2}" presName="rootnode" presStyleCnt="0">
-        <dgm:presLayoutVars>
-          <dgm:chMax/>
-          <dgm:chPref/>
-          <dgm:dir/>
-          <dgm:animLvl val="lvl"/>
-        </dgm:presLayoutVars>
-      </dgm:prSet>
-      <dgm:spPr/>
-    </dgm:pt>
-    <dgm:pt modelId="{B61C5A2E-C7EA-4128-9840-53143ED55B18}" type="pres">
-      <dgm:prSet presAssocID="{BCEEE290-36BB-4F15-8171-076C8DA6854D}" presName="composite" presStyleCnt="0"/>
-      <dgm:spPr/>
-    </dgm:pt>
-    <dgm:pt modelId="{FCCFC418-2FAC-4E33-A4C6-4882EDD8579C}" type="pres">
-      <dgm:prSet presAssocID="{BCEEE290-36BB-4F15-8171-076C8DA6854D}" presName="LShape" presStyleLbl="alignNode1" presStyleIdx="0" presStyleCnt="5"/>
-      <dgm:spPr/>
-    </dgm:pt>
-    <dgm:pt modelId="{7DAF7F53-A343-414C-85C3-D9296143C95E}" type="pres">
-      <dgm:prSet presAssocID="{BCEEE290-36BB-4F15-8171-076C8DA6854D}" presName="ParentText" presStyleLbl="revTx" presStyleIdx="0" presStyleCnt="3">
-        <dgm:presLayoutVars>
-          <dgm:chMax val="0"/>
-          <dgm:chPref val="0"/>
-          <dgm:bulletEnabled val="1"/>
-        </dgm:presLayoutVars>
-      </dgm:prSet>
-      <dgm:spPr/>
-    </dgm:pt>
-    <dgm:pt modelId="{08C9FEB5-A766-4FE9-ACFD-1709CA4CEF9F}" type="pres">
-      <dgm:prSet presAssocID="{BCEEE290-36BB-4F15-8171-076C8DA6854D}" presName="Triangle" presStyleLbl="alignNode1" presStyleIdx="1" presStyleCnt="5"/>
-      <dgm:spPr/>
-    </dgm:pt>
-    <dgm:pt modelId="{A42744B1-F2DE-43F2-A2DD-8863FBBE0686}" type="pres">
-      <dgm:prSet presAssocID="{11E43466-9E2E-4866-A24E-563FD4DE9D58}" presName="sibTrans" presStyleCnt="0"/>
-      <dgm:spPr/>
-    </dgm:pt>
-    <dgm:pt modelId="{2BDAE3C1-6DEE-4BBE-ABDC-39D22926C8C9}" type="pres">
-      <dgm:prSet presAssocID="{11E43466-9E2E-4866-A24E-563FD4DE9D58}" presName="space" presStyleCnt="0"/>
-      <dgm:spPr/>
-    </dgm:pt>
-    <dgm:pt modelId="{123DBBDF-8200-49C1-8669-AF4FAE261081}" type="pres">
-      <dgm:prSet presAssocID="{256E7205-EC06-489D-ABA4-954EB286955E}" presName="composite" presStyleCnt="0"/>
-      <dgm:spPr/>
-    </dgm:pt>
-    <dgm:pt modelId="{9D0D6AD7-EF69-49E4-81D4-1195ED690AFB}" type="pres">
-      <dgm:prSet presAssocID="{256E7205-EC06-489D-ABA4-954EB286955E}" presName="LShape" presStyleLbl="alignNode1" presStyleIdx="2" presStyleCnt="5"/>
-      <dgm:spPr/>
-    </dgm:pt>
-    <dgm:pt modelId="{F7BDB8F4-F0D0-4BA4-909F-A5FEEF4B5216}" type="pres">
-      <dgm:prSet presAssocID="{256E7205-EC06-489D-ABA4-954EB286955E}" presName="ParentText" presStyleLbl="revTx" presStyleIdx="1" presStyleCnt="3">
-        <dgm:presLayoutVars>
-          <dgm:chMax val="0"/>
-          <dgm:chPref val="0"/>
-          <dgm:bulletEnabled val="1"/>
-        </dgm:presLayoutVars>
-      </dgm:prSet>
-      <dgm:spPr/>
-    </dgm:pt>
-    <dgm:pt modelId="{57175031-4D8A-4873-8D38-EA939F6D9EA9}" type="pres">
-      <dgm:prSet presAssocID="{256E7205-EC06-489D-ABA4-954EB286955E}" presName="Triangle" presStyleLbl="alignNode1" presStyleIdx="3" presStyleCnt="5"/>
-      <dgm:spPr/>
-    </dgm:pt>
-    <dgm:pt modelId="{E31D70BD-A2DC-475B-83E3-17DB3C1D604F}" type="pres">
-      <dgm:prSet presAssocID="{A8022109-EF17-415B-B0AD-C28ED9185ABB}" presName="sibTrans" presStyleCnt="0"/>
-      <dgm:spPr/>
-    </dgm:pt>
-    <dgm:pt modelId="{E11F08F4-3753-4D0A-8902-99C44331604A}" type="pres">
-      <dgm:prSet presAssocID="{A8022109-EF17-415B-B0AD-C28ED9185ABB}" presName="space" presStyleCnt="0"/>
-      <dgm:spPr/>
-    </dgm:pt>
-    <dgm:pt modelId="{027B2DC2-1C86-4E82-B5FD-8C7C20B88CEF}" type="pres">
-      <dgm:prSet presAssocID="{FF4B825B-0ED2-437C-B217-230F8715C667}" presName="composite" presStyleCnt="0"/>
-      <dgm:spPr/>
-    </dgm:pt>
-    <dgm:pt modelId="{085F06E9-1B55-4ECC-B263-BA9DF08F8EA7}" type="pres">
-      <dgm:prSet presAssocID="{FF4B825B-0ED2-437C-B217-230F8715C667}" presName="LShape" presStyleLbl="alignNode1" presStyleIdx="4" presStyleCnt="5"/>
-      <dgm:spPr/>
-    </dgm:pt>
-    <dgm:pt modelId="{3817673A-779C-4197-9C5F-D2A747FAEAF9}" type="pres">
-      <dgm:prSet presAssocID="{FF4B825B-0ED2-437C-B217-230F8715C667}" presName="ParentText" presStyleLbl="revTx" presStyleIdx="2" presStyleCnt="3">
-        <dgm:presLayoutVars>
-          <dgm:chMax val="0"/>
-          <dgm:chPref val="0"/>
-          <dgm:bulletEnabled val="1"/>
-        </dgm:presLayoutVars>
-      </dgm:prSet>
-      <dgm:spPr/>
-    </dgm:pt>
-  </dgm:ptLst>
-  <dgm:cxnLst>
-    <dgm:cxn modelId="{CCDA3B21-F80B-48AB-B113-65BE77419385}" type="presOf" srcId="{7F30A687-BAE5-4A5D-9C55-8DFF2A0F07E2}" destId="{56C2D899-D0A8-4966-A6B8-50ABAE6B37CC}" srcOrd="0" destOrd="0" presId="urn:microsoft.com/office/officeart/2009/3/layout/StepUpProcess"/>
-    <dgm:cxn modelId="{3F7C9336-6860-4455-B3DF-5A4EC31FFAFB}" srcId="{7F30A687-BAE5-4A5D-9C55-8DFF2A0F07E2}" destId="{FF4B825B-0ED2-437C-B217-230F8715C667}" srcOrd="2" destOrd="0" parTransId="{B0452922-2EA2-4C7D-8D6F-1751B1F611F0}" sibTransId="{97A24B12-A4BA-423A-BE7A-5FF7104C2188}"/>
-    <dgm:cxn modelId="{FD769B37-D74B-4588-B7ED-EE3E5F516EC8}" srcId="{7F30A687-BAE5-4A5D-9C55-8DFF2A0F07E2}" destId="{BCEEE290-36BB-4F15-8171-076C8DA6854D}" srcOrd="0" destOrd="0" parTransId="{C0C85873-F63E-4BB9-98A7-E8AC735E0533}" sibTransId="{11E43466-9E2E-4866-A24E-563FD4DE9D58}"/>
-    <dgm:cxn modelId="{C64ED54D-AE89-46A4-A8CA-7064FCF7AFAC}" type="presOf" srcId="{FF4B825B-0ED2-437C-B217-230F8715C667}" destId="{3817673A-779C-4197-9C5F-D2A747FAEAF9}" srcOrd="0" destOrd="0" presId="urn:microsoft.com/office/officeart/2009/3/layout/StepUpProcess"/>
-    <dgm:cxn modelId="{9031F370-60AD-448E-853C-DE301E04EB97}" srcId="{7F30A687-BAE5-4A5D-9C55-8DFF2A0F07E2}" destId="{256E7205-EC06-489D-ABA4-954EB286955E}" srcOrd="1" destOrd="0" parTransId="{D3554041-EDEB-4E15-B5D6-777C13F75799}" sibTransId="{A8022109-EF17-415B-B0AD-C28ED9185ABB}"/>
-    <dgm:cxn modelId="{61A15CBA-8284-43D9-B229-7595351BA267}" type="presOf" srcId="{256E7205-EC06-489D-ABA4-954EB286955E}" destId="{F7BDB8F4-F0D0-4BA4-909F-A5FEEF4B5216}" srcOrd="0" destOrd="0" presId="urn:microsoft.com/office/officeart/2009/3/layout/StepUpProcess"/>
-    <dgm:cxn modelId="{FBD8E6C0-3965-4EA6-B203-8E3491179B61}" type="presOf" srcId="{BCEEE290-36BB-4F15-8171-076C8DA6854D}" destId="{7DAF7F53-A343-414C-85C3-D9296143C95E}" srcOrd="0" destOrd="0" presId="urn:microsoft.com/office/officeart/2009/3/layout/StepUpProcess"/>
-    <dgm:cxn modelId="{90232583-C9B8-4378-A7D6-EA5ECB833836}" type="presParOf" srcId="{56C2D899-D0A8-4966-A6B8-50ABAE6B37CC}" destId="{B61C5A2E-C7EA-4128-9840-53143ED55B18}" srcOrd="0" destOrd="0" presId="urn:microsoft.com/office/officeart/2009/3/layout/StepUpProcess"/>
-    <dgm:cxn modelId="{F57BE4D7-DB39-4E81-9B48-EF62B0E0F337}" type="presParOf" srcId="{B61C5A2E-C7EA-4128-9840-53143ED55B18}" destId="{FCCFC418-2FAC-4E33-A4C6-4882EDD8579C}" srcOrd="0" destOrd="0" presId="urn:microsoft.com/office/officeart/2009/3/layout/StepUpProcess"/>
-    <dgm:cxn modelId="{647D2FBF-2F89-494D-BB2E-ABEB0150A04D}" type="presParOf" srcId="{B61C5A2E-C7EA-4128-9840-53143ED55B18}" destId="{7DAF7F53-A343-414C-85C3-D9296143C95E}" srcOrd="1" destOrd="0" presId="urn:microsoft.com/office/officeart/2009/3/layout/StepUpProcess"/>
-    <dgm:cxn modelId="{33039BF5-0221-4E8C-8C25-EC32AAD55421}" type="presParOf" srcId="{B61C5A2E-C7EA-4128-9840-53143ED55B18}" destId="{08C9FEB5-A766-4FE9-ACFD-1709CA4CEF9F}" srcOrd="2" destOrd="0" presId="urn:microsoft.com/office/officeart/2009/3/layout/StepUpProcess"/>
-    <dgm:cxn modelId="{21FEECC6-A45E-47B2-9BF1-9F12763AFC14}" type="presParOf" srcId="{56C2D899-D0A8-4966-A6B8-50ABAE6B37CC}" destId="{A42744B1-F2DE-43F2-A2DD-8863FBBE0686}" srcOrd="1" destOrd="0" presId="urn:microsoft.com/office/officeart/2009/3/layout/StepUpProcess"/>
-    <dgm:cxn modelId="{5456B6E1-4E79-40E3-950B-5A0CDFFC6106}" type="presParOf" srcId="{A42744B1-F2DE-43F2-A2DD-8863FBBE0686}" destId="{2BDAE3C1-6DEE-4BBE-ABDC-39D22926C8C9}" srcOrd="0" destOrd="0" presId="urn:microsoft.com/office/officeart/2009/3/layout/StepUpProcess"/>
-    <dgm:cxn modelId="{72388290-A64C-4FB7-9B6E-C9989CE5E112}" type="presParOf" srcId="{56C2D899-D0A8-4966-A6B8-50ABAE6B37CC}" destId="{123DBBDF-8200-49C1-8669-AF4FAE261081}" srcOrd="2" destOrd="0" presId="urn:microsoft.com/office/officeart/2009/3/layout/StepUpProcess"/>
-    <dgm:cxn modelId="{E2FA16AA-0D93-48F3-876D-0319A30BD499}" type="presParOf" srcId="{123DBBDF-8200-49C1-8669-AF4FAE261081}" destId="{9D0D6AD7-EF69-49E4-81D4-1195ED690AFB}" srcOrd="0" destOrd="0" presId="urn:microsoft.com/office/officeart/2009/3/layout/StepUpProcess"/>
-    <dgm:cxn modelId="{89D8E2BB-C466-4E8F-9278-954F1E0BDAB5}" type="presParOf" srcId="{123DBBDF-8200-49C1-8669-AF4FAE261081}" destId="{F7BDB8F4-F0D0-4BA4-909F-A5FEEF4B5216}" srcOrd="1" destOrd="0" presId="urn:microsoft.com/office/officeart/2009/3/layout/StepUpProcess"/>
-    <dgm:cxn modelId="{5DFB725C-BFDB-4057-AE73-8A177674BFF8}" type="presParOf" srcId="{123DBBDF-8200-49C1-8669-AF4FAE261081}" destId="{57175031-4D8A-4873-8D38-EA939F6D9EA9}" srcOrd="2" destOrd="0" presId="urn:microsoft.com/office/officeart/2009/3/layout/StepUpProcess"/>
-    <dgm:cxn modelId="{D27D7868-B21E-481B-8B25-EFF54CAD5DD1}" type="presParOf" srcId="{56C2D899-D0A8-4966-A6B8-50ABAE6B37CC}" destId="{E31D70BD-A2DC-475B-83E3-17DB3C1D604F}" srcOrd="3" destOrd="0" presId="urn:microsoft.com/office/officeart/2009/3/layout/StepUpProcess"/>
-    <dgm:cxn modelId="{F13BB169-5325-4015-BEF9-F9E362C9506E}" type="presParOf" srcId="{E31D70BD-A2DC-475B-83E3-17DB3C1D604F}" destId="{E11F08F4-3753-4D0A-8902-99C44331604A}" srcOrd="0" destOrd="0" presId="urn:microsoft.com/office/officeart/2009/3/layout/StepUpProcess"/>
-    <dgm:cxn modelId="{2ADE57A2-E74B-4F6D-9121-3158A63B969C}" type="presParOf" srcId="{56C2D899-D0A8-4966-A6B8-50ABAE6B37CC}" destId="{027B2DC2-1C86-4E82-B5FD-8C7C20B88CEF}" srcOrd="4" destOrd="0" presId="urn:microsoft.com/office/officeart/2009/3/layout/StepUpProcess"/>
-    <dgm:cxn modelId="{A7D586FC-C086-46DB-9A99-27A99F9A3BC7}" type="presParOf" srcId="{027B2DC2-1C86-4E82-B5FD-8C7C20B88CEF}" destId="{085F06E9-1B55-4ECC-B263-BA9DF08F8EA7}" srcOrd="0" destOrd="0" presId="urn:microsoft.com/office/officeart/2009/3/layout/StepUpProcess"/>
-    <dgm:cxn modelId="{77EE6177-8C3F-4C83-999E-28458FD4C5A0}" type="presParOf" srcId="{027B2DC2-1C86-4E82-B5FD-8C7C20B88CEF}" destId="{3817673A-779C-4197-9C5F-D2A747FAEAF9}" srcOrd="1" destOrd="0" presId="urn:microsoft.com/office/officeart/2009/3/layout/StepUpProcess"/>
-  </dgm:cxnLst>
-  <dgm:bg/>
-  <dgm:whole/>
-  <dgm:extLst>
-    <a:ext uri="http://schemas.microsoft.com/office/drawing/2008/diagram">
-      <dsp:dataModelExt xmlns:dsp="http://schemas.microsoft.com/office/drawing/2008/diagram" relId="rId6" minVer="http://schemas.openxmlformats.org/drawingml/2006/diagram"/>
-    </a:ext>
-  </dgm:extLst>
-</dgm:dataModel>
-</file>
-
-<file path=ppt/diagrams/drawing1.xml><?xml version="1.0" encoding="utf-8"?>
-<dsp:drawing xmlns:dgm="http://schemas.openxmlformats.org/drawingml/2006/diagram" xmlns:dsp="http://schemas.microsoft.com/office/drawing/2008/diagram" xmlns:a="http://schemas.openxmlformats.org/drawingml/2006/main">
-  <dsp:spTree>
-    <dsp:nvGrpSpPr>
-      <dsp:cNvPr id="0" name=""/>
-      <dsp:cNvGrpSpPr/>
-    </dsp:nvGrpSpPr>
-    <dsp:grpSpPr/>
-    <dsp:sp modelId="{FCCFC418-2FAC-4E33-A4C6-4882EDD8579C}">
-      <dsp:nvSpPr>
-        <dsp:cNvPr id="0" name=""/>
-        <dsp:cNvSpPr/>
-      </dsp:nvSpPr>
-      <dsp:spPr>
-        <a:xfrm rot="5400000">
-          <a:off x="431747" y="1175264"/>
-          <a:ext cx="1295139" cy="2155083"/>
-        </a:xfrm>
-        <a:prstGeom prst="corner">
-          <a:avLst>
-            <a:gd name="adj1" fmla="val 16120"/>
-            <a:gd name="adj2" fmla="val 16110"/>
-          </a:avLst>
-        </a:prstGeom>
-        <a:solidFill>
-          <a:schemeClr val="accent1">
-            <a:hueOff val="0"/>
-            <a:satOff val="0"/>
-            <a:lumOff val="0"/>
-            <a:alphaOff val="0"/>
-          </a:schemeClr>
-        </a:solidFill>
-        <a:ln w="12700" cap="flat" cmpd="sng" algn="ctr">
-          <a:solidFill>
-            <a:schemeClr val="accent1">
-              <a:hueOff val="0"/>
-              <a:satOff val="0"/>
-              <a:lumOff val="0"/>
-              <a:alphaOff val="0"/>
-            </a:schemeClr>
-          </a:solidFill>
-          <a:prstDash val="solid"/>
-          <a:miter lim="800000"/>
-        </a:ln>
-        <a:effectLst/>
-      </dsp:spPr>
-      <dsp:style>
-        <a:lnRef idx="2">
-          <a:scrgbClr r="0" g="0" b="0"/>
-        </a:lnRef>
-        <a:fillRef idx="1">
-          <a:scrgbClr r="0" g="0" b="0"/>
-        </a:fillRef>
-        <a:effectRef idx="0">
-          <a:scrgbClr r="0" g="0" b="0"/>
-        </a:effectRef>
-        <a:fontRef idx="minor">
-          <a:schemeClr val="lt1"/>
-        </a:fontRef>
-      </dsp:style>
-    </dsp:sp>
-    <dsp:sp modelId="{7DAF7F53-A343-414C-85C3-D9296143C95E}">
-      <dsp:nvSpPr>
-        <dsp:cNvPr id="0" name=""/>
-        <dsp:cNvSpPr/>
-      </dsp:nvSpPr>
-      <dsp:spPr>
-        <a:xfrm>
-          <a:off x="215556" y="1819170"/>
-          <a:ext cx="1945621" cy="1705450"/>
-        </a:xfrm>
-        <a:prstGeom prst="rect">
-          <a:avLst/>
-        </a:prstGeom>
-        <a:noFill/>
-        <a:ln>
-          <a:noFill/>
-        </a:ln>
-        <a:effectLst/>
-      </dsp:spPr>
-      <dsp:style>
-        <a:lnRef idx="0">
-          <a:scrgbClr r="0" g="0" b="0"/>
-        </a:lnRef>
-        <a:fillRef idx="0">
-          <a:scrgbClr r="0" g="0" b="0"/>
-        </a:fillRef>
-        <a:effectRef idx="0">
-          <a:scrgbClr r="0" g="0" b="0"/>
-        </a:effectRef>
-        <a:fontRef idx="minor"/>
-      </dsp:style>
-      <dsp:txBody>
-        <a:bodyPr spcFirstLastPara="0" vert="horz" wrap="square" lIns="76200" tIns="76200" rIns="76200" bIns="76200" numCol="1" spcCol="1270" anchor="t" anchorCtr="0">
-          <a:noAutofit/>
-        </a:bodyPr>
-        <a:lstStyle/>
-        <a:p>
-          <a:pPr marL="0" lvl="0" indent="0" algn="l" defTabSz="889000">
-            <a:lnSpc>
-              <a:spcPct val="90000"/>
-            </a:lnSpc>
-            <a:spcBef>
-              <a:spcPct val="0"/>
-            </a:spcBef>
-            <a:spcAft>
-              <a:spcPct val="35000"/>
-            </a:spcAft>
-            <a:buNone/>
-          </a:pPr>
-          <a:r>
-            <a:rPr lang="zh-CN" altLang="en-US" sz="2000" kern="1200" dirty="0">
-              <a:solidFill>
-                <a:prstClr val="black">
-                  <a:hueOff val="0"/>
-                  <a:satOff val="0"/>
-                  <a:lumOff val="0"/>
-                  <a:alphaOff val="0"/>
-                </a:prstClr>
-              </a:solidFill>
-              <a:latin typeface="等线" panose="020F0502020204030204"/>
-              <a:ea typeface="等线" panose="02010600030101010101" pitchFamily="2" charset="-122"/>
-              <a:cs typeface="+mn-cs"/>
-            </a:rPr>
-            <a:t>销售额下降</a:t>
-          </a:r>
-        </a:p>
-      </dsp:txBody>
-      <dsp:txXfrm>
-        <a:off x="215556" y="1819170"/>
-        <a:ext cx="1945621" cy="1705450"/>
-      </dsp:txXfrm>
-    </dsp:sp>
-    <dsp:sp modelId="{08C9FEB5-A766-4FE9-ACFD-1709CA4CEF9F}">
-      <dsp:nvSpPr>
-        <dsp:cNvPr id="0" name=""/>
-        <dsp:cNvSpPr/>
-      </dsp:nvSpPr>
-      <dsp:spPr>
-        <a:xfrm>
-          <a:off x="1794078" y="1016605"/>
-          <a:ext cx="367098" cy="367098"/>
-        </a:xfrm>
-        <a:prstGeom prst="triangle">
-          <a:avLst>
-            <a:gd name="adj" fmla="val 100000"/>
-          </a:avLst>
-        </a:prstGeom>
-        <a:solidFill>
-          <a:schemeClr val="accent1">
-            <a:hueOff val="0"/>
-            <a:satOff val="0"/>
-            <a:lumOff val="0"/>
-            <a:alphaOff val="0"/>
-          </a:schemeClr>
-        </a:solidFill>
-        <a:ln w="12700" cap="flat" cmpd="sng" algn="ctr">
-          <a:solidFill>
-            <a:schemeClr val="accent1">
-              <a:hueOff val="0"/>
-              <a:satOff val="0"/>
-              <a:lumOff val="0"/>
-              <a:alphaOff val="0"/>
-            </a:schemeClr>
-          </a:solidFill>
-          <a:prstDash val="solid"/>
-          <a:miter lim="800000"/>
-        </a:ln>
-        <a:effectLst/>
-      </dsp:spPr>
-      <dsp:style>
-        <a:lnRef idx="2">
-          <a:scrgbClr r="0" g="0" b="0"/>
-        </a:lnRef>
-        <a:fillRef idx="1">
-          <a:scrgbClr r="0" g="0" b="0"/>
-        </a:fillRef>
-        <a:effectRef idx="0">
-          <a:scrgbClr r="0" g="0" b="0"/>
-        </a:effectRef>
-        <a:fontRef idx="minor">
-          <a:schemeClr val="lt1"/>
-        </a:fontRef>
-      </dsp:style>
-    </dsp:sp>
-    <dsp:sp modelId="{9D0D6AD7-EF69-49E4-81D4-1195ED690AFB}">
-      <dsp:nvSpPr>
-        <dsp:cNvPr id="0" name=""/>
-        <dsp:cNvSpPr/>
-      </dsp:nvSpPr>
-      <dsp:spPr>
-        <a:xfrm rot="5400000">
-          <a:off x="2813567" y="585880"/>
-          <a:ext cx="1295139" cy="2155083"/>
-        </a:xfrm>
-        <a:prstGeom prst="corner">
-          <a:avLst>
-            <a:gd name="adj1" fmla="val 16120"/>
-            <a:gd name="adj2" fmla="val 16110"/>
-          </a:avLst>
-        </a:prstGeom>
-        <a:solidFill>
-          <a:schemeClr val="accent1">
-            <a:hueOff val="0"/>
-            <a:satOff val="0"/>
-            <a:lumOff val="0"/>
-            <a:alphaOff val="0"/>
-          </a:schemeClr>
-        </a:solidFill>
-        <a:ln w="12700" cap="flat" cmpd="sng" algn="ctr">
-          <a:solidFill>
-            <a:schemeClr val="accent1">
-              <a:hueOff val="0"/>
-              <a:satOff val="0"/>
-              <a:lumOff val="0"/>
-              <a:alphaOff val="0"/>
-            </a:schemeClr>
-          </a:solidFill>
-          <a:prstDash val="solid"/>
-          <a:miter lim="800000"/>
-        </a:ln>
-        <a:effectLst/>
-      </dsp:spPr>
-      <dsp:style>
-        <a:lnRef idx="2">
-          <a:scrgbClr r="0" g="0" b="0"/>
-        </a:lnRef>
-        <a:fillRef idx="1">
-          <a:scrgbClr r="0" g="0" b="0"/>
-        </a:fillRef>
-        <a:effectRef idx="0">
-          <a:scrgbClr r="0" g="0" b="0"/>
-        </a:effectRef>
-        <a:fontRef idx="minor">
-          <a:schemeClr val="lt1"/>
-        </a:fontRef>
-      </dsp:style>
-    </dsp:sp>
-    <dsp:sp modelId="{F7BDB8F4-F0D0-4BA4-909F-A5FEEF4B5216}">
-      <dsp:nvSpPr>
-        <dsp:cNvPr id="0" name=""/>
-        <dsp:cNvSpPr/>
-      </dsp:nvSpPr>
-      <dsp:spPr>
-        <a:xfrm>
-          <a:off x="2597376" y="1229786"/>
-          <a:ext cx="1945621" cy="1705450"/>
-        </a:xfrm>
-        <a:prstGeom prst="rect">
-          <a:avLst/>
-        </a:prstGeom>
-        <a:noFill/>
-        <a:ln>
-          <a:noFill/>
-        </a:ln>
-        <a:effectLst/>
-      </dsp:spPr>
-      <dsp:style>
-        <a:lnRef idx="0">
-          <a:scrgbClr r="0" g="0" b="0"/>
-        </a:lnRef>
-        <a:fillRef idx="0">
-          <a:scrgbClr r="0" g="0" b="0"/>
-        </a:fillRef>
-        <a:effectRef idx="0">
-          <a:scrgbClr r="0" g="0" b="0"/>
-        </a:effectRef>
-        <a:fontRef idx="minor"/>
-      </dsp:style>
-      <dsp:txBody>
-        <a:bodyPr spcFirstLastPara="0" vert="horz" wrap="square" lIns="64770" tIns="64770" rIns="64770" bIns="64770" numCol="1" spcCol="1270" anchor="t" anchorCtr="0">
-          <a:noAutofit/>
-        </a:bodyPr>
-        <a:lstStyle/>
-        <a:p>
-          <a:pPr marL="0" lvl="0" indent="0" algn="l" defTabSz="755650">
-            <a:lnSpc>
-              <a:spcPct val="90000"/>
-            </a:lnSpc>
-            <a:spcBef>
-              <a:spcPct val="0"/>
-            </a:spcBef>
-            <a:spcAft>
-              <a:spcPct val="35000"/>
-            </a:spcAft>
-            <a:buNone/>
-          </a:pPr>
-          <a:r>
-            <a:rPr lang="zh-CN" altLang="en-US" sz="1700" kern="1200" dirty="0"/>
-            <a:t>宣传问题</a:t>
-          </a:r>
-          <a:endParaRPr lang="en-US" altLang="zh-CN" sz="1700" kern="1200" dirty="0"/>
-        </a:p>
-        <a:p>
-          <a:pPr marL="0" lvl="0" indent="0" algn="l" defTabSz="755650">
-            <a:lnSpc>
-              <a:spcPct val="90000"/>
-            </a:lnSpc>
-            <a:spcBef>
-              <a:spcPct val="0"/>
-            </a:spcBef>
-            <a:spcAft>
-              <a:spcPct val="35000"/>
-            </a:spcAft>
-            <a:buNone/>
-          </a:pPr>
-          <a:r>
-            <a:rPr lang="zh-CN" altLang="en-US" sz="1700" kern="1200" dirty="0"/>
-            <a:t>游戏活动主题问题</a:t>
-          </a:r>
-        </a:p>
-      </dsp:txBody>
-      <dsp:txXfrm>
-        <a:off x="2597376" y="1229786"/>
-        <a:ext cx="1945621" cy="1705450"/>
-      </dsp:txXfrm>
-    </dsp:sp>
-    <dsp:sp modelId="{57175031-4D8A-4873-8D38-EA939F6D9EA9}">
-      <dsp:nvSpPr>
-        <dsp:cNvPr id="0" name=""/>
-        <dsp:cNvSpPr/>
-      </dsp:nvSpPr>
-      <dsp:spPr>
-        <a:xfrm>
-          <a:off x="4175899" y="427221"/>
-          <a:ext cx="367098" cy="367098"/>
-        </a:xfrm>
-        <a:prstGeom prst="triangle">
-          <a:avLst>
-            <a:gd name="adj" fmla="val 100000"/>
-          </a:avLst>
-        </a:prstGeom>
-        <a:solidFill>
-          <a:schemeClr val="accent1">
-            <a:hueOff val="0"/>
-            <a:satOff val="0"/>
-            <a:lumOff val="0"/>
-            <a:alphaOff val="0"/>
-          </a:schemeClr>
-        </a:solidFill>
-        <a:ln w="12700" cap="flat" cmpd="sng" algn="ctr">
-          <a:solidFill>
-            <a:schemeClr val="accent1">
-              <a:hueOff val="0"/>
-              <a:satOff val="0"/>
-              <a:lumOff val="0"/>
-              <a:alphaOff val="0"/>
-            </a:schemeClr>
-          </a:solidFill>
-          <a:prstDash val="solid"/>
-          <a:miter lim="800000"/>
-        </a:ln>
-        <a:effectLst/>
-      </dsp:spPr>
-      <dsp:style>
-        <a:lnRef idx="2">
-          <a:scrgbClr r="0" g="0" b="0"/>
-        </a:lnRef>
-        <a:fillRef idx="1">
-          <a:scrgbClr r="0" g="0" b="0"/>
-        </a:fillRef>
-        <a:effectRef idx="0">
-          <a:scrgbClr r="0" g="0" b="0"/>
-        </a:effectRef>
-        <a:fontRef idx="minor">
-          <a:schemeClr val="lt1"/>
-        </a:fontRef>
-      </dsp:style>
-    </dsp:sp>
-    <dsp:sp modelId="{085F06E9-1B55-4ECC-B263-BA9DF08F8EA7}">
-      <dsp:nvSpPr>
-        <dsp:cNvPr id="0" name=""/>
-        <dsp:cNvSpPr/>
-      </dsp:nvSpPr>
-      <dsp:spPr>
-        <a:xfrm rot="5400000">
-          <a:off x="5195387" y="-3502"/>
-          <a:ext cx="1295139" cy="2155083"/>
-        </a:xfrm>
-        <a:prstGeom prst="corner">
-          <a:avLst>
-            <a:gd name="adj1" fmla="val 16120"/>
-            <a:gd name="adj2" fmla="val 16110"/>
-          </a:avLst>
-        </a:prstGeom>
-        <a:solidFill>
-          <a:schemeClr val="accent1">
-            <a:hueOff val="0"/>
-            <a:satOff val="0"/>
-            <a:lumOff val="0"/>
-            <a:alphaOff val="0"/>
-          </a:schemeClr>
-        </a:solidFill>
-        <a:ln w="12700" cap="flat" cmpd="sng" algn="ctr">
-          <a:solidFill>
-            <a:schemeClr val="accent1">
-              <a:hueOff val="0"/>
-              <a:satOff val="0"/>
-              <a:lumOff val="0"/>
-              <a:alphaOff val="0"/>
-            </a:schemeClr>
-          </a:solidFill>
-          <a:prstDash val="solid"/>
-          <a:miter lim="800000"/>
-        </a:ln>
-        <a:effectLst/>
-      </dsp:spPr>
-      <dsp:style>
-        <a:lnRef idx="2">
-          <a:scrgbClr r="0" g="0" b="0"/>
-        </a:lnRef>
-        <a:fillRef idx="1">
-          <a:scrgbClr r="0" g="0" b="0"/>
-        </a:fillRef>
-        <a:effectRef idx="0">
-          <a:scrgbClr r="0" g="0" b="0"/>
-        </a:effectRef>
-        <a:fontRef idx="minor">
-          <a:schemeClr val="lt1"/>
-        </a:fontRef>
-      </dsp:style>
-    </dsp:sp>
-    <dsp:sp modelId="{3817673A-779C-4197-9C5F-D2A747FAEAF9}">
-      <dsp:nvSpPr>
-        <dsp:cNvPr id="0" name=""/>
-        <dsp:cNvSpPr/>
-      </dsp:nvSpPr>
-      <dsp:spPr>
-        <a:xfrm>
-          <a:off x="4979196" y="640402"/>
-          <a:ext cx="1945621" cy="1705450"/>
-        </a:xfrm>
-        <a:prstGeom prst="rect">
-          <a:avLst/>
-        </a:prstGeom>
-        <a:noFill/>
-        <a:ln>
-          <a:noFill/>
-        </a:ln>
-        <a:effectLst/>
-      </dsp:spPr>
-      <dsp:style>
-        <a:lnRef idx="0">
-          <a:scrgbClr r="0" g="0" b="0"/>
-        </a:lnRef>
-        <a:fillRef idx="0">
-          <a:scrgbClr r="0" g="0" b="0"/>
-        </a:fillRef>
-        <a:effectRef idx="0">
-          <a:scrgbClr r="0" g="0" b="0"/>
-        </a:effectRef>
-        <a:fontRef idx="minor"/>
-      </dsp:style>
-      <dsp:txBody>
-        <a:bodyPr spcFirstLastPara="0" vert="horz" wrap="square" lIns="64770" tIns="64770" rIns="64770" bIns="64770" numCol="1" spcCol="1270" anchor="t" anchorCtr="0">
-          <a:noAutofit/>
-        </a:bodyPr>
-        <a:lstStyle/>
-        <a:p>
-          <a:pPr marL="0" lvl="0" indent="0" algn="l" defTabSz="755650">
-            <a:lnSpc>
-              <a:spcPct val="90000"/>
-            </a:lnSpc>
-            <a:spcBef>
-              <a:spcPct val="0"/>
-            </a:spcBef>
-            <a:spcAft>
-              <a:spcPct val="35000"/>
-            </a:spcAft>
-            <a:buNone/>
-          </a:pPr>
-          <a:r>
-            <a:rPr lang="zh-CN" altLang="en-US" sz="1700" kern="1200" dirty="0"/>
-            <a:t>预算导致宣传减少</a:t>
-          </a:r>
-          <a:endParaRPr lang="en-US" altLang="zh-CN" sz="1700" kern="1200" dirty="0"/>
-        </a:p>
-        <a:p>
-          <a:pPr marL="0" lvl="0" indent="0" algn="l" defTabSz="755650">
-            <a:lnSpc>
-              <a:spcPct val="90000"/>
-            </a:lnSpc>
-            <a:spcBef>
-              <a:spcPct val="0"/>
-            </a:spcBef>
-            <a:spcAft>
-              <a:spcPct val="35000"/>
-            </a:spcAft>
-            <a:buNone/>
-          </a:pPr>
-          <a:r>
-            <a:rPr lang="zh-CN" altLang="en-US" sz="1700" kern="1200" dirty="0"/>
-            <a:t>游戏活动主题基本没变化</a:t>
-          </a:r>
-          <a:endParaRPr lang="en-US" altLang="zh-CN" sz="1700" kern="1200" dirty="0"/>
-        </a:p>
-        <a:p>
-          <a:pPr marL="0" lvl="0" indent="0" algn="l" defTabSz="755650">
-            <a:lnSpc>
-              <a:spcPct val="90000"/>
-            </a:lnSpc>
-            <a:spcBef>
-              <a:spcPct val="0"/>
-            </a:spcBef>
-            <a:spcAft>
-              <a:spcPct val="35000"/>
-            </a:spcAft>
-            <a:buNone/>
-          </a:pPr>
-          <a:endParaRPr lang="zh-CN" altLang="en-US" sz="1700" kern="1200" dirty="0"/>
-        </a:p>
-      </dsp:txBody>
-      <dsp:txXfrm>
-        <a:off x="4979196" y="640402"/>
-        <a:ext cx="1945621" cy="1705450"/>
-      </dsp:txXfrm>
-    </dsp:sp>
-  </dsp:spTree>
-</dsp:drawing>
-</file>
-
-<file path=ppt/diagrams/layout1.xml><?xml version="1.0" encoding="utf-8"?>
-<dgm:layoutDef xmlns:dgm="http://schemas.openxmlformats.org/drawingml/2006/diagram" xmlns:a="http://schemas.openxmlformats.org/drawingml/2006/main" uniqueId="urn:microsoft.com/office/officeart/2009/3/layout/StepUpProcess">
-  <dgm:title val=""/>
-  <dgm:desc val=""/>
-  <dgm:catLst>
-    <dgm:cat type="process" pri="1300"/>
-  </dgm:catLst>
-  <dgm:sampData>
-    <dgm:dataModel>
-      <dgm:ptLst>
-        <dgm:pt modelId="0" type="doc"/>
-        <dgm:pt modelId="10">
-          <dgm:prSet phldr="1"/>
-        </dgm:pt>
-        <dgm:pt modelId="20">
-          <dgm:prSet phldr="1"/>
-        </dgm:pt>
-        <dgm:pt modelId="30">
-          <dgm:prSet phldr="1"/>
-        </dgm:pt>
-      </dgm:ptLst>
-      <dgm:cxnLst>
-        <dgm:cxn modelId="60" srcId="0" destId="10" srcOrd="0" destOrd="0"/>
-        <dgm:cxn modelId="70" srcId="0" destId="20" srcOrd="1" destOrd="0"/>
-        <dgm:cxn modelId="80" srcId="0" destId="30" srcOrd="2" destOrd="0"/>
-      </dgm:cxnLst>
-      <dgm:bg/>
-      <dgm:whole/>
-    </dgm:dataModel>
-  </dgm:sampData>
-  <dgm:styleData>
-    <dgm:dataModel>
-      <dgm:ptLst>
-        <dgm:pt modelId="0" type="doc"/>
-        <dgm:pt modelId="10">
-          <dgm:prSet phldr="1"/>
-        </dgm:pt>
-        <dgm:pt modelId="20">
-          <dgm:prSet phldr="1"/>
-        </dgm:pt>
-      </dgm:ptLst>
-      <dgm:cxnLst>
-        <dgm:cxn modelId="60" srcId="0" destId="10" srcOrd="0" destOrd="0"/>
-        <dgm:cxn modelId="70" srcId="0" destId="20" srcOrd="1" destOrd="0"/>
-      </dgm:cxnLst>
-      <dgm:bg/>
-      <dgm:whole/>
-    </dgm:dataModel>
-  </dgm:styleData>
-  <dgm:clrData>
-    <dgm:dataModel>
-      <dgm:ptLst>
-        <dgm:pt modelId="0" type="doc"/>
-        <dgm:pt modelId="10">
-          <dgm:prSet phldr="1"/>
-        </dgm:pt>
-        <dgm:pt modelId="20">
-          <dgm:prSet phldr="1"/>
-        </dgm:pt>
-        <dgm:pt modelId="30">
-          <dgm:prSet phldr="1"/>
-        </dgm:pt>
-        <dgm:pt modelId="40">
-          <dgm:prSet phldr="1"/>
-        </dgm:pt>
-      </dgm:ptLst>
-      <dgm:cxnLst>
-        <dgm:cxn modelId="60" srcId="0" destId="10" srcOrd="0" destOrd="0"/>
-        <dgm:cxn modelId="70" srcId="0" destId="20" srcOrd="1" destOrd="0"/>
-        <dgm:cxn modelId="80" srcId="0" destId="30" srcOrd="2" destOrd="0"/>
-        <dgm:cxn modelId="90" srcId="0" destId="40" srcOrd="3" destOrd="0"/>
-      </dgm:cxnLst>
-      <dgm:bg/>
-      <dgm:whole/>
-    </dgm:dataModel>
-  </dgm:clrData>
-  <dgm:layoutNode name="rootnode">
-    <dgm:varLst>
-      <dgm:chMax/>
-      <dgm:chPref/>
-      <dgm:dir/>
-      <dgm:animLvl val="lvl"/>
-    </dgm:varLst>
-    <dgm:choose name="Name0">
-      <dgm:if name="Name1" func="var" arg="dir" op="equ" val="norm">
-        <dgm:alg type="snake">
-          <dgm:param type="grDir" val="bL"/>
-          <dgm:param type="flowDir" val="row"/>
-          <dgm:param type="off" val="off"/>
-          <dgm:param type="bkpt" val="fixed"/>
-          <dgm:param type="bkPtFixedVal" val="1"/>
-        </dgm:alg>
-      </dgm:if>
-      <dgm:else name="Name2">
-        <dgm:alg type="snake">
-          <dgm:param type="grDir" val="bR"/>
-          <dgm:param type="flowDir" val="row"/>
-          <dgm:param type="off" val="off"/>
-          <dgm:param type="bkpt" val="fixed"/>
-          <dgm:param type="bkPtFixedVal" val="1"/>
-        </dgm:alg>
-      </dgm:else>
-    </dgm:choose>
-    <dgm:shape xmlns:r="http://schemas.openxmlformats.org/officeDocument/2006/relationships" r:blip="">
-      <dgm:adjLst/>
-    </dgm:shape>
-    <dgm:constrLst>
-      <dgm:constr type="alignOff" forName="rootnode" val="1"/>
-      <dgm:constr type="primFontSz" for="des" ptType="node" op="equ" val="65"/>
-      <dgm:constr type="w" for="ch" forName="composite" refType="w"/>
-      <dgm:constr type="h" for="ch" forName="composite" refType="h"/>
-      <dgm:constr type="sp" refType="h" refFor="ch" refForName="composite" op="equ" fact="-0.765"/>
-      <dgm:constr type="w" for="ch" forName="sibTrans" refType="w" fact="0.103"/>
-      <dgm:constr type="h" for="ch" forName="sibTrans" refType="h" fact="0.103"/>
-    </dgm:constrLst>
-    <dgm:forEach name="nodesForEach" axis="ch" ptType="node">
-      <dgm:layoutNode name="composite">
-        <dgm:alg type="composite">
-          <dgm:param type="ar" val="0.861"/>
-        </dgm:alg>
-        <dgm:shape xmlns:r="http://schemas.openxmlformats.org/officeDocument/2006/relationships" r:blip="">
-          <dgm:adjLst/>
-        </dgm:shape>
-        <dgm:choose name="Name3">
-          <dgm:if name="Name4" func="var" arg="dir" op="equ" val="norm">
-            <dgm:constrLst>
-              <dgm:constr type="l" for="ch" forName="LShape" refType="w" fact="0"/>
-              <dgm:constr type="t" for="ch" forName="LShape" refType="h" fact="0.2347"/>
-              <dgm:constr type="w" for="ch" forName="LShape" refType="w" fact="0.998"/>
-              <dgm:constr type="h" for="ch" forName="LShape" refType="h" fact="0.5164"/>
-              <dgm:constr type="r" for="ch" forName="ParentText" refType="w"/>
-              <dgm:constr type="t" for="ch" forName="ParentText" refType="h" fact="0.32"/>
-              <dgm:constr type="w" for="ch" forName="ParentText" refType="w" fact="0.901"/>
-              <dgm:constr type="h" for="ch" forName="ParentText" refType="h" fact="0.68"/>
-              <dgm:constr type="l" for="ch" forName="Triangle" refType="w" fact="0.83"/>
-              <dgm:constr type="t" for="ch" forName="Triangle" refType="h" fact="0"/>
-              <dgm:constr type="w" for="ch" forName="Triangle" refType="w" fact="0.17"/>
-              <dgm:constr type="h" for="ch" forName="Triangle" refType="w" refFor="ch" refForName="Triangle"/>
-            </dgm:constrLst>
-          </dgm:if>
-          <dgm:else name="Name5">
-            <dgm:constrLst>
-              <dgm:constr type="l" for="ch" forName="LShape" refType="w" fact="0.002"/>
-              <dgm:constr type="t" for="ch" forName="LShape" refType="h" fact="0.2347"/>
-              <dgm:constr type="w" for="ch" forName="LShape" refType="w"/>
-              <dgm:constr type="h" for="ch" forName="LShape" refType="h" fact="0.5164"/>
-              <dgm:constr type="l" for="ch" forName="ParentText" refType="w" fact="0"/>
-              <dgm:constr type="t" for="ch" forName="ParentText" refType="h" fact="0.32"/>
-              <dgm:constr type="w" for="ch" forName="ParentText" refType="w" fact="0.902"/>
-              <dgm:constr type="h" for="ch" forName="ParentText" refType="h" fact="0.68"/>
-              <dgm:constr type="l" for="ch" forName="Triangle" refType="w" fact="0"/>
-              <dgm:constr type="t" for="ch" forName="Triangle" refType="h" fact="0"/>
-              <dgm:constr type="w" for="ch" forName="Triangle" refType="w" fact="0.17"/>
-              <dgm:constr type="h" for="ch" forName="Triangle" refType="w" refFor="ch" refForName="Triangle"/>
-            </dgm:constrLst>
-          </dgm:else>
-        </dgm:choose>
-        <dgm:layoutNode name="LShape" styleLbl="alignNode1">
-          <dgm:alg type="sp"/>
-          <dgm:choose name="Name6">
-            <dgm:if name="Name7" func="var" arg="dir" op="equ" val="norm">
-              <dgm:shape xmlns:r="http://schemas.openxmlformats.org/officeDocument/2006/relationships" rot="90" type="corner" r:blip="">
-                <dgm:adjLst>
-                  <dgm:adj idx="1" val="0.1612"/>
-                  <dgm:adj idx="2" val="0.1611"/>
-                </dgm:adjLst>
-              </dgm:shape>
-            </dgm:if>
-            <dgm:else name="Name8">
-              <dgm:shape xmlns:r="http://schemas.openxmlformats.org/officeDocument/2006/relationships" rot="180" type="corner" r:blip="">
-                <dgm:adjLst>
-                  <dgm:adj idx="1" val="0.1612"/>
-                  <dgm:adj idx="2" val="0.1611"/>
-                </dgm:adjLst>
-              </dgm:shape>
-            </dgm:else>
-          </dgm:choose>
-          <dgm:presOf/>
-        </dgm:layoutNode>
-        <dgm:layoutNode name="ParentText" styleLbl="revTx">
-          <dgm:varLst>
-            <dgm:chMax val="0"/>
-            <dgm:chPref val="0"/>
-            <dgm:bulletEnabled val="1"/>
-          </dgm:varLst>
-          <dgm:alg type="tx">
-            <dgm:param type="parTxLTRAlign" val="l"/>
-            <dgm:param type="txAnchorVert" val="t"/>
-          </dgm:alg>
-          <dgm:shape xmlns:r="http://schemas.openxmlformats.org/officeDocument/2006/relationships" type="rect" r:blip="">
-            <dgm:adjLst/>
-          </dgm:shape>
-          <dgm:presOf axis="desOrSelf" ptType="node"/>
-          <dgm:constrLst>
-            <dgm:constr type="lMarg" refType="primFontSz" fact="0.3"/>
-            <dgm:constr type="rMarg" refType="primFontSz" fact="0.3"/>
-            <dgm:constr type="tMarg" refType="primFontSz" fact="0.3"/>
-            <dgm:constr type="bMarg" refType="primFontSz" fact="0.3"/>
-          </dgm:constrLst>
-          <dgm:ruleLst>
-            <dgm:rule type="primFontSz" val="5" fact="NaN" max="NaN"/>
-          </dgm:ruleLst>
-        </dgm:layoutNode>
-        <dgm:choose name="Name9">
-          <dgm:if name="Name10" axis="followSib" ptType="node" func="cnt" op="gte" val="1">
-            <dgm:layoutNode name="Triangle" styleLbl="alignNode1">
-              <dgm:alg type="sp"/>
-              <dgm:choose name="Name11">
-                <dgm:if name="Name12" func="var" arg="dir" op="equ" val="norm">
-                  <dgm:shape xmlns:r="http://schemas.openxmlformats.org/officeDocument/2006/relationships" type="triangle" r:blip="">
-                    <dgm:adjLst>
-                      <dgm:adj idx="1" val="1"/>
-                    </dgm:adjLst>
-                  </dgm:shape>
-                </dgm:if>
-                <dgm:else name="Name13">
-                  <dgm:shape xmlns:r="http://schemas.openxmlformats.org/officeDocument/2006/relationships" rot="90" type="triangle" r:blip="">
-                    <dgm:adjLst>
-                      <dgm:adj idx="1" val="1"/>
-                    </dgm:adjLst>
-                  </dgm:shape>
-                </dgm:else>
-              </dgm:choose>
-              <dgm:presOf/>
-            </dgm:layoutNode>
-          </dgm:if>
-          <dgm:else name="Name14"/>
-        </dgm:choose>
-      </dgm:layoutNode>
-      <dgm:forEach name="sibTransForEach" axis="followSib" ptType="sibTrans" cnt="1">
-        <dgm:layoutNode name="sibTrans">
-          <dgm:alg type="composite">
-            <dgm:param type="ar" val="0.861"/>
-          </dgm:alg>
-          <dgm:constrLst>
-            <dgm:constr type="w" for="ch" forName="space" refType="w"/>
-            <dgm:constr type="h" for="ch" forName="space" refType="w"/>
-          </dgm:constrLst>
-          <dgm:layoutNode name="space" styleLbl="alignNode1">
-            <dgm:alg type="sp"/>
-            <dgm:shape xmlns:r="http://schemas.openxmlformats.org/officeDocument/2006/relationships" r:blip="">
-              <dgm:adjLst/>
-            </dgm:shape>
-            <dgm:presOf/>
-          </dgm:layoutNode>
-        </dgm:layoutNode>
-      </dgm:forEach>
-    </dgm:forEach>
-  </dgm:layoutNode>
-</dgm:layoutDef>
-</file>
-
-<file path=ppt/diagrams/quickStyle1.xml><?xml version="1.0" encoding="utf-8"?>
-<dgm:styleDef xmlns:dgm="http://schemas.openxmlformats.org/drawingml/2006/diagram" xmlns:a="http://schemas.openxmlformats.org/drawingml/2006/main" uniqueId="urn:microsoft.com/office/officeart/2005/8/quickstyle/simple1">
-  <dgm:title val=""/>
-  <dgm:desc val=""/>
-  <dgm:catLst>
-    <dgm:cat type="simple" pri="10100"/>
-  </dgm:catLst>
-  <dgm:scene3d>
-    <a:camera prst="orthographicFront"/>
-    <a:lightRig rig="threePt" dir="t"/>
-  </dgm:scene3d>
-  <dgm:styleLbl name="node0">
-    <dgm:scene3d>
-      <a:camera prst="orthographicFront"/>
-      <a:lightRig rig="threePt" dir="t"/>
-    </dgm:scene3d>
-    <dgm:sp3d/>
-    <dgm:txPr/>
-    <dgm:style>
-      <a:lnRef idx="2">
-        <a:scrgbClr r="0" g="0" b="0"/>
-      </a:lnRef>
-      <a:fillRef idx="1">
-        <a:scrgbClr r="0" g="0" b="0"/>
-      </a:fillRef>
-      <a:effectRef idx="0">
-        <a:scrgbClr r="0" g="0" b="0"/>
-      </a:effectRef>
-      <a:fontRef idx="minor">
-        <a:schemeClr val="lt1"/>
-      </a:fontRef>
-    </dgm:style>
-  </dgm:styleLbl>
-  <dgm:styleLbl name="lnNode1">
-    <dgm:scene3d>
-      <a:camera prst="orthographicFront"/>
-      <a:lightRig rig="threePt" dir="t"/>
-    </dgm:scene3d>
-    <dgm:sp3d/>
-    <dgm:txPr/>
-    <dgm:style>
-      <a:lnRef idx="2">
-        <a:scrgbClr r="0" g="0" b="0"/>
-      </a:lnRef>
-      <a:fillRef idx="1">
-        <a:scrgbClr r="0" g="0" b="0"/>
-      </a:fillRef>
-      <a:effectRef idx="0">
-        <a:scrgbClr r="0" g="0" b="0"/>
-      </a:effectRef>
-      <a:fontRef idx="minor">
-        <a:schemeClr val="lt1"/>
-      </a:fontRef>
-    </dgm:style>
-  </dgm:styleLbl>
-  <dgm:styleLbl name="vennNode1">
-    <dgm:scene3d>
-      <a:camera prst="orthographicFront"/>
-      <a:lightRig rig="threePt" dir="t"/>
-    </dgm:scene3d>
-    <dgm:sp3d/>
-    <dgm:txPr/>
-    <dgm:style>
-      <a:lnRef idx="2">
-        <a:scrgbClr r="0" g="0" b="0"/>
-      </a:lnRef>
-      <a:fillRef idx="1">
-        <a:scrgbClr r="0" g="0" b="0"/>
-      </a:fillRef>
-      <a:effectRef idx="0">
-        <a:scrgbClr r="0" g="0" b="0"/>
-      </a:effectRef>
-      <a:fontRef idx="minor">
-        <a:schemeClr val="tx1"/>
-      </a:fontRef>
-    </dgm:style>
-  </dgm:styleLbl>
-  <dgm:styleLbl name="alignNode1">
-    <dgm:scene3d>
-      <a:camera prst="orthographicFront"/>
-      <a:lightRig rig="threePt" dir="t"/>
-    </dgm:scene3d>
-    <dgm:sp3d/>
-    <dgm:txPr/>
-    <dgm:style>
-      <a:lnRef idx="2">
-        <a:scrgbClr r="0" g="0" b="0"/>
-      </a:lnRef>
-      <a:fillRef idx="1">
-        <a:scrgbClr r="0" g="0" b="0"/>
-      </a:fillRef>
-      <a:effectRef idx="0">
-        <a:scrgbClr r="0" g="0" b="0"/>
-      </a:effectRef>
-      <a:fontRef idx="minor">
-        <a:schemeClr val="lt1"/>
-      </a:fontRef>
-    </dgm:style>
-  </dgm:styleLbl>
-  <dgm:styleLbl name="node1">
-    <dgm:scene3d>
-      <a:camera prst="orthographicFront"/>
-      <a:lightRig rig="threePt" dir="t"/>
-    </dgm:scene3d>
-    <dgm:sp3d/>
-    <dgm:txPr/>
-    <dgm:style>
-      <a:lnRef idx="2">
-        <a:scrgbClr r="0" g="0" b="0"/>
-      </a:lnRef>
-      <a:fillRef idx="1">
-        <a:scrgbClr r="0" g="0" b="0"/>
-      </a:fillRef>
-      <a:effectRef idx="0">
-        <a:scrgbClr r="0" g="0" b="0"/>
-      </a:effectRef>
-      <a:fontRef idx="minor">
-        <a:schemeClr val="lt1"/>
-      </a:fontRef>
-    </dgm:style>
-  </dgm:styleLbl>
-  <dgm:styleLbl name="node2">
-    <dgm:scene3d>
-      <a:camera prst="orthographicFront"/>
-      <a:lightRig rig="threePt" dir="t"/>
-    </dgm:scene3d>
-    <dgm:sp3d/>
-    <dgm:txPr/>
-    <dgm:style>
-      <a:lnRef idx="2">
-        <a:scrgbClr r="0" g="0" b="0"/>
-      </a:lnRef>
-      <a:fillRef idx="1">
-        <a:scrgbClr r="0" g="0" b="0"/>
-      </a:fillRef>
-      <a:effectRef idx="0">
-        <a:scrgbClr r="0" g="0" b="0"/>
-      </a:effectRef>
-      <a:fontRef idx="minor">
-        <a:schemeClr val="lt1"/>
-      </a:fontRef>
-    </dgm:style>
-  </dgm:styleLbl>
-  <dgm:styleLbl name="node3">
-    <dgm:scene3d>
-      <a:camera prst="orthographicFront"/>
-      <a:lightRig rig="threePt" dir="t"/>
-    </dgm:scene3d>
-    <dgm:sp3d/>
-    <dgm:txPr/>
-    <dgm:style>
-      <a:lnRef idx="2">
-        <a:scrgbClr r="0" g="0" b="0"/>
-      </a:lnRef>
-      <a:fillRef idx="1">
-        <a:scrgbClr r="0" g="0" b="0"/>
-      </a:fillRef>
-      <a:effectRef idx="0">
-        <a:scrgbClr r="0" g="0" b="0"/>
-      </a:effectRef>
-      <a:fontRef idx="minor">
-        <a:schemeClr val="lt1"/>
-      </a:fontRef>
-    </dgm:style>
-  </dgm:styleLbl>
-  <dgm:styleLbl name="node4">
-    <dgm:scene3d>
-      <a:camera prst="orthographicFront"/>
-      <a:lightRig rig="threePt" dir="t"/>
-    </dgm:scene3d>
-    <dgm:sp3d/>
-    <dgm:txPr/>
-    <dgm:style>
-      <a:lnRef idx="2">
-        <a:scrgbClr r="0" g="0" b="0"/>
-      </a:lnRef>
-      <a:fillRef idx="1">
-        <a:scrgbClr r="0" g="0" b="0"/>
-      </a:fillRef>
-      <a:effectRef idx="0">
-        <a:scrgbClr r="0" g="0" b="0"/>
-      </a:effectRef>
-      <a:fontRef idx="minor">
-        <a:schemeClr val="lt1"/>
-      </a:fontRef>
-    </dgm:style>
-  </dgm:styleLbl>
-  <dgm:styleLbl name="fgImgPlace1">
-    <dgm:scene3d>
-      <a:camera prst="orthographicFront"/>
-      <a:lightRig rig="threePt" dir="t"/>
-    </dgm:scene3d>
-    <dgm:sp3d/>
-    <dgm:txPr/>
-    <dgm:style>
-      <a:lnRef idx="2">
-        <a:scrgbClr r="0" g="0" b="0"/>
-      </a:lnRef>
-      <a:fillRef idx="1">
-        <a:scrgbClr r="0" g="0" b="0"/>
-      </a:fillRef>
-      <a:effectRef idx="0">
-        <a:scrgbClr r="0" g="0" b="0"/>
-      </a:effectRef>
-      <a:fontRef idx="minor"/>
-    </dgm:style>
-  </dgm:styleLbl>
-  <dgm:styleLbl name="alignImgPlace1">
-    <dgm:scene3d>
-      <a:camera prst="orthographicFront"/>
-      <a:lightRig rig="threePt" dir="t"/>
-    </dgm:scene3d>
-    <dgm:sp3d/>
-    <dgm:txPr/>
-    <dgm:style>
-      <a:lnRef idx="2">
-        <a:scrgbClr r="0" g="0" b="0"/>
-      </a:lnRef>
-      <a:fillRef idx="1">
-        <a:scrgbClr r="0" g="0" b="0"/>
-      </a:fillRef>
-      <a:effectRef idx="0">
-        <a:scrgbClr r="0" g="0" b="0"/>
-      </a:effectRef>
-      <a:fontRef idx="minor"/>
-    </dgm:style>
-  </dgm:styleLbl>
-  <dgm:styleLbl name="bgImgPlace1">
-    <dgm:scene3d>
-      <a:camera prst="orthographicFront"/>
-      <a:lightRig rig="threePt" dir="t"/>
-    </dgm:scene3d>
-    <dgm:sp3d/>
-    <dgm:txPr/>
-    <dgm:style>
-      <a:lnRef idx="2">
-        <a:scrgbClr r="0" g="0" b="0"/>
-      </a:lnRef>
-      <a:fillRef idx="1">
-        <a:scrgbClr r="0" g="0" b="0"/>
-      </a:fillRef>
-      <a:effectRef idx="0">
-        <a:scrgbClr r="0" g="0" b="0"/>
-      </a:effectRef>
-      <a:fontRef idx="minor"/>
-    </dgm:style>
-  </dgm:styleLbl>
-  <dgm:styleLbl name="sibTrans2D1">
-    <dgm:scene3d>
-      <a:camera prst="orthographicFront"/>
-      <a:lightRig rig="threePt" dir="t"/>
-    </dgm:scene3d>
-    <dgm:sp3d/>
-    <dgm:txPr/>
-    <dgm:style>
-      <a:lnRef idx="0">
-        <a:scrgbClr r="0" g="0" b="0"/>
-      </a:lnRef>
-      <a:fillRef idx="1">
-        <a:scrgbClr r="0" g="0" b="0"/>
-      </a:fillRef>
-      <a:effectRef idx="0">
-        <a:scrgbClr r="0" g="0" b="0"/>
-      </a:effectRef>
-      <a:fontRef idx="minor">
-        <a:schemeClr val="lt1"/>
-      </a:fontRef>
-    </dgm:style>
-  </dgm:styleLbl>
-  <dgm:styleLbl name="fgSibTrans2D1">
-    <dgm:scene3d>
-      <a:camera prst="orthographicFront"/>
-      <a:lightRig rig="threePt" dir="t"/>
-    </dgm:scene3d>
-    <dgm:sp3d/>
-    <dgm:txPr/>
-    <dgm:style>
-      <a:lnRef idx="0">
-        <a:scrgbClr r="0" g="0" b="0"/>
-      </a:lnRef>
-      <a:fillRef idx="1">
-        <a:scrgbClr r="0" g="0" b="0"/>
-      </a:fillRef>
-      <a:effectRef idx="0">
-        <a:scrgbClr r="0" g="0" b="0"/>
-      </a:effectRef>
-      <a:fontRef idx="minor">
-        <a:schemeClr val="lt1"/>
-      </a:fontRef>
-    </dgm:style>
-  </dgm:styleLbl>
-  <dgm:styleLbl name="bgSibTrans2D1">
-    <dgm:scene3d>
-      <a:camera prst="orthographicFront"/>
-      <a:lightRig rig="threePt" dir="t"/>
-    </dgm:scene3d>
-    <dgm:sp3d/>
-    <dgm:txPr/>
-    <dgm:style>
-      <a:lnRef idx="0">
-        <a:scrgbClr r="0" g="0" b="0"/>
-      </a:lnRef>
-      <a:fillRef idx="1">
-        <a:scrgbClr r="0" g="0" b="0"/>
-      </a:fillRef>
-      <a:effectRef idx="0">
-        <a:scrgbClr r="0" g="0" b="0"/>
-      </a:effectRef>
-      <a:fontRef idx="minor">
-        <a:schemeClr val="lt1"/>
-      </a:fontRef>
-    </dgm:style>
-  </dgm:styleLbl>
-  <dgm:styleLbl name="sibTrans1D1">
-    <dgm:scene3d>
-      <a:camera prst="orthographicFront"/>
-      <a:lightRig rig="threePt" dir="t"/>
-    </dgm:scene3d>
-    <dgm:sp3d/>
-    <dgm:txPr/>
-    <dgm:style>
-      <a:lnRef idx="1">
-        <a:scrgbClr r="0" g="0" b="0"/>
-      </a:lnRef>
-      <a:fillRef idx="0">
-        <a:scrgbClr r="0" g="0" b="0"/>
-      </a:fillRef>
-      <a:effectRef idx="0">
-        <a:scrgbClr r="0" g="0" b="0"/>
-      </a:effectRef>
-      <a:fontRef idx="minor"/>
-    </dgm:style>
-  </dgm:styleLbl>
-  <dgm:styleLbl name="callout">
-    <dgm:scene3d>
-      <a:camera prst="orthographicFront"/>
-      <a:lightRig rig="threePt" dir="t"/>
-    </dgm:scene3d>
-    <dgm:sp3d/>
-    <dgm:txPr/>
-    <dgm:style>
-      <a:lnRef idx="2">
-        <a:scrgbClr r="0" g="0" b="0"/>
-      </a:lnRef>
-      <a:fillRef idx="1">
-        <a:scrgbClr r="0" g="0" b="0"/>
-      </a:fillRef>
-      <a:effectRef idx="0">
-        <a:scrgbClr r="0" g="0" b="0"/>
-      </a:effectRef>
-      <a:fontRef idx="minor"/>
-    </dgm:style>
-  </dgm:styleLbl>
-  <dgm:styleLbl name="asst0">
-    <dgm:scene3d>
-      <a:camera prst="orthographicFront"/>
-      <a:lightRig rig="threePt" dir="t"/>
-    </dgm:scene3d>
-    <dgm:sp3d/>
-    <dgm:txPr/>
-    <dgm:style>
-      <a:lnRef idx="2">
-        <a:scrgbClr r="0" g="0" b="0"/>
-      </a:lnRef>
-      <a:fillRef idx="1">
-        <a:scrgbClr r="0" g="0" b="0"/>
-      </a:fillRef>
-      <a:effectRef idx="0">
-        <a:scrgbClr r="0" g="0" b="0"/>
-      </a:effectRef>
-      <a:fontRef idx="minor">
-        <a:schemeClr val="lt1"/>
-      </a:fontRef>
-    </dgm:style>
-  </dgm:styleLbl>
-  <dgm:styleLbl name="asst1">
-    <dgm:scene3d>
-      <a:camera prst="orthographicFront"/>
-      <a:lightRig rig="threePt" dir="t"/>
-    </dgm:scene3d>
-    <dgm:sp3d/>
-    <dgm:txPr/>
-    <dgm:style>
-      <a:lnRef idx="2">
-        <a:scrgbClr r="0" g="0" b="0"/>
-      </a:lnRef>
-      <a:fillRef idx="1">
-        <a:scrgbClr r="0" g="0" b="0"/>
-      </a:fillRef>
-      <a:effectRef idx="0">
-        <a:scrgbClr r="0" g="0" b="0"/>
-      </a:effectRef>
-      <a:fontRef idx="minor">
-        <a:schemeClr val="lt1"/>
-      </a:fontRef>
-    </dgm:style>
-  </dgm:styleLbl>
-  <dgm:styleLbl name="asst2">
-    <dgm:scene3d>
-      <a:camera prst="orthographicFront"/>
-      <a:lightRig rig="threePt" dir="t"/>
-    </dgm:scene3d>
-    <dgm:sp3d/>
-    <dgm:txPr/>
-    <dgm:style>
-      <a:lnRef idx="2">
-        <a:scrgbClr r="0" g="0" b="0"/>
-      </a:lnRef>
-      <a:fillRef idx="1">
-        <a:scrgbClr r="0" g="0" b="0"/>
-      </a:fillRef>
-      <a:effectRef idx="0">
-        <a:scrgbClr r="0" g="0" b="0"/>
-      </a:effectRef>
-      <a:fontRef idx="minor">
-        <a:schemeClr val="lt1"/>
-      </a:fontRef>
-    </dgm:style>
-  </dgm:styleLbl>
-  <dgm:styleLbl name="asst3">
-    <dgm:scene3d>
-      <a:camera prst="orthographicFront"/>
-      <a:lightRig rig="threePt" dir="t"/>
-    </dgm:scene3d>
-    <dgm:sp3d/>
-    <dgm:txPr/>
-    <dgm:style>
-      <a:lnRef idx="2">
-        <a:scrgbClr r="0" g="0" b="0"/>
-      </a:lnRef>
-      <a:fillRef idx="1">
-        <a:scrgbClr r="0" g="0" b="0"/>
-      </a:fillRef>
-      <a:effectRef idx="0">
-        <a:scrgbClr r="0" g="0" b="0"/>
-      </a:effectRef>
-      <a:fontRef idx="minor">
-        <a:schemeClr val="lt1"/>
-      </a:fontRef>
-    </dgm:style>
-  </dgm:styleLbl>
-  <dgm:styleLbl name="asst4">
-    <dgm:scene3d>
-      <a:camera prst="orthographicFront"/>
-      <a:lightRig rig="threePt" dir="t"/>
-    </dgm:scene3d>
-    <dgm:sp3d/>
-    <dgm:txPr/>
-    <dgm:style>
-      <a:lnRef idx="2">
-        <a:scrgbClr r="0" g="0" b="0"/>
-      </a:lnRef>
-      <a:fillRef idx="1">
-        <a:scrgbClr r="0" g="0" b="0"/>
-      </a:fillRef>
-      <a:effectRef idx="0">
-        <a:scrgbClr r="0" g="0" b="0"/>
-      </a:effectRef>
-      <a:fontRef idx="minor">
-        <a:schemeClr val="lt1"/>
-      </a:fontRef>
-    </dgm:style>
-  </dgm:styleLbl>
-  <dgm:styleLbl name="parChTrans2D1">
-    <dgm:scene3d>
-      <a:camera prst="orthographicFront"/>
-      <a:lightRig rig="threePt" dir="t"/>
-    </dgm:scene3d>
-    <dgm:sp3d/>
-    <dgm:txPr/>
-    <dgm:style>
-      <a:lnRef idx="2">
-        <a:scrgbClr r="0" g="0" b="0"/>
-      </a:lnRef>
-      <a:fillRef idx="1">
-        <a:scrgbClr r="0" g="0" b="0"/>
-      </a:fillRef>
-      <a:effectRef idx="0">
-        <a:scrgbClr r="0" g="0" b="0"/>
-      </a:effectRef>
-      <a:fontRef idx="minor">
-        <a:schemeClr val="lt1"/>
-      </a:fontRef>
-    </dgm:style>
-  </dgm:styleLbl>
-  <dgm:styleLbl name="parChTrans2D2">
-    <dgm:scene3d>
-      <a:camera prst="orthographicFront"/>
-      <a:lightRig rig="threePt" dir="t"/>
-    </dgm:scene3d>
-    <dgm:sp3d/>
-    <dgm:txPr/>
-    <dgm:style>
-      <a:lnRef idx="2">
-        <a:scrgbClr r="0" g="0" b="0"/>
-      </a:lnRef>
-      <a:fillRef idx="1">
-        <a:scrgbClr r="0" g="0" b="0"/>
-      </a:fillRef>
-      <a:effectRef idx="0">
-        <a:scrgbClr r="0" g="0" b="0"/>
-      </a:effectRef>
-      <a:fontRef idx="minor">
-        <a:schemeClr val="lt1"/>
-      </a:fontRef>
-    </dgm:style>
-  </dgm:styleLbl>
-  <dgm:styleLbl name="parChTrans2D3">
-    <dgm:scene3d>
-      <a:camera prst="orthographicFront"/>
-      <a:lightRig rig="threePt" dir="t"/>
-    </dgm:scene3d>
-    <dgm:sp3d/>
-    <dgm:txPr/>
-    <dgm:style>
-      <a:lnRef idx="2">
-        <a:scrgbClr r="0" g="0" b="0"/>
-      </a:lnRef>
-      <a:fillRef idx="1">
-        <a:scrgbClr r="0" g="0" b="0"/>
-      </a:fillRef>
-      <a:effectRef idx="0">
-        <a:scrgbClr r="0" g="0" b="0"/>
-      </a:effectRef>
-      <a:fontRef idx="minor">
-        <a:schemeClr val="lt1"/>
-      </a:fontRef>
-    </dgm:style>
-  </dgm:styleLbl>
-  <dgm:styleLbl name="parChTrans2D4">
-    <dgm:scene3d>
-      <a:camera prst="orthographicFront"/>
-      <a:lightRig rig="threePt" dir="t"/>
-    </dgm:scene3d>
-    <dgm:sp3d/>
-    <dgm:txPr/>
-    <dgm:style>
-      <a:lnRef idx="2">
-        <a:scrgbClr r="0" g="0" b="0"/>
-      </a:lnRef>
-      <a:fillRef idx="1">
-        <a:scrgbClr r="0" g="0" b="0"/>
-      </a:fillRef>
-      <a:effectRef idx="0">
-        <a:scrgbClr r="0" g="0" b="0"/>
-      </a:effectRef>
-      <a:fontRef idx="minor">
-        <a:schemeClr val="lt1"/>
-      </a:fontRef>
-    </dgm:style>
-  </dgm:styleLbl>
-  <dgm:styleLbl name="parChTrans1D1">
-    <dgm:scene3d>
-      <a:camera prst="orthographicFront"/>
-      <a:lightRig rig="threePt" dir="t"/>
-    </dgm:scene3d>
-    <dgm:sp3d/>
-    <dgm:txPr/>
-    <dgm:style>
-      <a:lnRef idx="2">
-        <a:scrgbClr r="0" g="0" b="0"/>
-      </a:lnRef>
-      <a:fillRef idx="0">
-        <a:scrgbClr r="0" g="0" b="0"/>
-      </a:fillRef>
-      <a:effectRef idx="0">
-        <a:scrgbClr r="0" g="0" b="0"/>
-      </a:effectRef>
-      <a:fontRef idx="minor"/>
-    </dgm:style>
-  </dgm:styleLbl>
-  <dgm:styleLbl name="parChTrans1D2">
-    <dgm:scene3d>
-      <a:camera prst="orthographicFront"/>
-      <a:lightRig rig="threePt" dir="t"/>
-    </dgm:scene3d>
-    <dgm:sp3d/>
-    <dgm:txPr/>
-    <dgm:style>
-      <a:lnRef idx="2">
-        <a:scrgbClr r="0" g="0" b="0"/>
-      </a:lnRef>
-      <a:fillRef idx="0">
-        <a:scrgbClr r="0" g="0" b="0"/>
-      </a:fillRef>
-      <a:effectRef idx="0">
-        <a:scrgbClr r="0" g="0" b="0"/>
-      </a:effectRef>
-      <a:fontRef idx="minor"/>
-    </dgm:style>
-  </dgm:styleLbl>
-  <dgm:styleLbl name="parChTrans1D3">
-    <dgm:scene3d>
-      <a:camera prst="orthographicFront"/>
-      <a:lightRig rig="threePt" dir="t"/>
-    </dgm:scene3d>
-    <dgm:sp3d/>
-    <dgm:txPr/>
-    <dgm:style>
-      <a:lnRef idx="2">
-        <a:scrgbClr r="0" g="0" b="0"/>
-      </a:lnRef>
-      <a:fillRef idx="0">
-        <a:scrgbClr r="0" g="0" b="0"/>
-      </a:fillRef>
-      <a:effectRef idx="0">
-        <a:scrgbClr r="0" g="0" b="0"/>
-      </a:effectRef>
-      <a:fontRef idx="minor"/>
-    </dgm:style>
-  </dgm:styleLbl>
-  <dgm:styleLbl name="parChTrans1D4">
-    <dgm:scene3d>
-      <a:camera prst="orthographicFront"/>
-      <a:lightRig rig="threePt" dir="t"/>
-    </dgm:scene3d>
-    <dgm:sp3d/>
-    <dgm:txPr/>
-    <dgm:style>
-      <a:lnRef idx="2">
-        <a:scrgbClr r="0" g="0" b="0"/>
-      </a:lnRef>
-      <a:fillRef idx="0">
-        <a:scrgbClr r="0" g="0" b="0"/>
-      </a:fillRef>
-      <a:effectRef idx="0">
-        <a:scrgbClr r="0" g="0" b="0"/>
-      </a:effectRef>
-      <a:fontRef idx="minor"/>
-    </dgm:style>
-  </dgm:styleLbl>
-  <dgm:styleLbl name="fgAcc1">
-    <dgm:scene3d>
-      <a:camera prst="orthographicFront"/>
-      <a:lightRig rig="threePt" dir="t"/>
-    </dgm:scene3d>
-    <dgm:sp3d/>
-    <dgm:txPr/>
-    <dgm:style>
-      <a:lnRef idx="2">
-        <a:scrgbClr r="0" g="0" b="0"/>
-      </a:lnRef>
-      <a:fillRef idx="1">
-        <a:scrgbClr r="0" g="0" b="0"/>
-      </a:fillRef>
-      <a:effectRef idx="0">
-        <a:scrgbClr r="0" g="0" b="0"/>
-      </a:effectRef>
-      <a:fontRef idx="minor"/>
-    </dgm:style>
-  </dgm:styleLbl>
-  <dgm:styleLbl name="conFgAcc1">
-    <dgm:scene3d>
-      <a:camera prst="orthographicFront"/>
-      <a:lightRig rig="threePt" dir="t"/>
-    </dgm:scene3d>
-    <dgm:sp3d/>
-    <dgm:txPr/>
-    <dgm:style>
-      <a:lnRef idx="2">
-        <a:scrgbClr r="0" g="0" b="0"/>
-      </a:lnRef>
-      <a:fillRef idx="1">
-        <a:scrgbClr r="0" g="0" b="0"/>
-      </a:fillRef>
-      <a:effectRef idx="0">
-        <a:scrgbClr r="0" g="0" b="0"/>
-      </a:effectRef>
-      <a:fontRef idx="minor"/>
-    </dgm:style>
-  </dgm:styleLbl>
-  <dgm:styleLbl name="alignAcc1">
-    <dgm:scene3d>
-      <a:camera prst="orthographicFront"/>
-      <a:lightRig rig="threePt" dir="t"/>
-    </dgm:scene3d>
-    <dgm:sp3d/>
-    <dgm:txPr/>
-    <dgm:style>
-      <a:lnRef idx="2">
-        <a:scrgbClr r="0" g="0" b="0"/>
-      </a:lnRef>
-      <a:fillRef idx="1">
-        <a:scrgbClr r="0" g="0" b="0"/>
-      </a:fillRef>
-      <a:effectRef idx="0">
-        <a:scrgbClr r="0" g="0" b="0"/>
-      </a:effectRef>
-      <a:fontRef idx="minor"/>
-    </dgm:style>
-  </dgm:styleLbl>
-  <dgm:styleLbl name="trAlignAcc1">
-    <dgm:scene3d>
-      <a:camera prst="orthographicFront"/>
-      <a:lightRig rig="threePt" dir="t"/>
-    </dgm:scene3d>
-    <dgm:sp3d/>
-    <dgm:txPr/>
-    <dgm:style>
-      <a:lnRef idx="1">
-        <a:scrgbClr r="0" g="0" b="0"/>
-      </a:lnRef>
-      <a:fillRef idx="1">
-        <a:scrgbClr r="0" g="0" b="0"/>
-      </a:fillRef>
-      <a:effectRef idx="0">
-        <a:scrgbClr r="0" g="0" b="0"/>
-      </a:effectRef>
-      <a:fontRef idx="minor"/>
-    </dgm:style>
-  </dgm:styleLbl>
-  <dgm:styleLbl name="bgAcc1">
-    <dgm:scene3d>
-      <a:camera prst="orthographicFront"/>
-      <a:lightRig rig="threePt" dir="t"/>
-    </dgm:scene3d>
-    <dgm:sp3d/>
-    <dgm:txPr/>
-    <dgm:style>
-      <a:lnRef idx="2">
-        <a:scrgbClr r="0" g="0" b="0"/>
-      </a:lnRef>
-      <a:fillRef idx="1">
-        <a:scrgbClr r="0" g="0" b="0"/>
-      </a:fillRef>
-      <a:effectRef idx="0">
-        <a:scrgbClr r="0" g="0" b="0"/>
-      </a:effectRef>
-      <a:fontRef idx="minor"/>
-    </dgm:style>
-  </dgm:styleLbl>
-  <dgm:styleLbl name="solidFgAcc1">
-    <dgm:scene3d>
-      <a:camera prst="orthographicFront"/>
-      <a:lightRig rig="threePt" dir="t"/>
-    </dgm:scene3d>
-    <dgm:sp3d/>
-    <dgm:txPr/>
-    <dgm:style>
-      <a:lnRef idx="2">
-        <a:scrgbClr r="0" g="0" b="0"/>
-      </a:lnRef>
-      <a:fillRef idx="1">
-        <a:scrgbClr r="0" g="0" b="0"/>
-      </a:fillRef>
-      <a:effectRef idx="0">
-        <a:scrgbClr r="0" g="0" b="0"/>
-      </a:effectRef>
-      <a:fontRef idx="minor"/>
-    </dgm:style>
-  </dgm:styleLbl>
-  <dgm:styleLbl name="solidAlignAcc1">
-    <dgm:scene3d>
-      <a:camera prst="orthographicFront"/>
-      <a:lightRig rig="threePt" dir="t"/>
-    </dgm:scene3d>
-    <dgm:sp3d/>
-    <dgm:txPr/>
-    <dgm:style>
-      <a:lnRef idx="2">
-        <a:scrgbClr r="0" g="0" b="0"/>
-      </a:lnRef>
-      <a:fillRef idx="1">
-        <a:scrgbClr r="0" g="0" b="0"/>
-      </a:fillRef>
-      <a:effectRef idx="0">
-        <a:scrgbClr r="0" g="0" b="0"/>
-      </a:effectRef>
-      <a:fontRef idx="minor"/>
-    </dgm:style>
-  </dgm:styleLbl>
-  <dgm:styleLbl name="solidBgAcc1">
-    <dgm:scene3d>
-      <a:camera prst="orthographicFront"/>
-      <a:lightRig rig="threePt" dir="t"/>
-    </dgm:scene3d>
-    <dgm:sp3d/>
-    <dgm:txPr/>
-    <dgm:style>
-      <a:lnRef idx="2">
-        <a:scrgbClr r="0" g="0" b="0"/>
-      </a:lnRef>
-      <a:fillRef idx="1">
-        <a:scrgbClr r="0" g="0" b="0"/>
-      </a:fillRef>
-      <a:effectRef idx="0">
-        <a:scrgbClr r="0" g="0" b="0"/>
-      </a:effectRef>
-      <a:fontRef idx="minor"/>
-    </dgm:style>
-  </dgm:styleLbl>
-  <dgm:styleLbl name="fgAccFollowNode1">
-    <dgm:scene3d>
-      <a:camera prst="orthographicFront"/>
-      <a:lightRig rig="threePt" dir="t"/>
-    </dgm:scene3d>
-    <dgm:sp3d/>
-    <dgm:txPr/>
-    <dgm:style>
-      <a:lnRef idx="2">
-        <a:scrgbClr r="0" g="0" b="0"/>
-      </a:lnRef>
-      <a:fillRef idx="1">
-        <a:scrgbClr r="0" g="0" b="0"/>
-      </a:fillRef>
-      <a:effectRef idx="0">
-        <a:scrgbClr r="0" g="0" b="0"/>
-      </a:effectRef>
-      <a:fontRef idx="minor"/>
-    </dgm:style>
-  </dgm:styleLbl>
-  <dgm:styleLbl name="alignAccFollowNode1">
-    <dgm:scene3d>
-      <a:camera prst="orthographicFront"/>
-      <a:lightRig rig="threePt" dir="t"/>
-    </dgm:scene3d>
-    <dgm:sp3d/>
-    <dgm:txPr/>
-    <dgm:style>
-      <a:lnRef idx="2">
-        <a:scrgbClr r="0" g="0" b="0"/>
-      </a:lnRef>
-      <a:fillRef idx="1">
-        <a:scrgbClr r="0" g="0" b="0"/>
-      </a:fillRef>
-      <a:effectRef idx="0">
-        <a:scrgbClr r="0" g="0" b="0"/>
-      </a:effectRef>
-      <a:fontRef idx="minor"/>
-    </dgm:style>
-  </dgm:styleLbl>
-  <dgm:styleLbl name="bgAccFollowNode1">
-    <dgm:scene3d>
-      <a:camera prst="orthographicFront"/>
-      <a:lightRig rig="threePt" dir="t"/>
-    </dgm:scene3d>
-    <dgm:sp3d/>
-    <dgm:txPr/>
-    <dgm:style>
-      <a:lnRef idx="2">
-        <a:scrgbClr r="0" g="0" b="0"/>
-      </a:lnRef>
-      <a:fillRef idx="1">
-        <a:scrgbClr r="0" g="0" b="0"/>
-      </a:fillRef>
-      <a:effectRef idx="0">
-        <a:scrgbClr r="0" g="0" b="0"/>
-      </a:effectRef>
-      <a:fontRef idx="minor"/>
-    </dgm:style>
-  </dgm:styleLbl>
-  <dgm:styleLbl name="fgAcc0">
-    <dgm:scene3d>
-      <a:camera prst="orthographicFront"/>
-      <a:lightRig rig="threePt" dir="t"/>
-    </dgm:scene3d>
-    <dgm:sp3d/>
-    <dgm:txPr/>
-    <dgm:style>
-      <a:lnRef idx="2">
-        <a:scrgbClr r="0" g="0" b="0"/>
-      </a:lnRef>
-      <a:fillRef idx="1">
-        <a:scrgbClr r="0" g="0" b="0"/>
-      </a:fillRef>
-      <a:effectRef idx="0">
-        <a:scrgbClr r="0" g="0" b="0"/>
-      </a:effectRef>
-      <a:fontRef idx="minor"/>
-    </dgm:style>
-  </dgm:styleLbl>
-  <dgm:styleLbl name="fgAcc2">
-    <dgm:scene3d>
-      <a:camera prst="orthographicFront"/>
-      <a:lightRig rig="threePt" dir="t"/>
-    </dgm:scene3d>
-    <dgm:sp3d/>
-    <dgm:txPr/>
-    <dgm:style>
-      <a:lnRef idx="2">
-        <a:scrgbClr r="0" g="0" b="0"/>
-      </a:lnRef>
-      <a:fillRef idx="1">
-        <a:scrgbClr r="0" g="0" b="0"/>
-      </a:fillRef>
-      <a:effectRef idx="0">
-        <a:scrgbClr r="0" g="0" b="0"/>
-      </a:effectRef>
-      <a:fontRef idx="minor"/>
-    </dgm:style>
-  </dgm:styleLbl>
-  <dgm:styleLbl name="fgAcc3">
-    <dgm:scene3d>
-      <a:camera prst="orthographicFront"/>
-      <a:lightRig rig="threePt" dir="t"/>
-    </dgm:scene3d>
-    <dgm:sp3d/>
-    <dgm:txPr/>
-    <dgm:style>
-      <a:lnRef idx="2">
-        <a:scrgbClr r="0" g="0" b="0"/>
-      </a:lnRef>
-      <a:fillRef idx="1">
-        <a:scrgbClr r="0" g="0" b="0"/>
-      </a:fillRef>
-      <a:effectRef idx="0">
-        <a:scrgbClr r="0" g="0" b="0"/>
-      </a:effectRef>
-      <a:fontRef idx="minor"/>
-    </dgm:style>
-  </dgm:styleLbl>
-  <dgm:styleLbl name="fgAcc4">
-    <dgm:scene3d>
-      <a:camera prst="orthographicFront"/>
-      <a:lightRig rig="threePt" dir="t"/>
-    </dgm:scene3d>
-    <dgm:sp3d/>
-    <dgm:txPr/>
-    <dgm:style>
-      <a:lnRef idx="2">
-        <a:scrgbClr r="0" g="0" b="0"/>
-      </a:lnRef>
-      <a:fillRef idx="1">
-        <a:scrgbClr r="0" g="0" b="0"/>
-      </a:fillRef>
-      <a:effectRef idx="0">
-        <a:scrgbClr r="0" g="0" b="0"/>
-      </a:effectRef>
-      <a:fontRef idx="minor"/>
-    </dgm:style>
-  </dgm:styleLbl>
-  <dgm:styleLbl name="bgShp">
-    <dgm:scene3d>
-      <a:camera prst="orthographicFront"/>
-      <a:lightRig rig="threePt" dir="t"/>
-    </dgm:scene3d>
-    <dgm:sp3d/>
-    <dgm:txPr/>
-    <dgm:style>
-      <a:lnRef idx="0">
-        <a:scrgbClr r="0" g="0" b="0"/>
-      </a:lnRef>
-      <a:fillRef idx="1">
-        <a:scrgbClr r="0" g="0" b="0"/>
-      </a:fillRef>
-      <a:effectRef idx="0">
-        <a:scrgbClr r="0" g="0" b="0"/>
-      </a:effectRef>
-      <a:fontRef idx="minor"/>
-    </dgm:style>
-  </dgm:styleLbl>
-  <dgm:styleLbl name="dkBgShp">
-    <dgm:scene3d>
-      <a:camera prst="orthographicFront"/>
-      <a:lightRig rig="threePt" dir="t"/>
-    </dgm:scene3d>
-    <dgm:sp3d/>
-    <dgm:txPr/>
-    <dgm:style>
-      <a:lnRef idx="0">
-        <a:scrgbClr r="0" g="0" b="0"/>
-      </a:lnRef>
-      <a:fillRef idx="1">
-        <a:scrgbClr r="0" g="0" b="0"/>
-      </a:fillRef>
-      <a:effectRef idx="0">
-        <a:scrgbClr r="0" g="0" b="0"/>
-      </a:effectRef>
-      <a:fontRef idx="minor"/>
-    </dgm:style>
-  </dgm:styleLbl>
-  <dgm:styleLbl name="trBgShp">
-    <dgm:scene3d>
-      <a:camera prst="orthographicFront"/>
-      <a:lightRig rig="threePt" dir="t"/>
-    </dgm:scene3d>
-    <dgm:sp3d/>
-    <dgm:txPr/>
-    <dgm:style>
-      <a:lnRef idx="0">
-        <a:scrgbClr r="0" g="0" b="0"/>
-      </a:lnRef>
-      <a:fillRef idx="1">
-        <a:scrgbClr r="0" g="0" b="0"/>
-      </a:fillRef>
-      <a:effectRef idx="0">
-        <a:scrgbClr r="0" g="0" b="0"/>
-      </a:effectRef>
-      <a:fontRef idx="minor"/>
-    </dgm:style>
-  </dgm:styleLbl>
-  <dgm:styleLbl name="fgShp">
-    <dgm:scene3d>
-      <a:camera prst="orthographicFront"/>
-      <a:lightRig rig="threePt" dir="t"/>
-    </dgm:scene3d>
-    <dgm:sp3d/>
-    <dgm:txPr/>
-    <dgm:style>
-      <a:lnRef idx="2">
-        <a:scrgbClr r="0" g="0" b="0"/>
-      </a:lnRef>
-      <a:fillRef idx="1">
-        <a:scrgbClr r="0" g="0" b="0"/>
-      </a:fillRef>
-      <a:effectRef idx="0">
-        <a:scrgbClr r="0" g="0" b="0"/>
-      </a:effectRef>
-      <a:fontRef idx="minor"/>
-    </dgm:style>
-  </dgm:styleLbl>
-  <dgm:styleLbl name="revTx">
-    <dgm:scene3d>
-      <a:camera prst="orthographicFront"/>
-      <a:lightRig rig="threePt" dir="t"/>
-    </dgm:scene3d>
-    <dgm:sp3d/>
-    <dgm:txPr/>
-    <dgm:style>
-      <a:lnRef idx="0">
-        <a:scrgbClr r="0" g="0" b="0"/>
-      </a:lnRef>
-      <a:fillRef idx="0">
-        <a:scrgbClr r="0" g="0" b="0"/>
-      </a:fillRef>
-      <a:effectRef idx="0">
-        <a:scrgbClr r="0" g="0" b="0"/>
-      </a:effectRef>
-      <a:fontRef idx="minor"/>
-    </dgm:style>
-  </dgm:styleLbl>
-</dgm:styleDef>
-</file>
-
 <file path=ppt/notesMasters/notesMaster1.xml><?xml version="1.0" encoding="utf-8"?>
 <p:notesMaster xmlns:a="http://schemas.openxmlformats.org/drawingml/2006/main" xmlns:r="http://schemas.openxmlformats.org/officeDocument/2006/relationships" xmlns:p="http://schemas.openxmlformats.org/presentationml/2006/main">
   <p:cSld>
@@ -3066,7 +225,7 @@
           <a:p>
             <a:fld id="{1E0C1A15-BBAC-45BF-8D2B-A93D6ADB9446}" type="datetimeFigureOut">
               <a:rPr lang="zh-CN" altLang="en-US" smtClean="0"/>
-              <a:t>2019/12/16</a:t>
+              <a:t>2020/1/20</a:t>
             </a:fld>
             <a:endParaRPr lang="zh-CN" altLang="en-US"/>
           </a:p>
@@ -3333,6 +492,174 @@
 </p:notesMaster>
 </file>
 
+<file path=ppt/notesSlides/notesSlide1.xml><?xml version="1.0" encoding="utf-8"?>
+<p:notes xmlns:a="http://schemas.openxmlformats.org/drawingml/2006/main" xmlns:r="http://schemas.openxmlformats.org/officeDocument/2006/relationships" xmlns:p="http://schemas.openxmlformats.org/presentationml/2006/main">
+  <p:cSld>
+    <p:spTree>
+      <p:nvGrpSpPr>
+        <p:cNvPr id="1" name=""/>
+        <p:cNvGrpSpPr/>
+        <p:nvPr/>
+      </p:nvGrpSpPr>
+      <p:grpSpPr>
+        <a:xfrm>
+          <a:off x="0" y="0"/>
+          <a:ext cx="0" cy="0"/>
+          <a:chOff x="0" y="0"/>
+          <a:chExt cx="0" cy="0"/>
+        </a:xfrm>
+      </p:grpSpPr>
+      <p:sp>
+        <p:nvSpPr>
+          <p:cNvPr id="2" name="幻灯片图像占位符 1"/>
+          <p:cNvSpPr>
+            <a:spLocks noGrp="1" noRot="1" noChangeAspect="1"/>
+          </p:cNvSpPr>
+          <p:nvPr>
+            <p:ph type="sldImg"/>
+          </p:nvPr>
+        </p:nvSpPr>
+        <p:spPr/>
+      </p:sp>
+      <p:sp>
+        <p:nvSpPr>
+          <p:cNvPr id="3" name="备注占位符 2"/>
+          <p:cNvSpPr>
+            <a:spLocks noGrp="1"/>
+          </p:cNvSpPr>
+          <p:nvPr>
+            <p:ph type="body" idx="1"/>
+          </p:nvPr>
+        </p:nvSpPr>
+        <p:spPr/>
+        <p:txBody>
+          <a:bodyPr/>
+          <a:lstStyle/>
+          <a:p>
+            <a:endParaRPr lang="zh-CN" altLang="en-US" dirty="0"/>
+          </a:p>
+        </p:txBody>
+      </p:sp>
+      <p:sp>
+        <p:nvSpPr>
+          <p:cNvPr id="4" name="灯片编号占位符 3"/>
+          <p:cNvSpPr>
+            <a:spLocks noGrp="1"/>
+          </p:cNvSpPr>
+          <p:nvPr>
+            <p:ph type="sldNum" sz="quarter" idx="5"/>
+          </p:nvPr>
+        </p:nvSpPr>
+        <p:spPr/>
+        <p:txBody>
+          <a:bodyPr/>
+          <a:lstStyle/>
+          <a:p>
+            <a:fld id="{30B7C866-591A-4136-9D89-A3C04EF41070}" type="slidenum">
+              <a:rPr lang="zh-CN" altLang="en-US" smtClean="0"/>
+              <a:t>15</a:t>
+            </a:fld>
+            <a:endParaRPr lang="zh-CN" altLang="en-US"/>
+          </a:p>
+        </p:txBody>
+      </p:sp>
+    </p:spTree>
+    <p:extLst>
+      <p:ext uri="{BB962C8B-B14F-4D97-AF65-F5344CB8AC3E}">
+        <p14:creationId xmlns:p14="http://schemas.microsoft.com/office/powerpoint/2010/main" val="3257765272"/>
+      </p:ext>
+    </p:extLst>
+  </p:cSld>
+  <p:clrMapOvr>
+    <a:masterClrMapping/>
+  </p:clrMapOvr>
+</p:notes>
+</file>
+
+<file path=ppt/notesSlides/notesSlide2.xml><?xml version="1.0" encoding="utf-8"?>
+<p:notes xmlns:a="http://schemas.openxmlformats.org/drawingml/2006/main" xmlns:r="http://schemas.openxmlformats.org/officeDocument/2006/relationships" xmlns:p="http://schemas.openxmlformats.org/presentationml/2006/main">
+  <p:cSld>
+    <p:spTree>
+      <p:nvGrpSpPr>
+        <p:cNvPr id="1" name=""/>
+        <p:cNvGrpSpPr/>
+        <p:nvPr/>
+      </p:nvGrpSpPr>
+      <p:grpSpPr>
+        <a:xfrm>
+          <a:off x="0" y="0"/>
+          <a:ext cx="0" cy="0"/>
+          <a:chOff x="0" y="0"/>
+          <a:chExt cx="0" cy="0"/>
+        </a:xfrm>
+      </p:grpSpPr>
+      <p:sp>
+        <p:nvSpPr>
+          <p:cNvPr id="2" name="幻灯片图像占位符 1"/>
+          <p:cNvSpPr>
+            <a:spLocks noGrp="1" noRot="1" noChangeAspect="1"/>
+          </p:cNvSpPr>
+          <p:nvPr>
+            <p:ph type="sldImg"/>
+          </p:nvPr>
+        </p:nvSpPr>
+        <p:spPr/>
+      </p:sp>
+      <p:sp>
+        <p:nvSpPr>
+          <p:cNvPr id="3" name="备注占位符 2"/>
+          <p:cNvSpPr>
+            <a:spLocks noGrp="1"/>
+          </p:cNvSpPr>
+          <p:nvPr>
+            <p:ph type="body" idx="1"/>
+          </p:nvPr>
+        </p:nvSpPr>
+        <p:spPr/>
+        <p:txBody>
+          <a:bodyPr/>
+          <a:lstStyle/>
+          <a:p>
+            <a:endParaRPr lang="zh-CN" altLang="en-US" dirty="0"/>
+          </a:p>
+        </p:txBody>
+      </p:sp>
+      <p:sp>
+        <p:nvSpPr>
+          <p:cNvPr id="4" name="灯片编号占位符 3"/>
+          <p:cNvSpPr>
+            <a:spLocks noGrp="1"/>
+          </p:cNvSpPr>
+          <p:nvPr>
+            <p:ph type="sldNum" sz="quarter" idx="5"/>
+          </p:nvPr>
+        </p:nvSpPr>
+        <p:spPr/>
+        <p:txBody>
+          <a:bodyPr/>
+          <a:lstStyle/>
+          <a:p>
+            <a:fld id="{30B7C866-591A-4136-9D89-A3C04EF41070}" type="slidenum">
+              <a:rPr lang="zh-CN" altLang="en-US" smtClean="0"/>
+              <a:t>17</a:t>
+            </a:fld>
+            <a:endParaRPr lang="zh-CN" altLang="en-US"/>
+          </a:p>
+        </p:txBody>
+      </p:sp>
+    </p:spTree>
+    <p:extLst>
+      <p:ext uri="{BB962C8B-B14F-4D97-AF65-F5344CB8AC3E}">
+        <p14:creationId xmlns:p14="http://schemas.microsoft.com/office/powerpoint/2010/main" val="3587177725"/>
+      </p:ext>
+    </p:extLst>
+  </p:cSld>
+  <p:clrMapOvr>
+    <a:masterClrMapping/>
+  </p:clrMapOvr>
+</p:notes>
+</file>
+
 <file path=ppt/slideLayouts/slideLayout1.xml><?xml version="1.0" encoding="utf-8"?>
 <p:sldLayout xmlns:a="http://schemas.openxmlformats.org/drawingml/2006/main" xmlns:r="http://schemas.openxmlformats.org/officeDocument/2006/relationships" xmlns:p="http://schemas.openxmlformats.org/presentationml/2006/main" type="title" preserve="1">
   <p:cSld name="标题幻灯片">
@@ -3480,7 +807,7 @@
           <a:p>
             <a:fld id="{BF3918A0-9DA6-44BB-AD66-BC6159D34034}" type="datetimeFigureOut">
               <a:rPr lang="zh-CN" altLang="en-US" smtClean="0"/>
-              <a:t>2019/12/16</a:t>
+              <a:t>2020/1/20</a:t>
             </a:fld>
             <a:endParaRPr lang="zh-CN" altLang="en-US"/>
           </a:p>
@@ -3678,7 +1005,7 @@
           <a:p>
             <a:fld id="{BF3918A0-9DA6-44BB-AD66-BC6159D34034}" type="datetimeFigureOut">
               <a:rPr lang="zh-CN" altLang="en-US" smtClean="0"/>
-              <a:t>2019/12/16</a:t>
+              <a:t>2020/1/20</a:t>
             </a:fld>
             <a:endParaRPr lang="zh-CN" altLang="en-US"/>
           </a:p>
@@ -3886,7 +1213,7 @@
           <a:p>
             <a:fld id="{BF3918A0-9DA6-44BB-AD66-BC6159D34034}" type="datetimeFigureOut">
               <a:rPr lang="zh-CN" altLang="en-US" smtClean="0"/>
-              <a:t>2019/12/16</a:t>
+              <a:t>2020/1/20</a:t>
             </a:fld>
             <a:endParaRPr lang="zh-CN" altLang="en-US"/>
           </a:p>
@@ -4084,7 +1411,7 @@
           <a:p>
             <a:fld id="{BF3918A0-9DA6-44BB-AD66-BC6159D34034}" type="datetimeFigureOut">
               <a:rPr lang="zh-CN" altLang="en-US" smtClean="0"/>
-              <a:t>2019/12/16</a:t>
+              <a:t>2020/1/20</a:t>
             </a:fld>
             <a:endParaRPr lang="zh-CN" altLang="en-US"/>
           </a:p>
@@ -4359,7 +1686,7 @@
           <a:p>
             <a:fld id="{BF3918A0-9DA6-44BB-AD66-BC6159D34034}" type="datetimeFigureOut">
               <a:rPr lang="zh-CN" altLang="en-US" smtClean="0"/>
-              <a:t>2019/12/16</a:t>
+              <a:t>2020/1/20</a:t>
             </a:fld>
             <a:endParaRPr lang="zh-CN" altLang="en-US"/>
           </a:p>
@@ -4624,7 +1951,7 @@
           <a:p>
             <a:fld id="{BF3918A0-9DA6-44BB-AD66-BC6159D34034}" type="datetimeFigureOut">
               <a:rPr lang="zh-CN" altLang="en-US" smtClean="0"/>
-              <a:t>2019/12/16</a:t>
+              <a:t>2020/1/20</a:t>
             </a:fld>
             <a:endParaRPr lang="zh-CN" altLang="en-US"/>
           </a:p>
@@ -5036,7 +2363,7 @@
           <a:p>
             <a:fld id="{BF3918A0-9DA6-44BB-AD66-BC6159D34034}" type="datetimeFigureOut">
               <a:rPr lang="zh-CN" altLang="en-US" smtClean="0"/>
-              <a:t>2019/12/16</a:t>
+              <a:t>2020/1/20</a:t>
             </a:fld>
             <a:endParaRPr lang="zh-CN" altLang="en-US"/>
           </a:p>
@@ -5177,7 +2504,7 @@
           <a:p>
             <a:fld id="{BF3918A0-9DA6-44BB-AD66-BC6159D34034}" type="datetimeFigureOut">
               <a:rPr lang="zh-CN" altLang="en-US" smtClean="0"/>
-              <a:t>2019/12/16</a:t>
+              <a:t>2020/1/20</a:t>
             </a:fld>
             <a:endParaRPr lang="zh-CN" altLang="en-US"/>
           </a:p>
@@ -5290,7 +2617,7 @@
           <a:p>
             <a:fld id="{BF3918A0-9DA6-44BB-AD66-BC6159D34034}" type="datetimeFigureOut">
               <a:rPr lang="zh-CN" altLang="en-US" smtClean="0"/>
-              <a:t>2019/12/16</a:t>
+              <a:t>2020/1/20</a:t>
             </a:fld>
             <a:endParaRPr lang="zh-CN" altLang="en-US"/>
           </a:p>
@@ -5601,7 +2928,7 @@
           <a:p>
             <a:fld id="{BF3918A0-9DA6-44BB-AD66-BC6159D34034}" type="datetimeFigureOut">
               <a:rPr lang="zh-CN" altLang="en-US" smtClean="0"/>
-              <a:t>2019/12/16</a:t>
+              <a:t>2020/1/20</a:t>
             </a:fld>
             <a:endParaRPr lang="zh-CN" altLang="en-US"/>
           </a:p>
@@ -5889,7 +3216,7 @@
           <a:p>
             <a:fld id="{BF3918A0-9DA6-44BB-AD66-BC6159D34034}" type="datetimeFigureOut">
               <a:rPr lang="zh-CN" altLang="en-US" smtClean="0"/>
-              <a:t>2019/12/16</a:t>
+              <a:t>2020/1/20</a:t>
             </a:fld>
             <a:endParaRPr lang="zh-CN" altLang="en-US"/>
           </a:p>
@@ -6130,7 +3457,7 @@
           <a:p>
             <a:fld id="{BF3918A0-9DA6-44BB-AD66-BC6159D34034}" type="datetimeFigureOut">
               <a:rPr lang="zh-CN" altLang="en-US" smtClean="0"/>
-              <a:t>2019/12/16</a:t>
+              <a:t>2020/1/20</a:t>
             </a:fld>
             <a:endParaRPr lang="zh-CN" altLang="en-US"/>
           </a:p>
@@ -6606,7 +3933,7 @@
           <a:p>
             <a:fld id="{8E811C96-292F-40DE-8D92-A0E1E186E664}" type="datetime1">
               <a:rPr lang="zh-CN" altLang="en-US" smtClean="0"/>
-              <a:t>2019/12/16</a:t>
+              <a:t>2020/1/20</a:t>
             </a:fld>
             <a:endParaRPr lang="zh-CN" altLang="en-US" dirty="0"/>
           </a:p>
@@ -13553,7 +10880,7 @@
         </p:nvSpPr>
         <p:spPr>
           <a:xfrm>
-            <a:off x="9981914" y="3794442"/>
+            <a:off x="7710295" y="1165729"/>
             <a:ext cx="646331" cy="369332"/>
           </a:xfrm>
           <a:prstGeom prst="rect">
@@ -13576,89 +10903,19 @@
       </p:sp>
       <p:sp>
         <p:nvSpPr>
-          <p:cNvPr id="10" name="文本框 9">
-            <a:extLst>
-              <a:ext uri="{FF2B5EF4-FFF2-40B4-BE49-F238E27FC236}">
-                <a16:creationId xmlns:a16="http://schemas.microsoft.com/office/drawing/2014/main" id="{D81AAD7C-05BE-4CC5-8AB5-636F0E75B8C7}"/>
-              </a:ext>
-            </a:extLst>
-          </p:cNvPr>
-          <p:cNvSpPr txBox="1"/>
+          <p:cNvPr id="13" name="矩形: 圆角 12">
+            <a:extLst>
+              <a:ext uri="{FF2B5EF4-FFF2-40B4-BE49-F238E27FC236}">
+                <a16:creationId xmlns:a16="http://schemas.microsoft.com/office/drawing/2014/main" id="{509DD702-15B8-456F-877E-A8E94F128455}"/>
+              </a:ext>
+            </a:extLst>
+          </p:cNvPr>
+          <p:cNvSpPr/>
           <p:nvPr/>
         </p:nvSpPr>
         <p:spPr>
           <a:xfrm>
-            <a:off x="9981914" y="4867688"/>
-            <a:ext cx="1107996" cy="369332"/>
-          </a:xfrm>
-          <a:prstGeom prst="rect">
-            <a:avLst/>
-          </a:prstGeom>
-          <a:noFill/>
-        </p:spPr>
-        <p:txBody>
-          <a:bodyPr wrap="none" rtlCol="0">
-            <a:spAutoFit/>
-          </a:bodyPr>
-          <a:lstStyle/>
-          <a:p>
-            <a:r>
-              <a:rPr lang="zh-CN" altLang="en-US" dirty="0"/>
-              <a:t>提出假设</a:t>
-            </a:r>
-          </a:p>
-        </p:txBody>
-      </p:sp>
-      <p:sp>
-        <p:nvSpPr>
-          <p:cNvPr id="11" name="文本框 10">
-            <a:extLst>
-              <a:ext uri="{FF2B5EF4-FFF2-40B4-BE49-F238E27FC236}">
-                <a16:creationId xmlns:a16="http://schemas.microsoft.com/office/drawing/2014/main" id="{31A3488F-0707-442F-8935-9781218A6A47}"/>
-              </a:ext>
-            </a:extLst>
-          </p:cNvPr>
-          <p:cNvSpPr txBox="1"/>
-          <p:nvPr/>
-        </p:nvSpPr>
-        <p:spPr>
-          <a:xfrm>
-            <a:off x="9981914" y="5953306"/>
-            <a:ext cx="1107996" cy="369332"/>
-          </a:xfrm>
-          <a:prstGeom prst="rect">
-            <a:avLst/>
-          </a:prstGeom>
-          <a:noFill/>
-        </p:spPr>
-        <p:txBody>
-          <a:bodyPr wrap="none" rtlCol="0">
-            <a:spAutoFit/>
-          </a:bodyPr>
-          <a:lstStyle/>
-          <a:p>
-            <a:r>
-              <a:rPr lang="zh-CN" altLang="en-US" dirty="0"/>
-              <a:t>信息验证</a:t>
-            </a:r>
-          </a:p>
-        </p:txBody>
-      </p:sp>
-      <p:sp>
-        <p:nvSpPr>
-          <p:cNvPr id="13" name="矩形: 圆角 12">
-            <a:extLst>
-              <a:ext uri="{FF2B5EF4-FFF2-40B4-BE49-F238E27FC236}">
-                <a16:creationId xmlns:a16="http://schemas.microsoft.com/office/drawing/2014/main" id="{509DD702-15B8-456F-877E-A8E94F128455}"/>
-              </a:ext>
-            </a:extLst>
-          </p:cNvPr>
-          <p:cNvSpPr/>
-          <p:nvPr/>
-        </p:nvSpPr>
-        <p:spPr>
-          <a:xfrm>
-            <a:off x="503851" y="4163774"/>
+            <a:off x="354555" y="534164"/>
             <a:ext cx="1567545" cy="296260"/>
           </a:xfrm>
           <a:prstGeom prst="roundRect">
@@ -13712,7 +10969,7 @@
         </p:nvSpPr>
         <p:spPr>
           <a:xfrm>
-            <a:off x="503851" y="4557444"/>
+            <a:off x="354555" y="927834"/>
             <a:ext cx="4777272" cy="923330"/>
           </a:xfrm>
           <a:prstGeom prst="rect">
@@ -13774,7 +11031,7 @@
         </p:nvSpPr>
         <p:spPr>
           <a:xfrm>
-            <a:off x="5975819" y="4557444"/>
+            <a:off x="5826523" y="927834"/>
             <a:ext cx="1107996" cy="923330"/>
           </a:xfrm>
           <a:prstGeom prst="rect">
@@ -13824,7 +11081,7 @@
         </p:nvSpPr>
         <p:spPr>
           <a:xfrm>
-            <a:off x="503850" y="5606838"/>
+            <a:off x="354554" y="1977228"/>
             <a:ext cx="1567545" cy="296260"/>
           </a:xfrm>
           <a:prstGeom prst="roundRect">
@@ -13878,7 +11135,7 @@
         </p:nvSpPr>
         <p:spPr>
           <a:xfrm>
-            <a:off x="503850" y="6137178"/>
+            <a:off x="354554" y="2507568"/>
             <a:ext cx="4777272" cy="369332"/>
           </a:xfrm>
           <a:prstGeom prst="rect">
@@ -13904,38 +11161,1701 @@
           </a:p>
         </p:txBody>
       </p:sp>
+      <p:sp>
+        <p:nvSpPr>
+          <p:cNvPr id="12" name="文本框 11">
+            <a:extLst>
+              <a:ext uri="{FF2B5EF4-FFF2-40B4-BE49-F238E27FC236}">
+                <a16:creationId xmlns:a16="http://schemas.microsoft.com/office/drawing/2014/main" id="{B8DF1EA2-953B-44A0-B237-8D0047F817A9}"/>
+              </a:ext>
+            </a:extLst>
+          </p:cNvPr>
+          <p:cNvSpPr txBox="1"/>
+          <p:nvPr/>
+        </p:nvSpPr>
+        <p:spPr>
+          <a:xfrm>
+            <a:off x="7710295" y="2405671"/>
+            <a:ext cx="646331" cy="369332"/>
+          </a:xfrm>
+          <a:prstGeom prst="rect">
+            <a:avLst/>
+          </a:prstGeom>
+          <a:noFill/>
+        </p:spPr>
+        <p:txBody>
+          <a:bodyPr wrap="none" rtlCol="0">
+            <a:spAutoFit/>
+          </a:bodyPr>
+          <a:lstStyle/>
+          <a:p>
+            <a:r>
+              <a:rPr lang="zh-CN" altLang="en-US" dirty="0"/>
+              <a:t>预期</a:t>
+            </a:r>
+          </a:p>
+        </p:txBody>
+      </p:sp>
+      <p:sp>
+        <p:nvSpPr>
+          <p:cNvPr id="2" name="矩形: 圆角 1">
+            <a:extLst>
+              <a:ext uri="{FF2B5EF4-FFF2-40B4-BE49-F238E27FC236}">
+                <a16:creationId xmlns:a16="http://schemas.microsoft.com/office/drawing/2014/main" id="{D552D3A8-E64B-4D24-A0B7-7F220C84C556}"/>
+              </a:ext>
+            </a:extLst>
+          </p:cNvPr>
+          <p:cNvSpPr/>
+          <p:nvPr/>
+        </p:nvSpPr>
+        <p:spPr>
+          <a:xfrm>
+            <a:off x="2467024" y="3638649"/>
+            <a:ext cx="1508283" cy="970673"/>
+          </a:xfrm>
+          <a:prstGeom prst="roundRect">
+            <a:avLst/>
+          </a:prstGeom>
+        </p:spPr>
+        <p:style>
+          <a:lnRef idx="2">
+            <a:schemeClr val="accent1">
+              <a:shade val="50000"/>
+            </a:schemeClr>
+          </a:lnRef>
+          <a:fillRef idx="1">
+            <a:schemeClr val="accent1"/>
+          </a:fillRef>
+          <a:effectRef idx="0">
+            <a:schemeClr val="accent1"/>
+          </a:effectRef>
+          <a:fontRef idx="minor">
+            <a:schemeClr val="lt1"/>
+          </a:fontRef>
+        </p:style>
+        <p:txBody>
+          <a:bodyPr rtlCol="0" anchor="ctr"/>
+          <a:lstStyle/>
+          <a:p>
+            <a:pPr algn="ctr"/>
+            <a:r>
+              <a:rPr lang="zh-CN" altLang="en-US" dirty="0"/>
+              <a:t>销售额比上月减少</a:t>
+            </a:r>
+          </a:p>
+        </p:txBody>
+      </p:sp>
+      <p:sp>
+        <p:nvSpPr>
+          <p:cNvPr id="18" name="矩形: 圆角 17">
+            <a:extLst>
+              <a:ext uri="{FF2B5EF4-FFF2-40B4-BE49-F238E27FC236}">
+                <a16:creationId xmlns:a16="http://schemas.microsoft.com/office/drawing/2014/main" id="{746A1543-B4E5-4DED-A8AC-6E36354A39F0}"/>
+              </a:ext>
+            </a:extLst>
+          </p:cNvPr>
+          <p:cNvSpPr/>
+          <p:nvPr/>
+        </p:nvSpPr>
+        <p:spPr>
+          <a:xfrm>
+            <a:off x="4963162" y="3638649"/>
+            <a:ext cx="1508283" cy="970673"/>
+          </a:xfrm>
+          <a:prstGeom prst="roundRect">
+            <a:avLst/>
+          </a:prstGeom>
+        </p:spPr>
+        <p:style>
+          <a:lnRef idx="2">
+            <a:schemeClr val="accent1">
+              <a:shade val="50000"/>
+            </a:schemeClr>
+          </a:lnRef>
+          <a:fillRef idx="1">
+            <a:schemeClr val="accent1"/>
+          </a:fillRef>
+          <a:effectRef idx="0">
+            <a:schemeClr val="accent1"/>
+          </a:effectRef>
+          <a:fontRef idx="minor">
+            <a:schemeClr val="lt1"/>
+          </a:fontRef>
+        </p:style>
+        <p:txBody>
+          <a:bodyPr rtlCol="0" anchor="ctr"/>
+          <a:lstStyle/>
+          <a:p>
+            <a:pPr algn="ctr"/>
+            <a:r>
+              <a:rPr lang="zh-CN" altLang="en-US" dirty="0"/>
+              <a:t>新用户销售额减少</a:t>
+            </a:r>
+          </a:p>
+        </p:txBody>
+      </p:sp>
+      <p:sp>
+        <p:nvSpPr>
+          <p:cNvPr id="20" name="矩形: 圆角 19">
+            <a:extLst>
+              <a:ext uri="{FF2B5EF4-FFF2-40B4-BE49-F238E27FC236}">
+                <a16:creationId xmlns:a16="http://schemas.microsoft.com/office/drawing/2014/main" id="{3AB485DD-D252-486E-9836-ED93C7325AB8}"/>
+              </a:ext>
+            </a:extLst>
+          </p:cNvPr>
+          <p:cNvSpPr/>
+          <p:nvPr/>
+        </p:nvSpPr>
+        <p:spPr>
+          <a:xfrm>
+            <a:off x="7459300" y="3638649"/>
+            <a:ext cx="1508283" cy="970673"/>
+          </a:xfrm>
+          <a:prstGeom prst="roundRect">
+            <a:avLst/>
+          </a:prstGeom>
+        </p:spPr>
+        <p:style>
+          <a:lnRef idx="2">
+            <a:schemeClr val="accent1">
+              <a:shade val="50000"/>
+            </a:schemeClr>
+          </a:lnRef>
+          <a:fillRef idx="1">
+            <a:schemeClr val="accent1"/>
+          </a:fillRef>
+          <a:effectRef idx="0">
+            <a:schemeClr val="accent1"/>
+          </a:effectRef>
+          <a:fontRef idx="minor">
+            <a:schemeClr val="lt1"/>
+          </a:fontRef>
+        </p:style>
+        <p:txBody>
+          <a:bodyPr rtlCol="0" anchor="ctr"/>
+          <a:lstStyle/>
+          <a:p>
+            <a:pPr algn="ctr"/>
+            <a:r>
+              <a:rPr lang="zh-CN" altLang="en-US" dirty="0"/>
+              <a:t>商业宣传活动减少</a:t>
+            </a:r>
+          </a:p>
+        </p:txBody>
+      </p:sp>
+      <p:sp>
+        <p:nvSpPr>
+          <p:cNvPr id="21" name="矩形: 圆角 20">
+            <a:extLst>
+              <a:ext uri="{FF2B5EF4-FFF2-40B4-BE49-F238E27FC236}">
+                <a16:creationId xmlns:a16="http://schemas.microsoft.com/office/drawing/2014/main" id="{FFBAAE36-B815-4C34-B26B-A42B8A4D1EA0}"/>
+              </a:ext>
+            </a:extLst>
+          </p:cNvPr>
+          <p:cNvSpPr/>
+          <p:nvPr/>
+        </p:nvSpPr>
+        <p:spPr>
+          <a:xfrm>
+            <a:off x="9955439" y="3638649"/>
+            <a:ext cx="1508283" cy="970673"/>
+          </a:xfrm>
+          <a:prstGeom prst="roundRect">
+            <a:avLst/>
+          </a:prstGeom>
+        </p:spPr>
+        <p:style>
+          <a:lnRef idx="2">
+            <a:schemeClr val="accent1">
+              <a:shade val="50000"/>
+            </a:schemeClr>
+          </a:lnRef>
+          <a:fillRef idx="1">
+            <a:schemeClr val="accent1"/>
+          </a:fillRef>
+          <a:effectRef idx="0">
+            <a:schemeClr val="accent1"/>
+          </a:effectRef>
+          <a:fontRef idx="minor">
+            <a:schemeClr val="lt1"/>
+          </a:fontRef>
+        </p:style>
+        <p:txBody>
+          <a:bodyPr rtlCol="0" anchor="ctr"/>
+          <a:lstStyle/>
+          <a:p>
+            <a:pPr algn="ctr"/>
+            <a:r>
+              <a:rPr lang="zh-CN" altLang="en-US" dirty="0"/>
+              <a:t>增加商业宣传活动到上月的水平</a:t>
+            </a:r>
+          </a:p>
+        </p:txBody>
+      </p:sp>
+      <p:sp>
+        <p:nvSpPr>
+          <p:cNvPr id="3" name="箭头: 右 2">
+            <a:extLst>
+              <a:ext uri="{FF2B5EF4-FFF2-40B4-BE49-F238E27FC236}">
+                <a16:creationId xmlns:a16="http://schemas.microsoft.com/office/drawing/2014/main" id="{4BE36ABF-4E32-4EBE-A86F-A29509431C21}"/>
+              </a:ext>
+            </a:extLst>
+          </p:cNvPr>
+          <p:cNvSpPr/>
+          <p:nvPr/>
+        </p:nvSpPr>
+        <p:spPr>
+          <a:xfrm>
+            <a:off x="4101680" y="4002823"/>
+            <a:ext cx="735109" cy="387821"/>
+          </a:xfrm>
+          <a:prstGeom prst="rightArrow">
+            <a:avLst/>
+          </a:prstGeom>
+        </p:spPr>
+        <p:style>
+          <a:lnRef idx="2">
+            <a:schemeClr val="accent1">
+              <a:shade val="50000"/>
+            </a:schemeClr>
+          </a:lnRef>
+          <a:fillRef idx="1">
+            <a:schemeClr val="accent1"/>
+          </a:fillRef>
+          <a:effectRef idx="0">
+            <a:schemeClr val="accent1"/>
+          </a:effectRef>
+          <a:fontRef idx="minor">
+            <a:schemeClr val="lt1"/>
+          </a:fontRef>
+        </p:style>
+        <p:txBody>
+          <a:bodyPr rtlCol="0" anchor="ctr"/>
+          <a:lstStyle/>
+          <a:p>
+            <a:pPr algn="ctr"/>
+            <a:endParaRPr lang="zh-CN" altLang="en-US"/>
+          </a:p>
+        </p:txBody>
+      </p:sp>
+      <p:sp>
+        <p:nvSpPr>
+          <p:cNvPr id="22" name="箭头: 右 21">
+            <a:extLst>
+              <a:ext uri="{FF2B5EF4-FFF2-40B4-BE49-F238E27FC236}">
+                <a16:creationId xmlns:a16="http://schemas.microsoft.com/office/drawing/2014/main" id="{40C14356-1C72-4581-B645-050CABA49467}"/>
+              </a:ext>
+            </a:extLst>
+          </p:cNvPr>
+          <p:cNvSpPr/>
+          <p:nvPr/>
+        </p:nvSpPr>
+        <p:spPr>
+          <a:xfrm>
+            <a:off x="6597818" y="4002823"/>
+            <a:ext cx="735109" cy="387821"/>
+          </a:xfrm>
+          <a:prstGeom prst="rightArrow">
+            <a:avLst/>
+          </a:prstGeom>
+        </p:spPr>
+        <p:style>
+          <a:lnRef idx="2">
+            <a:schemeClr val="accent1">
+              <a:shade val="50000"/>
+            </a:schemeClr>
+          </a:lnRef>
+          <a:fillRef idx="1">
+            <a:schemeClr val="accent1"/>
+          </a:fillRef>
+          <a:effectRef idx="0">
+            <a:schemeClr val="accent1"/>
+          </a:effectRef>
+          <a:fontRef idx="minor">
+            <a:schemeClr val="lt1"/>
+          </a:fontRef>
+        </p:style>
+        <p:txBody>
+          <a:bodyPr rtlCol="0" anchor="ctr"/>
+          <a:lstStyle/>
+          <a:p>
+            <a:pPr algn="ctr"/>
+            <a:endParaRPr lang="zh-CN" altLang="en-US"/>
+          </a:p>
+        </p:txBody>
+      </p:sp>
+      <p:sp>
+        <p:nvSpPr>
+          <p:cNvPr id="23" name="箭头: 右 22">
+            <a:extLst>
+              <a:ext uri="{FF2B5EF4-FFF2-40B4-BE49-F238E27FC236}">
+                <a16:creationId xmlns:a16="http://schemas.microsoft.com/office/drawing/2014/main" id="{91A00A59-3907-4FB3-8D85-D7BE79EF1059}"/>
+              </a:ext>
+            </a:extLst>
+          </p:cNvPr>
+          <p:cNvSpPr/>
+          <p:nvPr/>
+        </p:nvSpPr>
+        <p:spPr>
+          <a:xfrm>
+            <a:off x="9093956" y="4002823"/>
+            <a:ext cx="735109" cy="387821"/>
+          </a:xfrm>
+          <a:prstGeom prst="rightArrow">
+            <a:avLst/>
+          </a:prstGeom>
+        </p:spPr>
+        <p:style>
+          <a:lnRef idx="2">
+            <a:schemeClr val="accent1">
+              <a:shade val="50000"/>
+            </a:schemeClr>
+          </a:lnRef>
+          <a:fillRef idx="1">
+            <a:schemeClr val="accent1"/>
+          </a:fillRef>
+          <a:effectRef idx="0">
+            <a:schemeClr val="accent1"/>
+          </a:effectRef>
+          <a:fontRef idx="minor">
+            <a:schemeClr val="lt1"/>
+          </a:fontRef>
+        </p:style>
+        <p:txBody>
+          <a:bodyPr rtlCol="0" anchor="ctr"/>
+          <a:lstStyle/>
+          <a:p>
+            <a:pPr algn="ctr"/>
+            <a:endParaRPr lang="zh-CN" altLang="en-US"/>
+          </a:p>
+        </p:txBody>
+      </p:sp>
+      <p:cxnSp>
+        <p:nvCxnSpPr>
+          <p:cNvPr id="5" name="直接连接符 4">
+            <a:extLst>
+              <a:ext uri="{FF2B5EF4-FFF2-40B4-BE49-F238E27FC236}">
+                <a16:creationId xmlns:a16="http://schemas.microsoft.com/office/drawing/2014/main" id="{C5FDEE39-4020-4515-ABF4-6DCB207D1420}"/>
+              </a:ext>
+            </a:extLst>
+          </p:cNvPr>
+          <p:cNvCxnSpPr/>
+          <p:nvPr/>
+        </p:nvCxnSpPr>
+        <p:spPr>
+          <a:xfrm>
+            <a:off x="2071402" y="3545344"/>
+            <a:ext cx="0" cy="2883448"/>
+          </a:xfrm>
+          <a:prstGeom prst="line">
+            <a:avLst/>
+          </a:prstGeom>
+          <a:ln w="28575">
+            <a:prstDash val="sysDot"/>
+          </a:ln>
+        </p:spPr>
+        <p:style>
+          <a:lnRef idx="1">
+            <a:schemeClr val="accent1"/>
+          </a:lnRef>
+          <a:fillRef idx="0">
+            <a:schemeClr val="accent1"/>
+          </a:fillRef>
+          <a:effectRef idx="0">
+            <a:schemeClr val="accent1"/>
+          </a:effectRef>
+          <a:fontRef idx="minor">
+            <a:schemeClr val="tx1"/>
+          </a:fontRef>
+        </p:style>
+      </p:cxnSp>
+      <p:sp>
+        <p:nvSpPr>
+          <p:cNvPr id="24" name="矩形: 圆角 23">
+            <a:extLst>
+              <a:ext uri="{FF2B5EF4-FFF2-40B4-BE49-F238E27FC236}">
+                <a16:creationId xmlns:a16="http://schemas.microsoft.com/office/drawing/2014/main" id="{C4FC73CE-44A4-4453-BE32-BDCEB3615498}"/>
+              </a:ext>
+            </a:extLst>
+          </p:cNvPr>
+          <p:cNvSpPr/>
+          <p:nvPr/>
+        </p:nvSpPr>
+        <p:spPr>
+          <a:xfrm>
+            <a:off x="5677762" y="5371071"/>
+            <a:ext cx="1508283" cy="970673"/>
+          </a:xfrm>
+          <a:prstGeom prst="roundRect">
+            <a:avLst/>
+          </a:prstGeom>
+        </p:spPr>
+        <p:style>
+          <a:lnRef idx="2">
+            <a:schemeClr val="accent1">
+              <a:shade val="50000"/>
+            </a:schemeClr>
+          </a:lnRef>
+          <a:fillRef idx="1">
+            <a:schemeClr val="accent1"/>
+          </a:fillRef>
+          <a:effectRef idx="0">
+            <a:schemeClr val="accent1"/>
+          </a:effectRef>
+          <a:fontRef idx="minor">
+            <a:schemeClr val="lt1"/>
+          </a:fontRef>
+        </p:style>
+        <p:txBody>
+          <a:bodyPr rtlCol="0" anchor="ctr"/>
+          <a:lstStyle/>
+          <a:p>
+            <a:pPr algn="ctr"/>
+            <a:r>
+              <a:rPr lang="zh-CN" altLang="en-US" dirty="0"/>
+              <a:t>销售额恢复到上月的水平</a:t>
+            </a:r>
+          </a:p>
+        </p:txBody>
+      </p:sp>
+      <p:sp>
+        <p:nvSpPr>
+          <p:cNvPr id="8" name="矩形 7">
+            <a:extLst>
+              <a:ext uri="{FF2B5EF4-FFF2-40B4-BE49-F238E27FC236}">
+                <a16:creationId xmlns:a16="http://schemas.microsoft.com/office/drawing/2014/main" id="{B287FD86-8F79-46BB-A8C4-574EFDE5850C}"/>
+              </a:ext>
+            </a:extLst>
+          </p:cNvPr>
+          <p:cNvSpPr/>
+          <p:nvPr/>
+        </p:nvSpPr>
+        <p:spPr>
+          <a:xfrm>
+            <a:off x="117516" y="3935123"/>
+            <a:ext cx="1622912" cy="523220"/>
+          </a:xfrm>
+          <a:prstGeom prst="rect">
+            <a:avLst/>
+          </a:prstGeom>
+          <a:ln>
+            <a:noFill/>
+          </a:ln>
+        </p:spPr>
+        <p:style>
+          <a:lnRef idx="2">
+            <a:schemeClr val="accent6"/>
+          </a:lnRef>
+          <a:fillRef idx="1">
+            <a:schemeClr val="lt1"/>
+          </a:fillRef>
+          <a:effectRef idx="0">
+            <a:schemeClr val="accent6"/>
+          </a:effectRef>
+          <a:fontRef idx="minor">
+            <a:schemeClr val="dk1"/>
+          </a:fontRef>
+        </p:style>
+        <p:txBody>
+          <a:bodyPr wrap="square" lIns="91440" tIns="45720" rIns="91440" bIns="45720">
+            <a:spAutoFit/>
+          </a:bodyPr>
+          <a:lstStyle/>
+          <a:p>
+            <a:pPr algn="ctr"/>
+            <a:r>
+              <a:rPr lang="zh-CN" altLang="en-US" sz="2800" b="1" dirty="0">
+                <a:ln w="9525">
+                  <a:solidFill>
+                    <a:schemeClr val="bg1"/>
+                  </a:solidFill>
+                  <a:prstDash val="solid"/>
+                </a:ln>
+                <a:solidFill>
+                  <a:schemeClr val="accent5"/>
+                </a:solidFill>
+                <a:effectLst>
+                  <a:outerShdw blurRad="12700" dist="38100" dir="2700000" algn="tl" rotWithShape="0">
+                    <a:schemeClr val="accent5">
+                      <a:lumMod val="60000"/>
+                      <a:lumOff val="40000"/>
+                    </a:schemeClr>
+                  </a:outerShdw>
+                </a:effectLst>
+              </a:rPr>
+              <a:t>发现问题</a:t>
+            </a:r>
+          </a:p>
+        </p:txBody>
+      </p:sp>
+      <p:sp>
+        <p:nvSpPr>
+          <p:cNvPr id="25" name="矩形 24">
+            <a:extLst>
+              <a:ext uri="{FF2B5EF4-FFF2-40B4-BE49-F238E27FC236}">
+                <a16:creationId xmlns:a16="http://schemas.microsoft.com/office/drawing/2014/main" id="{04079B45-ACDF-4308-9325-E027911053C0}"/>
+              </a:ext>
+            </a:extLst>
+          </p:cNvPr>
+          <p:cNvSpPr/>
+          <p:nvPr/>
+        </p:nvSpPr>
+        <p:spPr>
+          <a:xfrm>
+            <a:off x="115874" y="5594797"/>
+            <a:ext cx="1622912" cy="523220"/>
+          </a:xfrm>
+          <a:prstGeom prst="rect">
+            <a:avLst/>
+          </a:prstGeom>
+          <a:ln>
+            <a:noFill/>
+          </a:ln>
+        </p:spPr>
+        <p:style>
+          <a:lnRef idx="2">
+            <a:schemeClr val="accent6"/>
+          </a:lnRef>
+          <a:fillRef idx="1">
+            <a:schemeClr val="lt1"/>
+          </a:fillRef>
+          <a:effectRef idx="0">
+            <a:schemeClr val="accent6"/>
+          </a:effectRef>
+          <a:fontRef idx="minor">
+            <a:schemeClr val="dk1"/>
+          </a:fontRef>
+        </p:style>
+        <p:txBody>
+          <a:bodyPr wrap="square" lIns="91440" tIns="45720" rIns="91440" bIns="45720">
+            <a:spAutoFit/>
+          </a:bodyPr>
+          <a:lstStyle/>
+          <a:p>
+            <a:pPr algn="ctr"/>
+            <a:r>
+              <a:rPr lang="zh-CN" altLang="en-US" sz="2800" b="1" dirty="0">
+                <a:ln w="9525">
+                  <a:solidFill>
+                    <a:schemeClr val="bg1"/>
+                  </a:solidFill>
+                  <a:prstDash val="solid"/>
+                </a:ln>
+                <a:solidFill>
+                  <a:schemeClr val="accent5"/>
+                </a:solidFill>
+                <a:effectLst>
+                  <a:outerShdw blurRad="12700" dist="38100" dir="2700000" algn="tl" rotWithShape="0">
+                    <a:schemeClr val="accent5">
+                      <a:lumMod val="60000"/>
+                      <a:lumOff val="40000"/>
+                    </a:schemeClr>
+                  </a:outerShdw>
+                </a:effectLst>
+              </a:rPr>
+              <a:t>解决问题</a:t>
+            </a:r>
+          </a:p>
+        </p:txBody>
+      </p:sp>
+      <p:cxnSp>
+        <p:nvCxnSpPr>
+          <p:cNvPr id="27" name="直接连接符 26">
+            <a:extLst>
+              <a:ext uri="{FF2B5EF4-FFF2-40B4-BE49-F238E27FC236}">
+                <a16:creationId xmlns:a16="http://schemas.microsoft.com/office/drawing/2014/main" id="{8F802457-A31C-45BA-B0C8-53F9AD241C01}"/>
+              </a:ext>
+            </a:extLst>
+          </p:cNvPr>
+          <p:cNvCxnSpPr/>
+          <p:nvPr/>
+        </p:nvCxnSpPr>
+        <p:spPr>
+          <a:xfrm>
+            <a:off x="214604" y="4917233"/>
+            <a:ext cx="11327363" cy="0"/>
+          </a:xfrm>
+          <a:prstGeom prst="line">
+            <a:avLst/>
+          </a:prstGeom>
+          <a:ln w="9525">
+            <a:solidFill>
+              <a:schemeClr val="bg2">
+                <a:lumMod val="75000"/>
+              </a:schemeClr>
+            </a:solidFill>
+            <a:prstDash val="lgDashDotDot"/>
+          </a:ln>
+        </p:spPr>
+        <p:style>
+          <a:lnRef idx="1">
+            <a:schemeClr val="accent1"/>
+          </a:lnRef>
+          <a:fillRef idx="0">
+            <a:schemeClr val="accent1"/>
+          </a:fillRef>
+          <a:effectRef idx="0">
+            <a:schemeClr val="accent1"/>
+          </a:effectRef>
+          <a:fontRef idx="minor">
+            <a:schemeClr val="tx1"/>
+          </a:fontRef>
+        </p:style>
+      </p:cxnSp>
+      <p:cxnSp>
+        <p:nvCxnSpPr>
+          <p:cNvPr id="29" name="直接连接符 28">
+            <a:extLst>
+              <a:ext uri="{FF2B5EF4-FFF2-40B4-BE49-F238E27FC236}">
+                <a16:creationId xmlns:a16="http://schemas.microsoft.com/office/drawing/2014/main" id="{5401C22E-83DF-4BDD-9590-CF3D56C0FE39}"/>
+              </a:ext>
+            </a:extLst>
+          </p:cNvPr>
+          <p:cNvCxnSpPr>
+            <a:cxnSpLocks/>
+            <a:stCxn id="16" idx="3"/>
+          </p:cNvCxnSpPr>
+          <p:nvPr/>
+        </p:nvCxnSpPr>
+        <p:spPr>
+          <a:xfrm>
+            <a:off x="1922099" y="2125358"/>
+            <a:ext cx="9541623" cy="0"/>
+          </a:xfrm>
+          <a:prstGeom prst="line">
+            <a:avLst/>
+          </a:prstGeom>
+          <a:ln w="9525">
+            <a:solidFill>
+              <a:schemeClr val="bg2">
+                <a:lumMod val="75000"/>
+              </a:schemeClr>
+            </a:solidFill>
+            <a:prstDash val="lgDashDotDot"/>
+          </a:ln>
+        </p:spPr>
+        <p:style>
+          <a:lnRef idx="1">
+            <a:schemeClr val="accent1"/>
+          </a:lnRef>
+          <a:fillRef idx="0">
+            <a:schemeClr val="accent1"/>
+          </a:fillRef>
+          <a:effectRef idx="0">
+            <a:schemeClr val="accent1"/>
+          </a:effectRef>
+          <a:fontRef idx="minor">
+            <a:schemeClr val="tx1"/>
+          </a:fontRef>
+        </p:style>
+      </p:cxnSp>
+    </p:spTree>
+    <p:extLst>
+      <p:ext uri="{BB962C8B-B14F-4D97-AF65-F5344CB8AC3E}">
+        <p14:creationId xmlns:p14="http://schemas.microsoft.com/office/powerpoint/2010/main" val="3110915262"/>
+      </p:ext>
+    </p:extLst>
+  </p:cSld>
+  <p:clrMapOvr>
+    <a:masterClrMapping/>
+  </p:clrMapOvr>
+</p:sld>
+</file>
+
+<file path=ppt/slides/slide18.xml><?xml version="1.0" encoding="utf-8"?>
+<p:sld xmlns:a="http://schemas.openxmlformats.org/drawingml/2006/main" xmlns:r="http://schemas.openxmlformats.org/officeDocument/2006/relationships" xmlns:p="http://schemas.openxmlformats.org/presentationml/2006/main">
+  <p:cSld>
+    <p:spTree>
+      <p:nvGrpSpPr>
+        <p:cNvPr id="1" name=""/>
+        <p:cNvGrpSpPr/>
+        <p:nvPr/>
+      </p:nvGrpSpPr>
+      <p:grpSpPr>
+        <a:xfrm>
+          <a:off x="0" y="0"/>
+          <a:ext cx="0" cy="0"/>
+          <a:chOff x="0" y="0"/>
+          <a:chExt cx="0" cy="0"/>
+        </a:xfrm>
+      </p:grpSpPr>
       <p:graphicFrame>
         <p:nvGraphicFramePr>
-          <p:cNvPr id="19" name="图示 18">
-            <a:extLst>
-              <a:ext uri="{FF2B5EF4-FFF2-40B4-BE49-F238E27FC236}">
-                <a16:creationId xmlns:a16="http://schemas.microsoft.com/office/drawing/2014/main" id="{43FBF609-3886-4403-B313-CCECFD0E4586}"/>
-              </a:ext>
-            </a:extLst>
-          </p:cNvPr>
-          <p:cNvGraphicFramePr/>
+          <p:cNvPr id="2" name="表格 1">
+            <a:extLst>
+              <a:ext uri="{FF2B5EF4-FFF2-40B4-BE49-F238E27FC236}">
+                <a16:creationId xmlns:a16="http://schemas.microsoft.com/office/drawing/2014/main" id="{5C119233-6172-4D3B-A7DC-97774277026E}"/>
+              </a:ext>
+            </a:extLst>
+          </p:cNvPr>
+          <p:cNvGraphicFramePr>
+            <a:graphicFrameLocks noGrp="1"/>
+          </p:cNvGraphicFramePr>
           <p:nvPr>
             <p:extLst>
               <p:ext uri="{D42A27DB-BD31-4B8C-83A1-F6EECF244321}">
-                <p14:modId xmlns:p14="http://schemas.microsoft.com/office/powerpoint/2010/main" val="2174079048"/>
+                <p14:modId xmlns:p14="http://schemas.microsoft.com/office/powerpoint/2010/main" val="1211386523"/>
               </p:ext>
             </p:extLst>
           </p:nvPr>
         </p:nvGraphicFramePr>
         <p:xfrm>
-          <a:off x="2512522" y="606354"/>
-          <a:ext cx="6926593" cy="3951090"/>
+          <a:off x="142033" y="1008916"/>
+          <a:ext cx="3827625" cy="1854200"/>
         </p:xfrm>
         <a:graphic>
-          <a:graphicData uri="http://schemas.openxmlformats.org/drawingml/2006/diagram">
-            <dgm:relIds xmlns:dgm="http://schemas.openxmlformats.org/drawingml/2006/diagram" xmlns:r="http://schemas.openxmlformats.org/officeDocument/2006/relationships" r:dm="rId2" r:lo="rId3" r:qs="rId4" r:cs="rId5"/>
+          <a:graphicData uri="http://schemas.openxmlformats.org/drawingml/2006/table">
+            <a:tbl>
+              <a:tblPr firstRow="1" bandRow="1">
+                <a:tableStyleId>{5C22544A-7EE6-4342-B048-85BDC9FD1C3A}</a:tableStyleId>
+              </a:tblPr>
+              <a:tblGrid>
+                <a:gridCol w="1056433">
+                  <a:extLst>
+                    <a:ext uri="{9D8B030D-6E8A-4147-A177-3AD203B41FA5}">
+                      <a16:colId xmlns:a16="http://schemas.microsoft.com/office/drawing/2014/main" val="2808966103"/>
+                    </a:ext>
+                  </a:extLst>
+                </a:gridCol>
+                <a:gridCol w="1306286">
+                  <a:extLst>
+                    <a:ext uri="{9D8B030D-6E8A-4147-A177-3AD203B41FA5}">
+                      <a16:colId xmlns:a16="http://schemas.microsoft.com/office/drawing/2014/main" val="178635910"/>
+                    </a:ext>
+                  </a:extLst>
+                </a:gridCol>
+                <a:gridCol w="1464906">
+                  <a:extLst>
+                    <a:ext uri="{9D8B030D-6E8A-4147-A177-3AD203B41FA5}">
+                      <a16:colId xmlns:a16="http://schemas.microsoft.com/office/drawing/2014/main" val="3013742345"/>
+                    </a:ext>
+                  </a:extLst>
+                </a:gridCol>
+              </a:tblGrid>
+              <a:tr h="370840">
+                <a:tc gridSpan="3">
+                  <a:txBody>
+                    <a:bodyPr/>
+                    <a:lstStyle/>
+                    <a:p>
+                      <a:r>
+                        <a:rPr lang="en-US" altLang="zh-CN" dirty="0"/>
+                        <a:t>DAU(Daily Active User)</a:t>
+                      </a:r>
+                      <a:endParaRPr lang="zh-CN" altLang="en-US" dirty="0"/>
+                    </a:p>
+                  </a:txBody>
+                  <a:tcPr/>
+                </a:tc>
+                <a:tc hMerge="1">
+                  <a:txBody>
+                    <a:bodyPr/>
+                    <a:lstStyle/>
+                    <a:p>
+                      <a:endParaRPr lang="zh-CN" altLang="en-US" dirty="0"/>
+                    </a:p>
+                  </a:txBody>
+                  <a:tcPr/>
+                </a:tc>
+                <a:tc hMerge="1">
+                  <a:txBody>
+                    <a:bodyPr/>
+                    <a:lstStyle/>
+                    <a:p>
+                      <a:endParaRPr lang="zh-CN" altLang="en-US" dirty="0"/>
+                    </a:p>
+                  </a:txBody>
+                  <a:tcPr/>
+                </a:tc>
+                <a:extLst>
+                  <a:ext uri="{0D108BD9-81ED-4DB2-BD59-A6C34878D82A}">
+                    <a16:rowId xmlns:a16="http://schemas.microsoft.com/office/drawing/2014/main" val="1816996265"/>
+                  </a:ext>
+                </a:extLst>
+              </a:tr>
+              <a:tr h="370840">
+                <a:tc>
+                  <a:txBody>
+                    <a:bodyPr/>
+                    <a:lstStyle/>
+                    <a:p>
+                      <a:r>
+                        <a:rPr lang="zh-CN" altLang="en-US" sz="1600" dirty="0"/>
+                        <a:t>字段名</a:t>
+                      </a:r>
+                    </a:p>
+                  </a:txBody>
+                  <a:tcPr/>
+                </a:tc>
+                <a:tc>
+                  <a:txBody>
+                    <a:bodyPr/>
+                    <a:lstStyle/>
+                    <a:p>
+                      <a:r>
+                        <a:rPr lang="zh-CN" altLang="en-US" sz="1600" dirty="0"/>
+                        <a:t>字段标识</a:t>
+                      </a:r>
+                    </a:p>
+                  </a:txBody>
+                  <a:tcPr/>
+                </a:tc>
+                <a:tc>
+                  <a:txBody>
+                    <a:bodyPr/>
+                    <a:lstStyle/>
+                    <a:p>
+                      <a:r>
+                        <a:rPr lang="zh-CN" altLang="en-US" sz="1600" dirty="0"/>
+                        <a:t>字段类型</a:t>
+                      </a:r>
+                    </a:p>
+                  </a:txBody>
+                  <a:tcPr/>
+                </a:tc>
+                <a:extLst>
+                  <a:ext uri="{0D108BD9-81ED-4DB2-BD59-A6C34878D82A}">
+                    <a16:rowId xmlns:a16="http://schemas.microsoft.com/office/drawing/2014/main" val="1654404749"/>
+                  </a:ext>
+                </a:extLst>
+              </a:tr>
+              <a:tr h="370840">
+                <a:tc>
+                  <a:txBody>
+                    <a:bodyPr/>
+                    <a:lstStyle/>
+                    <a:p>
+                      <a:r>
+                        <a:rPr lang="zh-CN" altLang="en-US" sz="1600" dirty="0"/>
+                        <a:t>用户</a:t>
+                      </a:r>
+                      <a:r>
+                        <a:rPr lang="en-US" altLang="zh-CN" sz="1600" dirty="0"/>
+                        <a:t>ID</a:t>
+                      </a:r>
+                      <a:endParaRPr lang="zh-CN" altLang="en-US" sz="1600" dirty="0"/>
+                    </a:p>
+                  </a:txBody>
+                  <a:tcPr/>
+                </a:tc>
+                <a:tc>
+                  <a:txBody>
+                    <a:bodyPr/>
+                    <a:lstStyle/>
+                    <a:p>
+                      <a:r>
+                        <a:rPr lang="en-US" altLang="zh-CN" sz="1600" dirty="0"/>
+                        <a:t>USER_ID</a:t>
+                      </a:r>
+                      <a:endParaRPr lang="zh-CN" altLang="en-US" sz="1600" dirty="0"/>
+                    </a:p>
+                  </a:txBody>
+                  <a:tcPr/>
+                </a:tc>
+                <a:tc>
+                  <a:txBody>
+                    <a:bodyPr/>
+                    <a:lstStyle/>
+                    <a:p>
+                      <a:r>
+                        <a:rPr lang="en-US" altLang="zh-CN" dirty="0"/>
+                        <a:t>int</a:t>
+                      </a:r>
+                      <a:endParaRPr lang="zh-CN" altLang="en-US" dirty="0"/>
+                    </a:p>
+                  </a:txBody>
+                  <a:tcPr/>
+                </a:tc>
+                <a:extLst>
+                  <a:ext uri="{0D108BD9-81ED-4DB2-BD59-A6C34878D82A}">
+                    <a16:rowId xmlns:a16="http://schemas.microsoft.com/office/drawing/2014/main" val="3539350493"/>
+                  </a:ext>
+                </a:extLst>
+              </a:tr>
+              <a:tr h="370840">
+                <a:tc>
+                  <a:txBody>
+                    <a:bodyPr/>
+                    <a:lstStyle/>
+                    <a:p>
+                      <a:r>
+                        <a:rPr lang="zh-CN" altLang="en-US" sz="1600" dirty="0"/>
+                        <a:t>应用名称</a:t>
+                      </a:r>
+                    </a:p>
+                  </a:txBody>
+                  <a:tcPr/>
+                </a:tc>
+                <a:tc>
+                  <a:txBody>
+                    <a:bodyPr/>
+                    <a:lstStyle/>
+                    <a:p>
+                      <a:r>
+                        <a:rPr lang="en-US" altLang="zh-CN" sz="1600" dirty="0"/>
+                        <a:t>APP_NAME</a:t>
+                      </a:r>
+                      <a:endParaRPr lang="zh-CN" altLang="en-US" sz="1600" dirty="0"/>
+                    </a:p>
+                  </a:txBody>
+                  <a:tcPr/>
+                </a:tc>
+                <a:tc>
+                  <a:txBody>
+                    <a:bodyPr/>
+                    <a:lstStyle/>
+                    <a:p>
+                      <a:r>
+                        <a:rPr lang="en-US" altLang="zh-CN" dirty="0"/>
+                        <a:t>string</a:t>
+                      </a:r>
+                      <a:endParaRPr lang="zh-CN" altLang="en-US" dirty="0"/>
+                    </a:p>
+                  </a:txBody>
+                  <a:tcPr/>
+                </a:tc>
+                <a:extLst>
+                  <a:ext uri="{0D108BD9-81ED-4DB2-BD59-A6C34878D82A}">
+                    <a16:rowId xmlns:a16="http://schemas.microsoft.com/office/drawing/2014/main" val="3942972833"/>
+                  </a:ext>
+                </a:extLst>
+              </a:tr>
+              <a:tr h="370840">
+                <a:tc>
+                  <a:txBody>
+                    <a:bodyPr/>
+                    <a:lstStyle/>
+                    <a:p>
+                      <a:r>
+                        <a:rPr lang="zh-CN" altLang="en-US" sz="1600" dirty="0"/>
+                        <a:t>访问时间</a:t>
+                      </a:r>
+                    </a:p>
+                  </a:txBody>
+                  <a:tcPr/>
+                </a:tc>
+                <a:tc>
+                  <a:txBody>
+                    <a:bodyPr/>
+                    <a:lstStyle/>
+                    <a:p>
+                      <a:r>
+                        <a:rPr lang="en-US" altLang="zh-CN" sz="1600" dirty="0"/>
+                        <a:t>LOG_DATE</a:t>
+                      </a:r>
+                      <a:endParaRPr lang="zh-CN" altLang="en-US" sz="1600" dirty="0"/>
+                    </a:p>
+                  </a:txBody>
+                  <a:tcPr/>
+                </a:tc>
+                <a:tc>
+                  <a:txBody>
+                    <a:bodyPr/>
+                    <a:lstStyle/>
+                    <a:p>
+                      <a:r>
+                        <a:rPr lang="en-US" altLang="zh-CN" dirty="0"/>
+                        <a:t>date</a:t>
+                      </a:r>
+                      <a:endParaRPr lang="zh-CN" altLang="en-US" dirty="0"/>
+                    </a:p>
+                  </a:txBody>
+                  <a:tcPr/>
+                </a:tc>
+                <a:extLst>
+                  <a:ext uri="{0D108BD9-81ED-4DB2-BD59-A6C34878D82A}">
+                    <a16:rowId xmlns:a16="http://schemas.microsoft.com/office/drawing/2014/main" val="2067977246"/>
+                  </a:ext>
+                </a:extLst>
+              </a:tr>
+            </a:tbl>
           </a:graphicData>
         </a:graphic>
       </p:graphicFrame>
+      <p:graphicFrame>
+        <p:nvGraphicFramePr>
+          <p:cNvPr id="3" name="表格 2">
+            <a:extLst>
+              <a:ext uri="{FF2B5EF4-FFF2-40B4-BE49-F238E27FC236}">
+                <a16:creationId xmlns:a16="http://schemas.microsoft.com/office/drawing/2014/main" id="{620D76F1-91EC-4D49-B1B2-E19356526247}"/>
+              </a:ext>
+            </a:extLst>
+          </p:cNvPr>
+          <p:cNvGraphicFramePr>
+            <a:graphicFrameLocks noGrp="1"/>
+          </p:cNvGraphicFramePr>
+          <p:nvPr>
+            <p:extLst>
+              <p:ext uri="{D42A27DB-BD31-4B8C-83A1-F6EECF244321}">
+                <p14:modId xmlns:p14="http://schemas.microsoft.com/office/powerpoint/2010/main" val="3513980001"/>
+              </p:ext>
+            </p:extLst>
+          </p:nvPr>
+        </p:nvGraphicFramePr>
+        <p:xfrm>
+          <a:off x="4182187" y="1000794"/>
+          <a:ext cx="3827625" cy="2225040"/>
+        </p:xfrm>
+        <a:graphic>
+          <a:graphicData uri="http://schemas.openxmlformats.org/drawingml/2006/table">
+            <a:tbl>
+              <a:tblPr firstRow="1" bandRow="1">
+                <a:tableStyleId>{5C22544A-7EE6-4342-B048-85BDC9FD1C3A}</a:tableStyleId>
+              </a:tblPr>
+              <a:tblGrid>
+                <a:gridCol w="1056433">
+                  <a:extLst>
+                    <a:ext uri="{9D8B030D-6E8A-4147-A177-3AD203B41FA5}">
+                      <a16:colId xmlns:a16="http://schemas.microsoft.com/office/drawing/2014/main" val="2808966103"/>
+                    </a:ext>
+                  </a:extLst>
+                </a:gridCol>
+                <a:gridCol w="1306286">
+                  <a:extLst>
+                    <a:ext uri="{9D8B030D-6E8A-4147-A177-3AD203B41FA5}">
+                      <a16:colId xmlns:a16="http://schemas.microsoft.com/office/drawing/2014/main" val="178635910"/>
+                    </a:ext>
+                  </a:extLst>
+                </a:gridCol>
+                <a:gridCol w="1464906">
+                  <a:extLst>
+                    <a:ext uri="{9D8B030D-6E8A-4147-A177-3AD203B41FA5}">
+                      <a16:colId xmlns:a16="http://schemas.microsoft.com/office/drawing/2014/main" val="3013742345"/>
+                    </a:ext>
+                  </a:extLst>
+                </a:gridCol>
+              </a:tblGrid>
+              <a:tr h="370840">
+                <a:tc gridSpan="3">
+                  <a:txBody>
+                    <a:bodyPr/>
+                    <a:lstStyle/>
+                    <a:p>
+                      <a:r>
+                        <a:rPr lang="en-US" altLang="zh-CN" dirty="0"/>
+                        <a:t>DPU(Daily Payment User)</a:t>
+                      </a:r>
+                      <a:endParaRPr lang="zh-CN" altLang="en-US" dirty="0"/>
+                    </a:p>
+                  </a:txBody>
+                  <a:tcPr/>
+                </a:tc>
+                <a:tc hMerge="1">
+                  <a:txBody>
+                    <a:bodyPr/>
+                    <a:lstStyle/>
+                    <a:p>
+                      <a:endParaRPr lang="zh-CN" altLang="en-US" dirty="0"/>
+                    </a:p>
+                  </a:txBody>
+                  <a:tcPr/>
+                </a:tc>
+                <a:tc hMerge="1">
+                  <a:txBody>
+                    <a:bodyPr/>
+                    <a:lstStyle/>
+                    <a:p>
+                      <a:endParaRPr lang="zh-CN" altLang="en-US" dirty="0"/>
+                    </a:p>
+                  </a:txBody>
+                  <a:tcPr/>
+                </a:tc>
+                <a:extLst>
+                  <a:ext uri="{0D108BD9-81ED-4DB2-BD59-A6C34878D82A}">
+                    <a16:rowId xmlns:a16="http://schemas.microsoft.com/office/drawing/2014/main" val="1816996265"/>
+                  </a:ext>
+                </a:extLst>
+              </a:tr>
+              <a:tr h="370840">
+                <a:tc>
+                  <a:txBody>
+                    <a:bodyPr/>
+                    <a:lstStyle/>
+                    <a:p>
+                      <a:r>
+                        <a:rPr lang="zh-CN" altLang="en-US" sz="1600" dirty="0"/>
+                        <a:t>字段名</a:t>
+                      </a:r>
+                    </a:p>
+                  </a:txBody>
+                  <a:tcPr/>
+                </a:tc>
+                <a:tc>
+                  <a:txBody>
+                    <a:bodyPr/>
+                    <a:lstStyle/>
+                    <a:p>
+                      <a:r>
+                        <a:rPr lang="zh-CN" altLang="en-US" sz="1600" dirty="0"/>
+                        <a:t>字段标识</a:t>
+                      </a:r>
+                    </a:p>
+                  </a:txBody>
+                  <a:tcPr/>
+                </a:tc>
+                <a:tc>
+                  <a:txBody>
+                    <a:bodyPr/>
+                    <a:lstStyle/>
+                    <a:p>
+                      <a:r>
+                        <a:rPr lang="zh-CN" altLang="en-US" sz="1600" dirty="0"/>
+                        <a:t>字段类型</a:t>
+                      </a:r>
+                    </a:p>
+                  </a:txBody>
+                  <a:tcPr/>
+                </a:tc>
+                <a:extLst>
+                  <a:ext uri="{0D108BD9-81ED-4DB2-BD59-A6C34878D82A}">
+                    <a16:rowId xmlns:a16="http://schemas.microsoft.com/office/drawing/2014/main" val="1654404749"/>
+                  </a:ext>
+                </a:extLst>
+              </a:tr>
+              <a:tr h="370840">
+                <a:tc>
+                  <a:txBody>
+                    <a:bodyPr/>
+                    <a:lstStyle/>
+                    <a:p>
+                      <a:r>
+                        <a:rPr lang="zh-CN" altLang="en-US" sz="1600" dirty="0"/>
+                        <a:t>用户</a:t>
+                      </a:r>
+                      <a:r>
+                        <a:rPr lang="en-US" altLang="zh-CN" sz="1600" dirty="0"/>
+                        <a:t>ID</a:t>
+                      </a:r>
+                      <a:endParaRPr lang="zh-CN" altLang="en-US" sz="1600" dirty="0"/>
+                    </a:p>
+                  </a:txBody>
+                  <a:tcPr/>
+                </a:tc>
+                <a:tc>
+                  <a:txBody>
+                    <a:bodyPr/>
+                    <a:lstStyle/>
+                    <a:p>
+                      <a:r>
+                        <a:rPr lang="en-US" altLang="zh-CN" sz="1600" dirty="0"/>
+                        <a:t>USER_ID</a:t>
+                      </a:r>
+                      <a:endParaRPr lang="zh-CN" altLang="en-US" sz="1600" dirty="0"/>
+                    </a:p>
+                  </a:txBody>
+                  <a:tcPr/>
+                </a:tc>
+                <a:tc>
+                  <a:txBody>
+                    <a:bodyPr/>
+                    <a:lstStyle/>
+                    <a:p>
+                      <a:r>
+                        <a:rPr lang="en-US" altLang="zh-CN" dirty="0"/>
+                        <a:t>int</a:t>
+                      </a:r>
+                      <a:endParaRPr lang="zh-CN" altLang="en-US" dirty="0"/>
+                    </a:p>
+                  </a:txBody>
+                  <a:tcPr/>
+                </a:tc>
+                <a:extLst>
+                  <a:ext uri="{0D108BD9-81ED-4DB2-BD59-A6C34878D82A}">
+                    <a16:rowId xmlns:a16="http://schemas.microsoft.com/office/drawing/2014/main" val="3539350493"/>
+                  </a:ext>
+                </a:extLst>
+              </a:tr>
+              <a:tr h="370840">
+                <a:tc>
+                  <a:txBody>
+                    <a:bodyPr/>
+                    <a:lstStyle/>
+                    <a:p>
+                      <a:r>
+                        <a:rPr lang="zh-CN" altLang="en-US" sz="1600" dirty="0"/>
+                        <a:t>应用名称</a:t>
+                      </a:r>
+                    </a:p>
+                  </a:txBody>
+                  <a:tcPr/>
+                </a:tc>
+                <a:tc>
+                  <a:txBody>
+                    <a:bodyPr/>
+                    <a:lstStyle/>
+                    <a:p>
+                      <a:r>
+                        <a:rPr lang="en-US" altLang="zh-CN" sz="1600" dirty="0"/>
+                        <a:t>APP_NAME</a:t>
+                      </a:r>
+                      <a:endParaRPr lang="zh-CN" altLang="en-US" sz="1600" dirty="0"/>
+                    </a:p>
+                  </a:txBody>
+                  <a:tcPr/>
+                </a:tc>
+                <a:tc>
+                  <a:txBody>
+                    <a:bodyPr/>
+                    <a:lstStyle/>
+                    <a:p>
+                      <a:r>
+                        <a:rPr lang="en-US" altLang="zh-CN" dirty="0"/>
+                        <a:t>string</a:t>
+                      </a:r>
+                      <a:endParaRPr lang="zh-CN" altLang="en-US" dirty="0"/>
+                    </a:p>
+                  </a:txBody>
+                  <a:tcPr/>
+                </a:tc>
+                <a:extLst>
+                  <a:ext uri="{0D108BD9-81ED-4DB2-BD59-A6C34878D82A}">
+                    <a16:rowId xmlns:a16="http://schemas.microsoft.com/office/drawing/2014/main" val="3942972833"/>
+                  </a:ext>
+                </a:extLst>
+              </a:tr>
+              <a:tr h="370840">
+                <a:tc>
+                  <a:txBody>
+                    <a:bodyPr/>
+                    <a:lstStyle/>
+                    <a:p>
+                      <a:r>
+                        <a:rPr lang="zh-CN" altLang="en-US" sz="1600" dirty="0"/>
+                        <a:t>消费日期</a:t>
+                      </a:r>
+                    </a:p>
+                  </a:txBody>
+                  <a:tcPr/>
+                </a:tc>
+                <a:tc>
+                  <a:txBody>
+                    <a:bodyPr/>
+                    <a:lstStyle/>
+                    <a:p>
+                      <a:r>
+                        <a:rPr lang="en-US" altLang="zh-CN" sz="1600" dirty="0"/>
+                        <a:t>LOG_DATE</a:t>
+                      </a:r>
+                      <a:endParaRPr lang="zh-CN" altLang="en-US" sz="1600" dirty="0"/>
+                    </a:p>
+                  </a:txBody>
+                  <a:tcPr/>
+                </a:tc>
+                <a:tc>
+                  <a:txBody>
+                    <a:bodyPr/>
+                    <a:lstStyle/>
+                    <a:p>
+                      <a:r>
+                        <a:rPr lang="en-US" altLang="zh-CN" dirty="0"/>
+                        <a:t>date</a:t>
+                      </a:r>
+                      <a:endParaRPr lang="zh-CN" altLang="en-US" dirty="0"/>
+                    </a:p>
+                  </a:txBody>
+                  <a:tcPr/>
+                </a:tc>
+                <a:extLst>
+                  <a:ext uri="{0D108BD9-81ED-4DB2-BD59-A6C34878D82A}">
+                    <a16:rowId xmlns:a16="http://schemas.microsoft.com/office/drawing/2014/main" val="2067977246"/>
+                  </a:ext>
+                </a:extLst>
+              </a:tr>
+              <a:tr h="370840">
+                <a:tc>
+                  <a:txBody>
+                    <a:bodyPr/>
+                    <a:lstStyle/>
+                    <a:p>
+                      <a:r>
+                        <a:rPr lang="zh-CN" altLang="en-US" sz="1600" dirty="0"/>
+                        <a:t>消费金额</a:t>
+                      </a:r>
+                    </a:p>
+                  </a:txBody>
+                  <a:tcPr/>
+                </a:tc>
+                <a:tc>
+                  <a:txBody>
+                    <a:bodyPr/>
+                    <a:lstStyle/>
+                    <a:p>
+                      <a:r>
+                        <a:rPr lang="en-US" altLang="zh-CN" sz="1600" dirty="0"/>
+                        <a:t>Payment</a:t>
+                      </a:r>
+                      <a:endParaRPr lang="zh-CN" altLang="en-US" sz="1600" dirty="0"/>
+                    </a:p>
+                  </a:txBody>
+                  <a:tcPr/>
+                </a:tc>
+                <a:tc>
+                  <a:txBody>
+                    <a:bodyPr/>
+                    <a:lstStyle/>
+                    <a:p>
+                      <a:r>
+                        <a:rPr lang="en-US" altLang="zh-CN" dirty="0"/>
+                        <a:t>number</a:t>
+                      </a:r>
+                      <a:endParaRPr lang="zh-CN" altLang="en-US" dirty="0"/>
+                    </a:p>
+                  </a:txBody>
+                  <a:tcPr/>
+                </a:tc>
+                <a:extLst>
+                  <a:ext uri="{0D108BD9-81ED-4DB2-BD59-A6C34878D82A}">
+                    <a16:rowId xmlns:a16="http://schemas.microsoft.com/office/drawing/2014/main" val="1896627445"/>
+                  </a:ext>
+                </a:extLst>
+              </a:tr>
+            </a:tbl>
+          </a:graphicData>
+        </a:graphic>
+      </p:graphicFrame>
+      <p:graphicFrame>
+        <p:nvGraphicFramePr>
+          <p:cNvPr id="4" name="表格 3">
+            <a:extLst>
+              <a:ext uri="{FF2B5EF4-FFF2-40B4-BE49-F238E27FC236}">
+                <a16:creationId xmlns:a16="http://schemas.microsoft.com/office/drawing/2014/main" id="{83BAD91B-91BE-4E4A-9980-0C00390FEB20}"/>
+              </a:ext>
+            </a:extLst>
+          </p:cNvPr>
+          <p:cNvGraphicFramePr>
+            <a:graphicFrameLocks noGrp="1"/>
+          </p:cNvGraphicFramePr>
+          <p:nvPr>
+            <p:extLst>
+              <p:ext uri="{D42A27DB-BD31-4B8C-83A1-F6EECF244321}">
+                <p14:modId xmlns:p14="http://schemas.microsoft.com/office/powerpoint/2010/main" val="2040403313"/>
+              </p:ext>
+            </p:extLst>
+          </p:nvPr>
+        </p:nvGraphicFramePr>
+        <p:xfrm>
+          <a:off x="8222341" y="1008916"/>
+          <a:ext cx="3827625" cy="2062480"/>
+        </p:xfrm>
+        <a:graphic>
+          <a:graphicData uri="http://schemas.openxmlformats.org/drawingml/2006/table">
+            <a:tbl>
+              <a:tblPr firstRow="1" bandRow="1">
+                <a:tableStyleId>{5C22544A-7EE6-4342-B048-85BDC9FD1C3A}</a:tableStyleId>
+              </a:tblPr>
+              <a:tblGrid>
+                <a:gridCol w="1056433">
+                  <a:extLst>
+                    <a:ext uri="{9D8B030D-6E8A-4147-A177-3AD203B41FA5}">
+                      <a16:colId xmlns:a16="http://schemas.microsoft.com/office/drawing/2014/main" val="2808966103"/>
+                    </a:ext>
+                  </a:extLst>
+                </a:gridCol>
+                <a:gridCol w="1306286">
+                  <a:extLst>
+                    <a:ext uri="{9D8B030D-6E8A-4147-A177-3AD203B41FA5}">
+                      <a16:colId xmlns:a16="http://schemas.microsoft.com/office/drawing/2014/main" val="178635910"/>
+                    </a:ext>
+                  </a:extLst>
+                </a:gridCol>
+                <a:gridCol w="1464906">
+                  <a:extLst>
+                    <a:ext uri="{9D8B030D-6E8A-4147-A177-3AD203B41FA5}">
+                      <a16:colId xmlns:a16="http://schemas.microsoft.com/office/drawing/2014/main" val="3013742345"/>
+                    </a:ext>
+                  </a:extLst>
+                </a:gridCol>
+              </a:tblGrid>
+              <a:tr h="370840">
+                <a:tc gridSpan="3">
+                  <a:txBody>
+                    <a:bodyPr/>
+                    <a:lstStyle/>
+                    <a:p>
+                      <a:r>
+                        <a:rPr lang="en-US" altLang="zh-CN" dirty="0"/>
+                        <a:t>Install(</a:t>
+                      </a:r>
+                      <a:r>
+                        <a:rPr lang="zh-CN" altLang="en-US" dirty="0"/>
+                        <a:t>首次玩游戏的时间数据</a:t>
+                      </a:r>
+                      <a:r>
+                        <a:rPr lang="en-US" altLang="zh-CN" dirty="0"/>
+                        <a:t>)</a:t>
+                      </a:r>
+                      <a:endParaRPr lang="zh-CN" altLang="en-US" dirty="0"/>
+                    </a:p>
+                  </a:txBody>
+                  <a:tcPr/>
+                </a:tc>
+                <a:tc hMerge="1">
+                  <a:txBody>
+                    <a:bodyPr/>
+                    <a:lstStyle/>
+                    <a:p>
+                      <a:endParaRPr lang="zh-CN" altLang="en-US" dirty="0"/>
+                    </a:p>
+                  </a:txBody>
+                  <a:tcPr/>
+                </a:tc>
+                <a:tc hMerge="1">
+                  <a:txBody>
+                    <a:bodyPr/>
+                    <a:lstStyle/>
+                    <a:p>
+                      <a:endParaRPr lang="zh-CN" altLang="en-US" dirty="0"/>
+                    </a:p>
+                  </a:txBody>
+                  <a:tcPr/>
+                </a:tc>
+                <a:extLst>
+                  <a:ext uri="{0D108BD9-81ED-4DB2-BD59-A6C34878D82A}">
+                    <a16:rowId xmlns:a16="http://schemas.microsoft.com/office/drawing/2014/main" val="1816996265"/>
+                  </a:ext>
+                </a:extLst>
+              </a:tr>
+              <a:tr h="370840">
+                <a:tc>
+                  <a:txBody>
+                    <a:bodyPr/>
+                    <a:lstStyle/>
+                    <a:p>
+                      <a:r>
+                        <a:rPr lang="zh-CN" altLang="en-US" sz="1600" dirty="0"/>
+                        <a:t>字段名</a:t>
+                      </a:r>
+                    </a:p>
+                  </a:txBody>
+                  <a:tcPr/>
+                </a:tc>
+                <a:tc>
+                  <a:txBody>
+                    <a:bodyPr/>
+                    <a:lstStyle/>
+                    <a:p>
+                      <a:r>
+                        <a:rPr lang="zh-CN" altLang="en-US" sz="1600" dirty="0"/>
+                        <a:t>字段标识</a:t>
+                      </a:r>
+                    </a:p>
+                  </a:txBody>
+                  <a:tcPr/>
+                </a:tc>
+                <a:tc>
+                  <a:txBody>
+                    <a:bodyPr/>
+                    <a:lstStyle/>
+                    <a:p>
+                      <a:r>
+                        <a:rPr lang="zh-CN" altLang="en-US" sz="1600" dirty="0"/>
+                        <a:t>字段类型</a:t>
+                      </a:r>
+                    </a:p>
+                  </a:txBody>
+                  <a:tcPr/>
+                </a:tc>
+                <a:extLst>
+                  <a:ext uri="{0D108BD9-81ED-4DB2-BD59-A6C34878D82A}">
+                    <a16:rowId xmlns:a16="http://schemas.microsoft.com/office/drawing/2014/main" val="1654404749"/>
+                  </a:ext>
+                </a:extLst>
+              </a:tr>
+              <a:tr h="370840">
+                <a:tc>
+                  <a:txBody>
+                    <a:bodyPr/>
+                    <a:lstStyle/>
+                    <a:p>
+                      <a:r>
+                        <a:rPr lang="zh-CN" altLang="en-US" sz="1600" dirty="0"/>
+                        <a:t>用户</a:t>
+                      </a:r>
+                      <a:r>
+                        <a:rPr lang="en-US" altLang="zh-CN" sz="1600" dirty="0"/>
+                        <a:t>ID</a:t>
+                      </a:r>
+                      <a:endParaRPr lang="zh-CN" altLang="en-US" sz="1600" dirty="0"/>
+                    </a:p>
+                  </a:txBody>
+                  <a:tcPr/>
+                </a:tc>
+                <a:tc>
+                  <a:txBody>
+                    <a:bodyPr/>
+                    <a:lstStyle/>
+                    <a:p>
+                      <a:r>
+                        <a:rPr lang="en-US" altLang="zh-CN" sz="1600" dirty="0"/>
+                        <a:t>USER_ID</a:t>
+                      </a:r>
+                      <a:endParaRPr lang="zh-CN" altLang="en-US" sz="1600" dirty="0"/>
+                    </a:p>
+                  </a:txBody>
+                  <a:tcPr/>
+                </a:tc>
+                <a:tc>
+                  <a:txBody>
+                    <a:bodyPr/>
+                    <a:lstStyle/>
+                    <a:p>
+                      <a:r>
+                        <a:rPr lang="en-US" altLang="zh-CN" dirty="0"/>
+                        <a:t>int</a:t>
+                      </a:r>
+                      <a:endParaRPr lang="zh-CN" altLang="en-US" dirty="0"/>
+                    </a:p>
+                  </a:txBody>
+                  <a:tcPr/>
+                </a:tc>
+                <a:extLst>
+                  <a:ext uri="{0D108BD9-81ED-4DB2-BD59-A6C34878D82A}">
+                    <a16:rowId xmlns:a16="http://schemas.microsoft.com/office/drawing/2014/main" val="3539350493"/>
+                  </a:ext>
+                </a:extLst>
+              </a:tr>
+              <a:tr h="370840">
+                <a:tc>
+                  <a:txBody>
+                    <a:bodyPr/>
+                    <a:lstStyle/>
+                    <a:p>
+                      <a:r>
+                        <a:rPr lang="zh-CN" altLang="en-US" sz="1600" dirty="0"/>
+                        <a:t>应用名称</a:t>
+                      </a:r>
+                    </a:p>
+                  </a:txBody>
+                  <a:tcPr/>
+                </a:tc>
+                <a:tc>
+                  <a:txBody>
+                    <a:bodyPr/>
+                    <a:lstStyle/>
+                    <a:p>
+                      <a:r>
+                        <a:rPr lang="en-US" altLang="zh-CN" sz="1600" dirty="0"/>
+                        <a:t>APP_NAME</a:t>
+                      </a:r>
+                      <a:endParaRPr lang="zh-CN" altLang="en-US" sz="1600" dirty="0"/>
+                    </a:p>
+                  </a:txBody>
+                  <a:tcPr/>
+                </a:tc>
+                <a:tc>
+                  <a:txBody>
+                    <a:bodyPr/>
+                    <a:lstStyle/>
+                    <a:p>
+                      <a:r>
+                        <a:rPr lang="en-US" altLang="zh-CN" dirty="0"/>
+                        <a:t>string</a:t>
+                      </a:r>
+                      <a:endParaRPr lang="zh-CN" altLang="en-US" dirty="0"/>
+                    </a:p>
+                  </a:txBody>
+                  <a:tcPr/>
+                </a:tc>
+                <a:extLst>
+                  <a:ext uri="{0D108BD9-81ED-4DB2-BD59-A6C34878D82A}">
+                    <a16:rowId xmlns:a16="http://schemas.microsoft.com/office/drawing/2014/main" val="3942972833"/>
+                  </a:ext>
+                </a:extLst>
+              </a:tr>
+              <a:tr h="370840">
+                <a:tc>
+                  <a:txBody>
+                    <a:bodyPr/>
+                    <a:lstStyle/>
+                    <a:p>
+                      <a:r>
+                        <a:rPr lang="zh-CN" altLang="en-US" sz="1600" dirty="0"/>
+                        <a:t>首次使用日期</a:t>
+                      </a:r>
+                    </a:p>
+                  </a:txBody>
+                  <a:tcPr/>
+                </a:tc>
+                <a:tc>
+                  <a:txBody>
+                    <a:bodyPr/>
+                    <a:lstStyle/>
+                    <a:p>
+                      <a:r>
+                        <a:rPr lang="en-US" altLang="zh-CN" sz="1600" dirty="0"/>
+                        <a:t>INSTALL_DATE</a:t>
+                      </a:r>
+                      <a:endParaRPr lang="zh-CN" altLang="en-US" sz="1600" dirty="0"/>
+                    </a:p>
+                  </a:txBody>
+                  <a:tcPr/>
+                </a:tc>
+                <a:tc>
+                  <a:txBody>
+                    <a:bodyPr/>
+                    <a:lstStyle/>
+                    <a:p>
+                      <a:r>
+                        <a:rPr lang="en-US" altLang="zh-CN" dirty="0"/>
+                        <a:t>date</a:t>
+                      </a:r>
+                      <a:endParaRPr lang="zh-CN" altLang="en-US" dirty="0"/>
+                    </a:p>
+                  </a:txBody>
+                  <a:tcPr/>
+                </a:tc>
+                <a:extLst>
+                  <a:ext uri="{0D108BD9-81ED-4DB2-BD59-A6C34878D82A}">
+                    <a16:rowId xmlns:a16="http://schemas.microsoft.com/office/drawing/2014/main" val="2067977246"/>
+                  </a:ext>
+                </a:extLst>
+              </a:tr>
+            </a:tbl>
+          </a:graphicData>
+        </a:graphic>
+      </p:graphicFrame>
+      <p:sp>
+        <p:nvSpPr>
+          <p:cNvPr id="5" name="文本框 4">
+            <a:extLst>
+              <a:ext uri="{FF2B5EF4-FFF2-40B4-BE49-F238E27FC236}">
+                <a16:creationId xmlns:a16="http://schemas.microsoft.com/office/drawing/2014/main" id="{823345F4-EDCF-45C8-9AB2-65BD2CE6E5EC}"/>
+              </a:ext>
+            </a:extLst>
+          </p:cNvPr>
+          <p:cNvSpPr txBox="1"/>
+          <p:nvPr/>
+        </p:nvSpPr>
+        <p:spPr>
+          <a:xfrm>
+            <a:off x="142033" y="317241"/>
+            <a:ext cx="2939143" cy="461665"/>
+          </a:xfrm>
+          <a:prstGeom prst="rect">
+            <a:avLst/>
+          </a:prstGeom>
+          <a:noFill/>
+        </p:spPr>
+        <p:txBody>
+          <a:bodyPr wrap="square" rtlCol="0">
+            <a:spAutoFit/>
+          </a:bodyPr>
+          <a:lstStyle/>
+          <a:p>
+            <a:r>
+              <a:rPr lang="zh-CN" altLang="en-US" sz="2400" b="1" dirty="0">
+                <a:latin typeface="微软雅黑" panose="020B0503020204020204" pitchFamily="34" charset="-122"/>
+                <a:ea typeface="微软雅黑" panose="020B0503020204020204" pitchFamily="34" charset="-122"/>
+              </a:rPr>
+              <a:t>需要用到的数据</a:t>
+            </a:r>
+          </a:p>
+        </p:txBody>
+      </p:sp>
     </p:spTree>
     <p:extLst>
       <p:ext uri="{BB962C8B-B14F-4D97-AF65-F5344CB8AC3E}">
-        <p14:creationId xmlns:p14="http://schemas.microsoft.com/office/powerpoint/2010/main" val="3110915262"/>
+        <p14:creationId xmlns:p14="http://schemas.microsoft.com/office/powerpoint/2010/main" val="3693960176"/>
       </p:ext>
     </p:extLst>
   </p:cSld>
